--- a/img/Publicidad.pptx
+++ b/img/Publicidad.pptx
@@ -5,16 +5,17 @@
     <p:sldMasterId id="2147483648" r:id="rId1"/>
   </p:sldMasterIdLst>
   <p:notesMasterIdLst>
-    <p:notesMasterId r:id="rId6"/>
+    <p:notesMasterId r:id="rId7"/>
   </p:notesMasterIdLst>
   <p:handoutMasterIdLst>
-    <p:handoutMasterId r:id="rId7"/>
+    <p:handoutMasterId r:id="rId8"/>
   </p:handoutMasterIdLst>
   <p:sldIdLst>
     <p:sldId id="351" r:id="rId2"/>
     <p:sldId id="350" r:id="rId3"/>
     <p:sldId id="352" r:id="rId4"/>
-    <p:sldId id="353" r:id="rId5"/>
+    <p:sldId id="354" r:id="rId5"/>
+    <p:sldId id="353" r:id="rId6"/>
   </p:sldIdLst>
   <p:sldSz cx="12192000" cy="6858000"/>
   <p:notesSz cx="7010400" cy="9296400"/>
@@ -217,7 +218,7 @@
           <a:p>
             <a:fld id="{792B3D31-0F96-4966-A431-66F6EDEF5F72}" type="datetimeFigureOut">
               <a:rPr lang="es-PE" smtClean="0"/>
-              <a:t>14/09/2021</a:t>
+              <a:t>19/09/2021</a:t>
             </a:fld>
             <a:endParaRPr lang="es-PE"/>
           </a:p>
@@ -382,7 +383,7 @@
           <a:p>
             <a:fld id="{41E43016-2B50-BC4A-8493-4E9F6F3489B7}" type="datetimeFigureOut">
               <a:rPr lang="es-ES" smtClean="0"/>
-              <a:t>14/09/2021</a:t>
+              <a:t>19/09/2021</a:t>
             </a:fld>
             <a:endParaRPr lang="es-ES"/>
           </a:p>
@@ -5058,6 +5059,475 @@
 </file>
 
 <file path=ppt/slides/slide4.xml><?xml version="1.0" encoding="utf-8"?>
+<p:sld xmlns:a="http://schemas.openxmlformats.org/drawingml/2006/main" xmlns:r="http://schemas.openxmlformats.org/officeDocument/2006/relationships" xmlns:p="http://schemas.openxmlformats.org/presentationml/2006/main">
+  <p:cSld>
+    <p:spTree>
+      <p:nvGrpSpPr>
+        <p:cNvPr id="1" name=""/>
+        <p:cNvGrpSpPr/>
+        <p:nvPr/>
+      </p:nvGrpSpPr>
+      <p:grpSpPr>
+        <a:xfrm>
+          <a:off x="0" y="0"/>
+          <a:ext cx="0" cy="0"/>
+          <a:chOff x="0" y="0"/>
+          <a:chExt cx="0" cy="0"/>
+        </a:xfrm>
+      </p:grpSpPr>
+      <p:sp>
+        <p:nvSpPr>
+          <p:cNvPr id="4" name="CuadroTexto 3">
+            <a:extLst>
+              <a:ext uri="{FF2B5EF4-FFF2-40B4-BE49-F238E27FC236}">
+                <a16:creationId xmlns:a16="http://schemas.microsoft.com/office/drawing/2014/main" id="{D9232D69-CB3D-402E-AA3B-950F8AD47642}"/>
+              </a:ext>
+            </a:extLst>
+          </p:cNvPr>
+          <p:cNvSpPr txBox="1"/>
+          <p:nvPr/>
+        </p:nvSpPr>
+        <p:spPr>
+          <a:xfrm>
+            <a:off x="7767464" y="2839453"/>
+            <a:ext cx="3759437" cy="3245319"/>
+          </a:xfrm>
+          <a:prstGeom prst="rect">
+            <a:avLst/>
+          </a:prstGeom>
+          <a:noFill/>
+        </p:spPr>
+        <p:txBody>
+          <a:bodyPr wrap="square" rtlCol="0" anchor="ctr" anchorCtr="0">
+            <a:normAutofit fontScale="92500"/>
+          </a:bodyPr>
+          <a:lstStyle/>
+          <a:p>
+            <a:r>
+              <a:rPr lang="es-PE" sz="2000" b="1" dirty="0">
+                <a:solidFill>
+                  <a:schemeClr val="tx2">
+                    <a:lumMod val="50000"/>
+                  </a:schemeClr>
+                </a:solidFill>
+                <a:latin typeface="Arial Nova" panose="020B0504020202020204" pitchFamily="34" charset="0"/>
+              </a:rPr>
+              <a:t>PROGRAMACIÓN DE BASE DE DATOS ORACLE CON PL/SQL</a:t>
+            </a:r>
+          </a:p>
+          <a:p>
+            <a:r>
+              <a:rPr lang="es-PE" dirty="0">
+                <a:solidFill>
+                  <a:schemeClr val="tx1">
+                    <a:lumMod val="50000"/>
+                    <a:lumOff val="50000"/>
+                  </a:schemeClr>
+                </a:solidFill>
+                <a:latin typeface="Arial Nova" panose="020B0504020202020204" pitchFamily="34" charset="0"/>
+              </a:rPr>
+              <a:t>Aprende a obtener el mejor rendimiento de tú base de datos</a:t>
+            </a:r>
+          </a:p>
+          <a:p>
+            <a:endParaRPr lang="es-PE" sz="2933" dirty="0">
+              <a:solidFill>
+                <a:schemeClr val="tx1">
+                  <a:lumMod val="50000"/>
+                  <a:lumOff val="50000"/>
+                </a:schemeClr>
+              </a:solidFill>
+              <a:latin typeface="Arial Nova" panose="020B0504020202020204" pitchFamily="34" charset="0"/>
+            </a:endParaRPr>
+          </a:p>
+          <a:p>
+            <a:endParaRPr lang="es-PE" sz="2933" dirty="0">
+              <a:solidFill>
+                <a:schemeClr val="tx1">
+                  <a:lumMod val="50000"/>
+                  <a:lumOff val="50000"/>
+                </a:schemeClr>
+              </a:solidFill>
+              <a:latin typeface="Arial Nova" panose="020B0504020202020204" pitchFamily="34" charset="0"/>
+            </a:endParaRPr>
+          </a:p>
+          <a:p>
+            <a:r>
+              <a:rPr lang="es-PE" sz="2000" b="1" dirty="0">
+                <a:solidFill>
+                  <a:schemeClr val="tx2">
+                    <a:lumMod val="50000"/>
+                  </a:schemeClr>
+                </a:solidFill>
+                <a:latin typeface="Arial Nova" panose="020B0504020202020204" pitchFamily="34" charset="0"/>
+              </a:rPr>
+              <a:t>PROGRAMACIÓN DE BASE DE DATOS ORACLE CON JDBC</a:t>
+            </a:r>
+          </a:p>
+          <a:p>
+            <a:r>
+              <a:rPr lang="es-PE" dirty="0">
+                <a:solidFill>
+                  <a:schemeClr val="tx1">
+                    <a:lumMod val="50000"/>
+                    <a:lumOff val="50000"/>
+                  </a:schemeClr>
+                </a:solidFill>
+                <a:latin typeface="Arial Nova" panose="020B0504020202020204" pitchFamily="34" charset="0"/>
+              </a:rPr>
+              <a:t>Aprende a programar correctamente con JDBC</a:t>
+            </a:r>
+          </a:p>
+        </p:txBody>
+      </p:sp>
+      <p:pic>
+        <p:nvPicPr>
+          <p:cNvPr id="5" name="Imagen 4">
+            <a:extLst>
+              <a:ext uri="{FF2B5EF4-FFF2-40B4-BE49-F238E27FC236}">
+                <a16:creationId xmlns:a16="http://schemas.microsoft.com/office/drawing/2014/main" id="{E1C2EC41-2438-4532-84CD-82270AB16B2A}"/>
+              </a:ext>
+            </a:extLst>
+          </p:cNvPr>
+          <p:cNvPicPr>
+            <a:picLocks noChangeAspect="1"/>
+          </p:cNvPicPr>
+          <p:nvPr/>
+        </p:nvPicPr>
+        <p:blipFill>
+          <a:blip r:embed="rId2" cstate="print">
+            <a:extLst>
+              <a:ext uri="{28A0092B-C50C-407E-A947-70E740481C1C}">
+                <a14:useLocalDpi xmlns:a14="http://schemas.microsoft.com/office/drawing/2010/main" val="0"/>
+              </a:ext>
+            </a:extLst>
+          </a:blip>
+          <a:stretch>
+            <a:fillRect/>
+          </a:stretch>
+        </p:blipFill>
+        <p:spPr>
+          <a:xfrm>
+            <a:off x="515694" y="2876279"/>
+            <a:ext cx="1292842" cy="1260000"/>
+          </a:xfrm>
+          <a:prstGeom prst="rect">
+            <a:avLst/>
+          </a:prstGeom>
+        </p:spPr>
+      </p:pic>
+      <p:pic>
+        <p:nvPicPr>
+          <p:cNvPr id="6" name="Imagen 5">
+            <a:extLst>
+              <a:ext uri="{FF2B5EF4-FFF2-40B4-BE49-F238E27FC236}">
+                <a16:creationId xmlns:a16="http://schemas.microsoft.com/office/drawing/2014/main" id="{7174E171-2AC1-4928-A620-DAFA0953D621}"/>
+              </a:ext>
+            </a:extLst>
+          </p:cNvPr>
+          <p:cNvPicPr>
+            <a:picLocks noChangeAspect="1"/>
+          </p:cNvPicPr>
+          <p:nvPr/>
+        </p:nvPicPr>
+        <p:blipFill>
+          <a:blip r:embed="rId3">
+            <a:extLst>
+              <a:ext uri="{28A0092B-C50C-407E-A947-70E740481C1C}">
+                <a14:useLocalDpi xmlns:a14="http://schemas.microsoft.com/office/drawing/2010/main" val="0"/>
+              </a:ext>
+            </a:extLst>
+          </a:blip>
+          <a:stretch>
+            <a:fillRect/>
+          </a:stretch>
+        </p:blipFill>
+        <p:spPr>
+          <a:xfrm>
+            <a:off x="515694" y="4792583"/>
+            <a:ext cx="1290135" cy="1080000"/>
+          </a:xfrm>
+          <a:prstGeom prst="rect">
+            <a:avLst/>
+          </a:prstGeom>
+        </p:spPr>
+      </p:pic>
+      <p:pic>
+        <p:nvPicPr>
+          <p:cNvPr id="7" name="Imagen 6">
+            <a:extLst>
+              <a:ext uri="{FF2B5EF4-FFF2-40B4-BE49-F238E27FC236}">
+                <a16:creationId xmlns:a16="http://schemas.microsoft.com/office/drawing/2014/main" id="{02A76684-0925-4876-A71C-7624CEB49ABF}"/>
+              </a:ext>
+            </a:extLst>
+          </p:cNvPr>
+          <p:cNvPicPr>
+            <a:picLocks noChangeAspect="1"/>
+          </p:cNvPicPr>
+          <p:nvPr/>
+        </p:nvPicPr>
+        <p:blipFill>
+          <a:blip r:embed="rId4" cstate="print">
+            <a:extLst>
+              <a:ext uri="{28A0092B-C50C-407E-A947-70E740481C1C}">
+                <a14:useLocalDpi xmlns:a14="http://schemas.microsoft.com/office/drawing/2010/main" val="0"/>
+              </a:ext>
+            </a:extLst>
+          </a:blip>
+          <a:stretch>
+            <a:fillRect/>
+          </a:stretch>
+        </p:blipFill>
+        <p:spPr>
+          <a:xfrm>
+            <a:off x="6184720" y="4864583"/>
+            <a:ext cx="1359628" cy="1008000"/>
+          </a:xfrm>
+          <a:prstGeom prst="rect">
+            <a:avLst/>
+          </a:prstGeom>
+        </p:spPr>
+      </p:pic>
+      <p:pic>
+        <p:nvPicPr>
+          <p:cNvPr id="8" name="Imagen 7">
+            <a:extLst>
+              <a:ext uri="{FF2B5EF4-FFF2-40B4-BE49-F238E27FC236}">
+                <a16:creationId xmlns:a16="http://schemas.microsoft.com/office/drawing/2014/main" id="{30EB441C-53A3-4BD3-A15B-48BC34FD4951}"/>
+              </a:ext>
+            </a:extLst>
+          </p:cNvPr>
+          <p:cNvPicPr>
+            <a:picLocks noChangeAspect="1"/>
+          </p:cNvPicPr>
+          <p:nvPr/>
+        </p:nvPicPr>
+        <p:blipFill>
+          <a:blip r:embed="rId5" cstate="print">
+            <a:extLst>
+              <a:ext uri="{28A0092B-C50C-407E-A947-70E740481C1C}">
+                <a14:useLocalDpi xmlns:a14="http://schemas.microsoft.com/office/drawing/2010/main" val="0"/>
+              </a:ext>
+            </a:extLst>
+          </a:blip>
+          <a:stretch>
+            <a:fillRect/>
+          </a:stretch>
+        </p:blipFill>
+        <p:spPr>
+          <a:xfrm>
+            <a:off x="6252534" y="2912279"/>
+            <a:ext cx="1224000" cy="1224000"/>
+          </a:xfrm>
+          <a:prstGeom prst="rect">
+            <a:avLst/>
+          </a:prstGeom>
+        </p:spPr>
+      </p:pic>
+      <p:pic>
+        <p:nvPicPr>
+          <p:cNvPr id="12" name="Imagen 11">
+            <a:extLst>
+              <a:ext uri="{FF2B5EF4-FFF2-40B4-BE49-F238E27FC236}">
+                <a16:creationId xmlns:a16="http://schemas.microsoft.com/office/drawing/2014/main" id="{7B20C85F-5C63-432F-AD13-4AFED8AC57D1}"/>
+              </a:ext>
+            </a:extLst>
+          </p:cNvPr>
+          <p:cNvPicPr>
+            <a:picLocks noChangeAspect="1"/>
+          </p:cNvPicPr>
+          <p:nvPr/>
+        </p:nvPicPr>
+        <p:blipFill>
+          <a:blip r:embed="rId6" cstate="print">
+            <a:extLst>
+              <a:ext uri="{28A0092B-C50C-407E-A947-70E740481C1C}">
+                <a14:useLocalDpi xmlns:a14="http://schemas.microsoft.com/office/drawing/2010/main" val="0"/>
+              </a:ext>
+            </a:extLst>
+          </a:blip>
+          <a:stretch>
+            <a:fillRect/>
+          </a:stretch>
+        </p:blipFill>
+        <p:spPr>
+          <a:xfrm>
+            <a:off x="2501555" y="298917"/>
+            <a:ext cx="2232000" cy="2232000"/>
+          </a:xfrm>
+          <a:prstGeom prst="rect">
+            <a:avLst/>
+          </a:prstGeom>
+        </p:spPr>
+      </p:pic>
+      <p:pic>
+        <p:nvPicPr>
+          <p:cNvPr id="13" name="Imagen 12">
+            <a:extLst>
+              <a:ext uri="{FF2B5EF4-FFF2-40B4-BE49-F238E27FC236}">
+                <a16:creationId xmlns:a16="http://schemas.microsoft.com/office/drawing/2014/main" id="{526A7F87-B711-4304-B1F5-1093DDA95DC1}"/>
+              </a:ext>
+            </a:extLst>
+          </p:cNvPr>
+          <p:cNvPicPr>
+            <a:picLocks noChangeAspect="1"/>
+          </p:cNvPicPr>
+          <p:nvPr/>
+        </p:nvPicPr>
+        <p:blipFill>
+          <a:blip r:embed="rId7">
+            <a:extLst>
+              <a:ext uri="{28A0092B-C50C-407E-A947-70E740481C1C}">
+                <a14:useLocalDpi xmlns:a14="http://schemas.microsoft.com/office/drawing/2010/main" val="0"/>
+              </a:ext>
+            </a:extLst>
+          </a:blip>
+          <a:stretch>
+            <a:fillRect/>
+          </a:stretch>
+        </p:blipFill>
+        <p:spPr>
+          <a:xfrm>
+            <a:off x="4931820" y="424917"/>
+            <a:ext cx="4353645" cy="1980000"/>
+          </a:xfrm>
+          <a:prstGeom prst="rect">
+            <a:avLst/>
+          </a:prstGeom>
+        </p:spPr>
+      </p:pic>
+      <p:sp>
+        <p:nvSpPr>
+          <p:cNvPr id="14" name="CuadroTexto 13">
+            <a:extLst>
+              <a:ext uri="{FF2B5EF4-FFF2-40B4-BE49-F238E27FC236}">
+                <a16:creationId xmlns:a16="http://schemas.microsoft.com/office/drawing/2014/main" id="{02E5343D-5252-4D6A-93AE-63EBE7B0CBC7}"/>
+              </a:ext>
+            </a:extLst>
+          </p:cNvPr>
+          <p:cNvSpPr txBox="1"/>
+          <p:nvPr/>
+        </p:nvSpPr>
+        <p:spPr>
+          <a:xfrm>
+            <a:off x="1949595" y="2839453"/>
+            <a:ext cx="3759437" cy="3245319"/>
+          </a:xfrm>
+          <a:prstGeom prst="rect">
+            <a:avLst/>
+          </a:prstGeom>
+          <a:noFill/>
+        </p:spPr>
+        <p:txBody>
+          <a:bodyPr wrap="square" rtlCol="0" anchor="ctr" anchorCtr="0">
+            <a:normAutofit fontScale="92500"/>
+          </a:bodyPr>
+          <a:lstStyle/>
+          <a:p>
+            <a:r>
+              <a:rPr lang="es-PE" sz="2000" b="1" dirty="0">
+                <a:solidFill>
+                  <a:schemeClr val="tx2">
+                    <a:lumMod val="50000"/>
+                  </a:schemeClr>
+                </a:solidFill>
+                <a:latin typeface="Arial Nova" panose="020B0504020202020204" pitchFamily="34" charset="0"/>
+              </a:rPr>
+              <a:t>FUNDAMENTOS DE PROGRAMACIÓN CON JAVA</a:t>
+            </a:r>
+          </a:p>
+          <a:p>
+            <a:r>
+              <a:rPr lang="es-PE" dirty="0">
+                <a:solidFill>
+                  <a:schemeClr val="tx1">
+                    <a:lumMod val="50000"/>
+                    <a:lumOff val="50000"/>
+                  </a:schemeClr>
+                </a:solidFill>
+                <a:latin typeface="Arial Nova" panose="020B0504020202020204" pitchFamily="34" charset="0"/>
+              </a:rPr>
+              <a:t>Inicia tu aprendizaje, utilizando las mejores prácticas de programación</a:t>
+            </a:r>
+          </a:p>
+          <a:p>
+            <a:endParaRPr lang="es-PE" sz="2933" dirty="0">
+              <a:solidFill>
+                <a:schemeClr val="tx1">
+                  <a:lumMod val="50000"/>
+                  <a:lumOff val="50000"/>
+                </a:schemeClr>
+              </a:solidFill>
+              <a:latin typeface="Arial Nova" panose="020B0504020202020204" pitchFamily="34" charset="0"/>
+            </a:endParaRPr>
+          </a:p>
+          <a:p>
+            <a:endParaRPr lang="es-PE" sz="2933" dirty="0">
+              <a:solidFill>
+                <a:schemeClr val="tx1">
+                  <a:lumMod val="50000"/>
+                  <a:lumOff val="50000"/>
+                </a:schemeClr>
+              </a:solidFill>
+              <a:latin typeface="Arial Nova" panose="020B0504020202020204" pitchFamily="34" charset="0"/>
+            </a:endParaRPr>
+          </a:p>
+          <a:p>
+            <a:r>
+              <a:rPr lang="es-PE" sz="2000" b="1" dirty="0">
+                <a:solidFill>
+                  <a:schemeClr val="tx2">
+                    <a:lumMod val="50000"/>
+                  </a:schemeClr>
+                </a:solidFill>
+                <a:latin typeface="Arial Nova" panose="020B0504020202020204" pitchFamily="34" charset="0"/>
+              </a:rPr>
+              <a:t>CURSO PROFESIONAL DE</a:t>
+            </a:r>
+          </a:p>
+          <a:p>
+            <a:r>
+              <a:rPr lang="es-PE" sz="2000" b="1" dirty="0">
+                <a:solidFill>
+                  <a:schemeClr val="tx2">
+                    <a:lumMod val="50000"/>
+                  </a:schemeClr>
+                </a:solidFill>
+                <a:latin typeface="Arial Nova" panose="020B0504020202020204" pitchFamily="34" charset="0"/>
+              </a:rPr>
+              <a:t>JAVA ORIENTADA A OBJETOS</a:t>
+            </a:r>
+          </a:p>
+          <a:p>
+            <a:r>
+              <a:rPr lang="es-PE" dirty="0">
+                <a:solidFill>
+                  <a:schemeClr val="tx1">
+                    <a:lumMod val="50000"/>
+                    <a:lumOff val="50000"/>
+                  </a:schemeClr>
+                </a:solidFill>
+                <a:latin typeface="Arial Nova" panose="020B0504020202020204" pitchFamily="34" charset="0"/>
+              </a:rPr>
+              <a:t>Aprende programación en capas, patrones y buenas prácticas</a:t>
+            </a:r>
+          </a:p>
+        </p:txBody>
+      </p:sp>
+    </p:spTree>
+    <p:extLst>
+      <p:ext uri="{BB962C8B-B14F-4D97-AF65-F5344CB8AC3E}">
+        <p14:creationId xmlns:p14="http://schemas.microsoft.com/office/powerpoint/2010/main" val="3591358943"/>
+      </p:ext>
+    </p:extLst>
+  </p:cSld>
+  <p:clrMapOvr>
+    <a:masterClrMapping/>
+  </p:clrMapOvr>
+</p:sld>
+</file>
+
+<file path=ppt/slides/slide5.xml><?xml version="1.0" encoding="utf-8"?>
 <p:sld xmlns:a="http://schemas.openxmlformats.org/drawingml/2006/main" xmlns:r="http://schemas.openxmlformats.org/officeDocument/2006/relationships" xmlns:p="http://schemas.openxmlformats.org/presentationml/2006/main">
   <p:cSld>
     <p:spTree>

--- a/img/Publicidad.pptx
+++ b/img/Publicidad.pptx
@@ -218,7 +218,7 @@
           <a:p>
             <a:fld id="{792B3D31-0F96-4966-A431-66F6EDEF5F72}" type="datetimeFigureOut">
               <a:rPr lang="es-PE" smtClean="0"/>
-              <a:t>19/09/2021</a:t>
+              <a:t>14/10/2021</a:t>
             </a:fld>
             <a:endParaRPr lang="es-PE"/>
           </a:p>
@@ -383,7 +383,7 @@
           <a:p>
             <a:fld id="{41E43016-2B50-BC4A-8493-4E9F6F3489B7}" type="datetimeFigureOut">
               <a:rPr lang="es-ES" smtClean="0"/>
-              <a:t>19/09/2021</a:t>
+              <a:t>14/10/2021</a:t>
             </a:fld>
             <a:endParaRPr lang="es-ES"/>
           </a:p>
@@ -5009,8 +5009,8 @@
         </p:nvSpPr>
         <p:spPr>
           <a:xfrm>
-            <a:off x="3378883" y="690869"/>
-            <a:ext cx="3759437" cy="1323439"/>
+            <a:off x="2868328" y="690869"/>
+            <a:ext cx="4676019" cy="1631216"/>
           </a:xfrm>
           <a:prstGeom prst="rect">
             <a:avLst/>
@@ -5034,13 +5034,13 @@
           <a:p>
             <a:pPr algn="ctr"/>
             <a:r>
-              <a:rPr lang="es-PE" sz="6000" spc="150" dirty="0">
+              <a:rPr lang="es-PE" sz="8000" spc="150" dirty="0">
                 <a:solidFill>
                   <a:srgbClr val="832BDB"/>
                 </a:solidFill>
                 <a:latin typeface="Fjalla One" panose="02000506040000020004" pitchFamily="2" charset="0"/>
               </a:rPr>
-              <a:t>SET20211</a:t>
+              <a:t>OCT20211</a:t>
             </a:r>
           </a:p>
         </p:txBody>

--- a/img/Publicidad.pptx
+++ b/img/Publicidad.pptx
@@ -218,7 +218,7 @@
           <a:p>
             <a:fld id="{792B3D31-0F96-4966-A431-66F6EDEF5F72}" type="datetimeFigureOut">
               <a:rPr lang="es-PE" smtClean="0"/>
-              <a:t>14/10/2021</a:t>
+              <a:t>28/10/2021</a:t>
             </a:fld>
             <a:endParaRPr lang="es-PE"/>
           </a:p>
@@ -383,7 +383,7 @@
           <a:p>
             <a:fld id="{41E43016-2B50-BC4A-8493-4E9F6F3489B7}" type="datetimeFigureOut">
               <a:rPr lang="es-ES" smtClean="0"/>
-              <a:t>14/10/2021</a:t>
+              <a:t>28/10/2021</a:t>
             </a:fld>
             <a:endParaRPr lang="es-ES"/>
           </a:p>
@@ -5040,7 +5040,7 @@
                 </a:solidFill>
                 <a:latin typeface="Fjalla One" panose="02000506040000020004" pitchFamily="2" charset="0"/>
               </a:rPr>
-              <a:t>OCT20211</a:t>
+              <a:t>OCT2021A</a:t>
             </a:r>
           </a:p>
         </p:txBody>

--- a/img/Publicidad.pptx
+++ b/img/Publicidad.pptx
@@ -218,7 +218,7 @@
           <a:p>
             <a:fld id="{792B3D31-0F96-4966-A431-66F6EDEF5F72}" type="datetimeFigureOut">
               <a:rPr lang="es-PE" smtClean="0"/>
-              <a:t>28/10/2021</a:t>
+              <a:t>16/11/2021</a:t>
             </a:fld>
             <a:endParaRPr lang="es-PE"/>
           </a:p>
@@ -383,7 +383,7 @@
           <a:p>
             <a:fld id="{41E43016-2B50-BC4A-8493-4E9F6F3489B7}" type="datetimeFigureOut">
               <a:rPr lang="es-ES" smtClean="0"/>
-              <a:t>28/10/2021</a:t>
+              <a:t>16/11/2021</a:t>
             </a:fld>
             <a:endParaRPr lang="es-ES"/>
           </a:p>
@@ -5034,14 +5034,20 @@
           <a:p>
             <a:pPr algn="ctr"/>
             <a:r>
-              <a:rPr lang="es-PE" sz="8000" spc="150" dirty="0">
+              <a:rPr lang="es-PE" sz="8000" spc="150">
                 <a:solidFill>
                   <a:srgbClr val="832BDB"/>
                 </a:solidFill>
                 <a:latin typeface="Fjalla One" panose="02000506040000020004" pitchFamily="2" charset="0"/>
               </a:rPr>
-              <a:t>OCT2021A</a:t>
-            </a:r>
+              <a:t>NOV2021A</a:t>
+            </a:r>
+            <a:endParaRPr lang="es-PE" sz="8000" spc="150" dirty="0">
+              <a:solidFill>
+                <a:srgbClr val="832BDB"/>
+              </a:solidFill>
+              <a:latin typeface="Fjalla One" panose="02000506040000020004" pitchFamily="2" charset="0"/>
+            </a:endParaRPr>
           </a:p>
         </p:txBody>
       </p:sp>

--- a/img/Publicidad.pptx
+++ b/img/Publicidad.pptx
@@ -218,7 +218,7 @@
           <a:p>
             <a:fld id="{792B3D31-0F96-4966-A431-66F6EDEF5F72}" type="datetimeFigureOut">
               <a:rPr lang="es-PE" smtClean="0"/>
-              <a:t>16/11/2021</a:t>
+              <a:t>22/11/2021</a:t>
             </a:fld>
             <a:endParaRPr lang="es-PE"/>
           </a:p>
@@ -383,7 +383,7 @@
           <a:p>
             <a:fld id="{41E43016-2B50-BC4A-8493-4E9F6F3489B7}" type="datetimeFigureOut">
               <a:rPr lang="es-ES" smtClean="0"/>
-              <a:t>16/11/2021</a:t>
+              <a:t>22/11/2021</a:t>
             </a:fld>
             <a:endParaRPr lang="es-ES"/>
           </a:p>
@@ -4869,7 +4869,7 @@
         </p:blipFill>
         <p:spPr>
           <a:xfrm>
-            <a:off x="7909389" y="627918"/>
+            <a:off x="8340074" y="627918"/>
             <a:ext cx="3186827" cy="1449340"/>
           </a:xfrm>
           <a:prstGeom prst="rect">
@@ -5009,8 +5009,8 @@
         </p:nvSpPr>
         <p:spPr>
           <a:xfrm>
-            <a:off x="2868328" y="690869"/>
-            <a:ext cx="4676019" cy="1631216"/>
+            <a:off x="2737317" y="460036"/>
+            <a:ext cx="5453782" cy="1785104"/>
           </a:xfrm>
           <a:prstGeom prst="rect">
             <a:avLst/>
@@ -5026,6 +5026,12 @@
             <a:pPr algn="ctr"/>
             <a:r>
               <a:rPr lang="es-PE" sz="2000" dirty="0">
+                <a:solidFill>
+                  <a:schemeClr val="tx1">
+                    <a:lumMod val="75000"/>
+                    <a:lumOff val="25000"/>
+                  </a:schemeClr>
+                </a:solidFill>
                 <a:latin typeface="Fjalla One" panose="02000506040000020004" pitchFamily="2" charset="0"/>
               </a:rPr>
               <a:t>CUPON VIGENTE</a:t>
@@ -5034,20 +5040,15 @@
           <a:p>
             <a:pPr algn="ctr"/>
             <a:r>
-              <a:rPr lang="es-PE" sz="8000" spc="150">
+              <a:rPr lang="es-PE" sz="9000" spc="150" dirty="0">
                 <a:solidFill>
                   <a:srgbClr val="832BDB"/>
                 </a:solidFill>
-                <a:latin typeface="Fjalla One" panose="02000506040000020004" pitchFamily="2" charset="0"/>
-              </a:rPr>
-              <a:t>NOV2021A</a:t>
-            </a:r>
-            <a:endParaRPr lang="es-PE" sz="8000" spc="150" dirty="0">
-              <a:solidFill>
-                <a:srgbClr val="832BDB"/>
-              </a:solidFill>
-              <a:latin typeface="Fjalla One" panose="02000506040000020004" pitchFamily="2" charset="0"/>
-            </a:endParaRPr>
+                <a:latin typeface="Impact" panose="020B0806030902050204" pitchFamily="34" charset="0"/>
+                <a:ea typeface="Roboto Black" panose="02000000000000000000" pitchFamily="2" charset="0"/>
+              </a:rPr>
+              <a:t>NOV2021B</a:t>
+            </a:r>
           </a:p>
         </p:txBody>
       </p:sp>

--- a/img/Publicidad.pptx
+++ b/img/Publicidad.pptx
@@ -218,7 +218,7 @@
           <a:p>
             <a:fld id="{792B3D31-0F96-4966-A431-66F6EDEF5F72}" type="datetimeFigureOut">
               <a:rPr lang="es-PE" smtClean="0"/>
-              <a:t>22/11/2021</a:t>
+              <a:t>18/12/2021</a:t>
             </a:fld>
             <a:endParaRPr lang="es-PE"/>
           </a:p>
@@ -383,7 +383,7 @@
           <a:p>
             <a:fld id="{41E43016-2B50-BC4A-8493-4E9F6F3489B7}" type="datetimeFigureOut">
               <a:rPr lang="es-ES" smtClean="0"/>
-              <a:t>22/11/2021</a:t>
+              <a:t>18/12/2021</a:t>
             </a:fld>
             <a:endParaRPr lang="es-ES"/>
           </a:p>
@@ -5009,8 +5009,8 @@
         </p:nvSpPr>
         <p:spPr>
           <a:xfrm>
-            <a:off x="2737317" y="460036"/>
-            <a:ext cx="5453782" cy="1785104"/>
+            <a:off x="2737317" y="398480"/>
+            <a:ext cx="5453782" cy="1908215"/>
           </a:xfrm>
           <a:prstGeom prst="rect">
             <a:avLst/>
@@ -5025,16 +5025,13 @@
           <a:p>
             <a:pPr algn="ctr"/>
             <a:r>
-              <a:rPr lang="es-PE" sz="2000" dirty="0">
-                <a:solidFill>
-                  <a:schemeClr val="tx1">
-                    <a:lumMod val="75000"/>
-                    <a:lumOff val="25000"/>
-                  </a:schemeClr>
+              <a:rPr lang="es-PE" sz="2800" dirty="0">
+                <a:solidFill>
+                  <a:srgbClr val="FF0000"/>
                 </a:solidFill>
                 <a:latin typeface="Fjalla One" panose="02000506040000020004" pitchFamily="2" charset="0"/>
               </a:rPr>
-              <a:t>CUPON VIGENTE</a:t>
+              <a:t>CUPÓN NVIDEÑO</a:t>
             </a:r>
           </a:p>
           <a:p>
@@ -5047,7 +5044,7 @@
                 <a:latin typeface="Impact" panose="020B0806030902050204" pitchFamily="34" charset="0"/>
                 <a:ea typeface="Roboto Black" panose="02000000000000000000" pitchFamily="2" charset="0"/>
               </a:rPr>
-              <a:t>NOV2021B</a:t>
+              <a:t>DIC2021A</a:t>
             </a:r>
           </a:p>
         </p:txBody>

--- a/img/Publicidad.pptx
+++ b/img/Publicidad.pptx
@@ -218,7 +218,7 @@
           <a:p>
             <a:fld id="{792B3D31-0F96-4966-A431-66F6EDEF5F72}" type="datetimeFigureOut">
               <a:rPr lang="es-PE" smtClean="0"/>
-              <a:t>18/12/2021</a:t>
+              <a:t>19/12/2021</a:t>
             </a:fld>
             <a:endParaRPr lang="es-PE"/>
           </a:p>
@@ -383,7 +383,7 @@
           <a:p>
             <a:fld id="{41E43016-2B50-BC4A-8493-4E9F6F3489B7}" type="datetimeFigureOut">
               <a:rPr lang="es-ES" smtClean="0"/>
-              <a:t>18/12/2021</a:t>
+              <a:t>19/12/2021</a:t>
             </a:fld>
             <a:endParaRPr lang="es-ES"/>
           </a:p>
@@ -5031,7 +5031,7 @@
                 </a:solidFill>
                 <a:latin typeface="Fjalla One" panose="02000506040000020004" pitchFamily="2" charset="0"/>
               </a:rPr>
-              <a:t>CUPÓN NVIDEÑO</a:t>
+              <a:t>CUPÓN NAVIDEÑO</a:t>
             </a:r>
           </a:p>
           <a:p>

--- a/img/Publicidad.pptx
+++ b/img/Publicidad.pptx
@@ -218,7 +218,7 @@
           <a:p>
             <a:fld id="{792B3D31-0F96-4966-A431-66F6EDEF5F72}" type="datetimeFigureOut">
               <a:rPr lang="es-PE" smtClean="0"/>
-              <a:t>19/12/2021</a:t>
+              <a:t>30/12/2021</a:t>
             </a:fld>
             <a:endParaRPr lang="es-PE"/>
           </a:p>
@@ -383,7 +383,7 @@
           <a:p>
             <a:fld id="{41E43016-2B50-BC4A-8493-4E9F6F3489B7}" type="datetimeFigureOut">
               <a:rPr lang="es-ES" smtClean="0"/>
-              <a:t>19/12/2021</a:t>
+              <a:t>30/12/2021</a:t>
             </a:fld>
             <a:endParaRPr lang="es-ES"/>
           </a:p>
@@ -5031,7 +5031,7 @@
                 </a:solidFill>
                 <a:latin typeface="Fjalla One" panose="02000506040000020004" pitchFamily="2" charset="0"/>
               </a:rPr>
-              <a:t>CUPÓN NAVIDEÑO</a:t>
+              <a:t>CUPÓN AÑO NUEVO</a:t>
             </a:r>
           </a:p>
           <a:p>
@@ -5044,7 +5044,7 @@
                 <a:latin typeface="Impact" panose="020B0806030902050204" pitchFamily="34" charset="0"/>
                 <a:ea typeface="Roboto Black" panose="02000000000000000000" pitchFamily="2" charset="0"/>
               </a:rPr>
-              <a:t>DIC2021A</a:t>
+              <a:t>ADIOS2021</a:t>
             </a:r>
           </a:p>
         </p:txBody>

--- a/img/Publicidad.pptx
+++ b/img/Publicidad.pptx
@@ -218,7 +218,7 @@
           <a:p>
             <a:fld id="{792B3D31-0F96-4966-A431-66F6EDEF5F72}" type="datetimeFigureOut">
               <a:rPr lang="es-PE" smtClean="0"/>
-              <a:t>30/12/2021</a:t>
+              <a:t>9/07/2022</a:t>
             </a:fld>
             <a:endParaRPr lang="es-PE"/>
           </a:p>
@@ -383,7 +383,7 @@
           <a:p>
             <a:fld id="{41E43016-2B50-BC4A-8493-4E9F6F3489B7}" type="datetimeFigureOut">
               <a:rPr lang="es-ES" smtClean="0"/>
-              <a:t>30/12/2021</a:t>
+              <a:t>09/07/2022</a:t>
             </a:fld>
             <a:endParaRPr lang="es-ES"/>
           </a:p>
@@ -5009,8 +5009,8 @@
         </p:nvSpPr>
         <p:spPr>
           <a:xfrm>
-            <a:off x="2737317" y="398480"/>
-            <a:ext cx="5453782" cy="1908215"/>
+            <a:off x="2514201" y="398480"/>
+            <a:ext cx="5657033" cy="2000548"/>
           </a:xfrm>
           <a:prstGeom prst="rect">
             <a:avLst/>
@@ -5031,20 +5031,37 @@
                 </a:solidFill>
                 <a:latin typeface="Fjalla One" panose="02000506040000020004" pitchFamily="2" charset="0"/>
               </a:rPr>
-              <a:t>CUPÓN AÑO NUEVO</a:t>
+              <a:t>CUPÓN JULIO 2022</a:t>
             </a:r>
           </a:p>
           <a:p>
             <a:pPr algn="ctr"/>
             <a:r>
-              <a:rPr lang="es-PE" sz="9000" spc="150" dirty="0">
+              <a:rPr lang="es-PE" sz="8000" spc="150" dirty="0">
                 <a:solidFill>
                   <a:srgbClr val="832BDB"/>
                 </a:solidFill>
                 <a:latin typeface="Impact" panose="020B0806030902050204" pitchFamily="34" charset="0"/>
                 <a:ea typeface="Roboto Black" panose="02000000000000000000" pitchFamily="2" charset="0"/>
               </a:rPr>
-              <a:t>ADIOS2021</a:t>
+              <a:t>JULIO202201</a:t>
+            </a:r>
+          </a:p>
+          <a:p>
+            <a:pPr algn="ctr"/>
+            <a:r>
+              <a:rPr lang="es-PE" sz="1600" spc="150" dirty="0">
+                <a:solidFill>
+                  <a:schemeClr val="tx1">
+                    <a:lumMod val="50000"/>
+                    <a:lumOff val="50000"/>
+                  </a:schemeClr>
+                </a:solidFill>
+                <a:latin typeface="Arial" panose="020B0604020202020204" pitchFamily="34" charset="0"/>
+                <a:ea typeface="Roboto Black" panose="02000000000000000000" pitchFamily="2" charset="0"/>
+                <a:cs typeface="Arial" panose="020B0604020202020204" pitchFamily="34" charset="0"/>
+              </a:rPr>
+              <a:t>Caduca el 13/07/2022</a:t>
             </a:r>
           </a:p>
         </p:txBody>

--- a/img/Publicidad.pptx
+++ b/img/Publicidad.pptx
@@ -218,7 +218,7 @@
           <a:p>
             <a:fld id="{792B3D31-0F96-4966-A431-66F6EDEF5F72}" type="datetimeFigureOut">
               <a:rPr lang="es-PE" smtClean="0"/>
-              <a:t>9/07/2022</a:t>
+              <a:t>10/12/2022</a:t>
             </a:fld>
             <a:endParaRPr lang="es-PE"/>
           </a:p>
@@ -383,7 +383,7 @@
           <a:p>
             <a:fld id="{41E43016-2B50-BC4A-8493-4E9F6F3489B7}" type="datetimeFigureOut">
               <a:rPr lang="es-ES" smtClean="0"/>
-              <a:t>09/07/2022</a:t>
+              <a:t>10/12/2022</a:t>
             </a:fld>
             <a:endParaRPr lang="es-ES"/>
           </a:p>
@@ -5010,7 +5010,7 @@
         <p:spPr>
           <a:xfrm>
             <a:off x="2514201" y="398480"/>
-            <a:ext cx="5657033" cy="2000548"/>
+            <a:ext cx="5657033" cy="1877437"/>
           </a:xfrm>
           <a:prstGeom prst="rect">
             <a:avLst/>
@@ -5031,20 +5031,20 @@
                 </a:solidFill>
                 <a:latin typeface="Fjalla One" panose="02000506040000020004" pitchFamily="2" charset="0"/>
               </a:rPr>
-              <a:t>CUPÓN JULIO 2022</a:t>
+              <a:t>CUPÓN DICIEMBRE 2022</a:t>
             </a:r>
           </a:p>
           <a:p>
             <a:pPr algn="ctr"/>
             <a:r>
-              <a:rPr lang="es-PE" sz="8000" spc="150" dirty="0">
+              <a:rPr lang="es-PE" sz="7200" spc="150" dirty="0">
                 <a:solidFill>
                   <a:srgbClr val="832BDB"/>
                 </a:solidFill>
                 <a:latin typeface="Impact" panose="020B0806030902050204" pitchFamily="34" charset="0"/>
                 <a:ea typeface="Roboto Black" panose="02000000000000000000" pitchFamily="2" charset="0"/>
               </a:rPr>
-              <a:t>JULIO202201</a:t>
+              <a:t>NAVIDAD2022</a:t>
             </a:r>
           </a:p>
           <a:p>
@@ -5061,7 +5061,7 @@
                 <a:ea typeface="Roboto Black" panose="02000000000000000000" pitchFamily="2" charset="0"/>
                 <a:cs typeface="Arial" panose="020B0604020202020204" pitchFamily="34" charset="0"/>
               </a:rPr>
-              <a:t>Caduca el 13/07/2022</a:t>
+              <a:t>Desde el 11.dic.2022 por 5 días</a:t>
             </a:r>
           </a:p>
         </p:txBody>

--- a/img/Publicidad.pptx
+++ b/img/Publicidad.pptx
@@ -11,11 +11,11 @@
     <p:handoutMasterId r:id="rId8"/>
   </p:handoutMasterIdLst>
   <p:sldIdLst>
-    <p:sldId id="351" r:id="rId2"/>
+    <p:sldId id="352" r:id="rId2"/>
     <p:sldId id="350" r:id="rId3"/>
-    <p:sldId id="352" r:id="rId4"/>
-    <p:sldId id="354" r:id="rId5"/>
-    <p:sldId id="353" r:id="rId6"/>
+    <p:sldId id="354" r:id="rId4"/>
+    <p:sldId id="353" r:id="rId5"/>
+    <p:sldId id="351" r:id="rId6"/>
   </p:sldIdLst>
   <p:sldSz cx="12192000" cy="6858000"/>
   <p:notesSz cx="7010400" cy="9296400"/>
@@ -218,7 +218,7 @@
           <a:p>
             <a:fld id="{792B3D31-0F96-4966-A431-66F6EDEF5F72}" type="datetimeFigureOut">
               <a:rPr lang="es-PE" smtClean="0"/>
-              <a:t>10/12/2022</a:t>
+              <a:t>22/12/2022</a:t>
             </a:fld>
             <a:endParaRPr lang="es-PE"/>
           </a:p>
@@ -383,7 +383,7 @@
           <a:p>
             <a:fld id="{41E43016-2B50-BC4A-8493-4E9F6F3489B7}" type="datetimeFigureOut">
               <a:rPr lang="es-ES" smtClean="0"/>
-              <a:t>10/12/2022</a:t>
+              <a:t>22/12/2022</a:t>
             </a:fld>
             <a:endParaRPr lang="es-ES"/>
           </a:p>
@@ -3847,554 +3847,115 @@
       </p:grpSpPr>
       <p:sp>
         <p:nvSpPr>
-          <p:cNvPr id="2" name="Título 1">
+          <p:cNvPr id="4" name="CuadroTexto 3">
             <a:extLst>
               <a:ext uri="{FF2B5EF4-FFF2-40B4-BE49-F238E27FC236}">
-                <a16:creationId xmlns:a16="http://schemas.microsoft.com/office/drawing/2014/main" id="{0EF16718-AFD4-4C6A-9CA1-D40582D59B21}"/>
+                <a16:creationId xmlns:a16="http://schemas.microsoft.com/office/drawing/2014/main" id="{D9232D69-CB3D-402E-AA3B-950F8AD47642}"/>
               </a:ext>
             </a:extLst>
           </p:cNvPr>
-          <p:cNvSpPr>
-            <a:spLocks noGrp="1"/>
-          </p:cNvSpPr>
-          <p:nvPr>
-            <p:ph type="title"/>
-          </p:nvPr>
-        </p:nvSpPr>
-        <p:spPr/>
-        <p:txBody>
-          <a:bodyPr/>
-          <a:lstStyle/>
-          <a:p>
-            <a:r>
-              <a:rPr lang="es-MX" dirty="0"/>
-              <a:t>Modelo de Datos</a:t>
-            </a:r>
-            <a:endParaRPr lang="es-PE" dirty="0"/>
-          </a:p>
-        </p:txBody>
-      </p:sp>
-      <p:sp>
-        <p:nvSpPr>
-          <p:cNvPr id="4" name="Rectángulo 3">
-            <a:extLst>
-              <a:ext uri="{FF2B5EF4-FFF2-40B4-BE49-F238E27FC236}">
-                <a16:creationId xmlns:a16="http://schemas.microsoft.com/office/drawing/2014/main" id="{B79AA53A-E900-402D-965B-0BF4EB6779B2}"/>
-              </a:ext>
-            </a:extLst>
-          </p:cNvPr>
-          <p:cNvSpPr/>
+          <p:cNvSpPr txBox="1"/>
           <p:nvPr/>
         </p:nvSpPr>
         <p:spPr>
           <a:xfrm>
-            <a:off x="837397" y="1318659"/>
-            <a:ext cx="4870384" cy="2160000"/>
-          </a:xfrm>
-          <a:prstGeom prst="rect">
-            <a:avLst/>
-          </a:prstGeom>
-          <a:solidFill>
-            <a:schemeClr val="accent5">
-              <a:lumMod val="20000"/>
-              <a:lumOff val="80000"/>
-            </a:schemeClr>
-          </a:solidFill>
-        </p:spPr>
-        <p:style>
-          <a:lnRef idx="2">
-            <a:schemeClr val="accent5">
-              <a:shade val="50000"/>
-            </a:schemeClr>
-          </a:lnRef>
-          <a:fillRef idx="1">
-            <a:schemeClr val="accent5"/>
-          </a:fillRef>
-          <a:effectRef idx="0">
-            <a:schemeClr val="accent5"/>
-          </a:effectRef>
-          <a:fontRef idx="minor">
-            <a:schemeClr val="lt1"/>
-          </a:fontRef>
-        </p:style>
+            <a:off x="7796648" y="2839453"/>
+            <a:ext cx="3759437" cy="3245319"/>
+          </a:xfrm>
+          <a:prstGeom prst="rect">
+            <a:avLst/>
+          </a:prstGeom>
+          <a:noFill/>
+        </p:spPr>
         <p:txBody>
-          <a:bodyPr lIns="180000" tIns="180000" rIns="180000" bIns="144000" rtlCol="0" anchor="ctr"/>
+          <a:bodyPr wrap="square" rtlCol="0" anchor="ctr" anchorCtr="0">
+            <a:normAutofit fontScale="92500"/>
+          </a:bodyPr>
           <a:lstStyle/>
           <a:p>
-            <a:pPr>
-              <a:spcBef>
-                <a:spcPts val="600"/>
-              </a:spcBef>
-              <a:spcAft>
-                <a:spcPts val="600"/>
-              </a:spcAft>
-            </a:pPr>
-            <a:r>
-              <a:rPr lang="es-MX" sz="4000" b="1" spc="150" dirty="0">
-                <a:solidFill>
-                  <a:schemeClr val="accent4"/>
-                </a:solidFill>
-                <a:latin typeface="Fjalla One" panose="02000506040000020004" pitchFamily="2" charset="0"/>
-              </a:rPr>
-              <a:t>  1</a:t>
-            </a:r>
-          </a:p>
-          <a:p>
-            <a:pPr>
-              <a:spcBef>
-                <a:spcPts val="600"/>
-              </a:spcBef>
-              <a:spcAft>
-                <a:spcPts val="600"/>
-              </a:spcAft>
-            </a:pPr>
-            <a:r>
-              <a:rPr lang="es-MX" sz="2000" b="1" spc="150" dirty="0">
-                <a:solidFill>
-                  <a:schemeClr val="bg2">
-                    <a:lumMod val="25000"/>
-                  </a:schemeClr>
-                </a:solidFill>
-                <a:latin typeface="Fjalla One" panose="02000506040000020004" pitchFamily="2" charset="0"/>
-              </a:rPr>
-              <a:t>Requerimiento</a:t>
-            </a:r>
-          </a:p>
-          <a:p>
-            <a:pPr>
-              <a:spcBef>
-                <a:spcPts val="600"/>
-              </a:spcBef>
-              <a:spcAft>
-                <a:spcPts val="600"/>
-              </a:spcAft>
-            </a:pPr>
-            <a:r>
-              <a:rPr lang="es-MX" sz="2000" b="1" spc="150" dirty="0">
-                <a:solidFill>
-                  <a:schemeClr val="bg2">
-                    <a:lumMod val="25000"/>
-                  </a:schemeClr>
-                </a:solidFill>
-                <a:latin typeface="Fjalla One" panose="02000506040000020004" pitchFamily="2" charset="0"/>
-              </a:rPr>
-              <a:t>de Información</a:t>
-            </a:r>
-            <a:endParaRPr lang="es-PE" sz="2000" b="1" spc="150" dirty="0">
+            <a:r>
+              <a:rPr lang="es-PE" sz="2000" b="1" dirty="0">
+                <a:solidFill>
+                  <a:schemeClr val="tx2">
+                    <a:lumMod val="50000"/>
+                  </a:schemeClr>
+                </a:solidFill>
+                <a:latin typeface="Arial Nova" panose="020B0504020202020204" pitchFamily="34" charset="0"/>
+              </a:rPr>
+              <a:t>PROGRAMACIÓN DE BASE DE DATOS ORACLE CON PL/SQL</a:t>
+            </a:r>
+          </a:p>
+          <a:p>
+            <a:r>
+              <a:rPr lang="es-PE" dirty="0">
+                <a:solidFill>
+                  <a:schemeClr val="tx1">
+                    <a:lumMod val="50000"/>
+                    <a:lumOff val="50000"/>
+                  </a:schemeClr>
+                </a:solidFill>
+                <a:latin typeface="Arial Nova" panose="020B0504020202020204" pitchFamily="34" charset="0"/>
+              </a:rPr>
+              <a:t>Aprende a obtener el mejor rendimiento de tú base de datos</a:t>
+            </a:r>
+          </a:p>
+          <a:p>
+            <a:endParaRPr lang="es-PE" sz="2933" dirty="0">
               <a:solidFill>
-                <a:schemeClr val="bg2">
-                  <a:lumMod val="25000"/>
+                <a:schemeClr val="tx1">
+                  <a:lumMod val="50000"/>
+                  <a:lumOff val="50000"/>
                 </a:schemeClr>
               </a:solidFill>
-              <a:latin typeface="Fjalla One" panose="02000506040000020004" pitchFamily="2" charset="0"/>
+              <a:latin typeface="Arial Nova" panose="020B0504020202020204" pitchFamily="34" charset="0"/>
             </a:endParaRPr>
           </a:p>
-        </p:txBody>
-      </p:sp>
-      <p:sp>
-        <p:nvSpPr>
-          <p:cNvPr id="7" name="Rectángulo 6">
-            <a:extLst>
-              <a:ext uri="{FF2B5EF4-FFF2-40B4-BE49-F238E27FC236}">
-                <a16:creationId xmlns:a16="http://schemas.microsoft.com/office/drawing/2014/main" id="{944199D7-2584-4C0A-ADAE-1A215170859D}"/>
-              </a:ext>
-            </a:extLst>
-          </p:cNvPr>
-          <p:cNvSpPr/>
-          <p:nvPr/>
-        </p:nvSpPr>
-        <p:spPr>
-          <a:xfrm>
-            <a:off x="837397" y="3783371"/>
-            <a:ext cx="4870384" cy="2160000"/>
-          </a:xfrm>
-          <a:prstGeom prst="rect">
-            <a:avLst/>
-          </a:prstGeom>
-          <a:solidFill>
-            <a:schemeClr val="accent5">
-              <a:lumMod val="20000"/>
-              <a:lumOff val="80000"/>
-            </a:schemeClr>
-          </a:solidFill>
-        </p:spPr>
-        <p:style>
-          <a:lnRef idx="2">
-            <a:schemeClr val="accent5">
-              <a:shade val="50000"/>
-            </a:schemeClr>
-          </a:lnRef>
-          <a:fillRef idx="1">
-            <a:schemeClr val="accent5"/>
-          </a:fillRef>
-          <a:effectRef idx="0">
-            <a:schemeClr val="accent5"/>
-          </a:effectRef>
-          <a:fontRef idx="minor">
-            <a:schemeClr val="lt1"/>
-          </a:fontRef>
-        </p:style>
-        <p:txBody>
-          <a:bodyPr lIns="180000" tIns="180000" rIns="180000" bIns="144000" rtlCol="0" anchor="ctr"/>
-          <a:lstStyle/>
-          <a:p>
-            <a:pPr>
-              <a:spcBef>
-                <a:spcPts val="600"/>
-              </a:spcBef>
-              <a:spcAft>
-                <a:spcPts val="600"/>
-              </a:spcAft>
-            </a:pPr>
-            <a:r>
-              <a:rPr lang="es-MX" sz="4000" b="1" spc="150" dirty="0">
-                <a:solidFill>
-                  <a:schemeClr val="accent4"/>
-                </a:solidFill>
-                <a:latin typeface="Fjalla One" panose="02000506040000020004" pitchFamily="2" charset="0"/>
-              </a:rPr>
-              <a:t>  3</a:t>
-            </a:r>
-          </a:p>
-          <a:p>
-            <a:pPr>
-              <a:spcBef>
-                <a:spcPts val="600"/>
-              </a:spcBef>
-              <a:spcAft>
-                <a:spcPts val="600"/>
-              </a:spcAft>
-            </a:pPr>
-            <a:r>
-              <a:rPr lang="es-MX" sz="2000" b="1" spc="150" dirty="0">
-                <a:solidFill>
-                  <a:schemeClr val="bg2">
-                    <a:lumMod val="25000"/>
-                  </a:schemeClr>
-                </a:solidFill>
-                <a:latin typeface="Fjalla One" panose="02000506040000020004" pitchFamily="2" charset="0"/>
-              </a:rPr>
-              <a:t>Diseño</a:t>
-            </a:r>
-            <a:br>
-              <a:rPr lang="es-MX" sz="2000" b="1" spc="150" dirty="0">
-                <a:solidFill>
-                  <a:schemeClr val="bg2">
-                    <a:lumMod val="25000"/>
-                  </a:schemeClr>
-                </a:solidFill>
-                <a:latin typeface="Fjalla One" panose="02000506040000020004" pitchFamily="2" charset="0"/>
-              </a:rPr>
-            </a:br>
-            <a:r>
-              <a:rPr lang="es-MX" sz="2000" b="1" spc="150" dirty="0">
-                <a:solidFill>
-                  <a:schemeClr val="bg2">
-                    <a:lumMod val="25000"/>
-                  </a:schemeClr>
-                </a:solidFill>
-                <a:latin typeface="Fjalla One" panose="02000506040000020004" pitchFamily="2" charset="0"/>
-              </a:rPr>
-              <a:t>Lógico</a:t>
-            </a:r>
-            <a:endParaRPr lang="es-PE" sz="2000" b="1" spc="150" dirty="0">
+          <a:p>
+            <a:endParaRPr lang="es-PE" sz="2933" dirty="0">
               <a:solidFill>
-                <a:schemeClr val="bg2">
-                  <a:lumMod val="25000"/>
+                <a:schemeClr val="tx1">
+                  <a:lumMod val="50000"/>
+                  <a:lumOff val="50000"/>
                 </a:schemeClr>
               </a:solidFill>
-              <a:latin typeface="Fjalla One" panose="02000506040000020004" pitchFamily="2" charset="0"/>
+              <a:latin typeface="Arial Nova" panose="020B0504020202020204" pitchFamily="34" charset="0"/>
             </a:endParaRPr>
           </a:p>
-        </p:txBody>
-      </p:sp>
-      <p:sp>
-        <p:nvSpPr>
-          <p:cNvPr id="8" name="Rectángulo 7">
-            <a:extLst>
-              <a:ext uri="{FF2B5EF4-FFF2-40B4-BE49-F238E27FC236}">
-                <a16:creationId xmlns:a16="http://schemas.microsoft.com/office/drawing/2014/main" id="{988B94D5-9656-4767-9D81-13E0A33196A5}"/>
-              </a:ext>
-            </a:extLst>
-          </p:cNvPr>
-          <p:cNvSpPr/>
-          <p:nvPr/>
-        </p:nvSpPr>
-        <p:spPr>
-          <a:xfrm>
-            <a:off x="6484219" y="1318659"/>
-            <a:ext cx="4870384" cy="2160000"/>
-          </a:xfrm>
-          <a:prstGeom prst="rect">
-            <a:avLst/>
-          </a:prstGeom>
-          <a:solidFill>
-            <a:schemeClr val="accent5">
-              <a:lumMod val="20000"/>
-              <a:lumOff val="80000"/>
-            </a:schemeClr>
-          </a:solidFill>
-        </p:spPr>
-        <p:style>
-          <a:lnRef idx="2">
-            <a:schemeClr val="accent5">
-              <a:shade val="50000"/>
-            </a:schemeClr>
-          </a:lnRef>
-          <a:fillRef idx="1">
-            <a:schemeClr val="accent5"/>
-          </a:fillRef>
-          <a:effectRef idx="0">
-            <a:schemeClr val="accent5"/>
-          </a:effectRef>
-          <a:fontRef idx="minor">
-            <a:schemeClr val="lt1"/>
-          </a:fontRef>
-        </p:style>
-        <p:txBody>
-          <a:bodyPr lIns="180000" tIns="180000" rIns="180000" bIns="144000" rtlCol="0" anchor="ctr"/>
-          <a:lstStyle/>
-          <a:p>
-            <a:pPr>
-              <a:spcBef>
-                <a:spcPts val="600"/>
-              </a:spcBef>
-              <a:spcAft>
-                <a:spcPts val="600"/>
-              </a:spcAft>
-            </a:pPr>
-            <a:r>
-              <a:rPr lang="es-MX" sz="4000" b="1" spc="150" dirty="0">
-                <a:solidFill>
-                  <a:schemeClr val="accent4"/>
-                </a:solidFill>
-                <a:latin typeface="Fjalla One" panose="02000506040000020004" pitchFamily="2" charset="0"/>
-              </a:rPr>
-              <a:t>  2</a:t>
-            </a:r>
-          </a:p>
-          <a:p>
-            <a:pPr>
-              <a:spcBef>
-                <a:spcPts val="600"/>
-              </a:spcBef>
-              <a:spcAft>
-                <a:spcPts val="600"/>
-              </a:spcAft>
-            </a:pPr>
-            <a:r>
-              <a:rPr lang="es-MX" sz="2000" b="1" spc="150" dirty="0">
-                <a:solidFill>
-                  <a:schemeClr val="bg2">
-                    <a:lumMod val="25000"/>
-                  </a:schemeClr>
-                </a:solidFill>
-                <a:latin typeface="Fjalla One" panose="02000506040000020004" pitchFamily="2" charset="0"/>
-              </a:rPr>
-              <a:t>Diseño</a:t>
-            </a:r>
-          </a:p>
-          <a:p>
-            <a:pPr>
-              <a:spcBef>
-                <a:spcPts val="600"/>
-              </a:spcBef>
-              <a:spcAft>
-                <a:spcPts val="600"/>
-              </a:spcAft>
-            </a:pPr>
-            <a:r>
-              <a:rPr lang="es-MX" sz="2000" b="1" spc="150" dirty="0">
-                <a:solidFill>
-                  <a:schemeClr val="bg2">
-                    <a:lumMod val="25000"/>
-                  </a:schemeClr>
-                </a:solidFill>
-                <a:latin typeface="Fjalla One" panose="02000506040000020004" pitchFamily="2" charset="0"/>
-              </a:rPr>
-              <a:t>Conceptual</a:t>
-            </a:r>
-            <a:endParaRPr lang="es-PE" sz="2000" b="1" spc="150" dirty="0">
-              <a:solidFill>
-                <a:schemeClr val="bg2">
-                  <a:lumMod val="25000"/>
-                </a:schemeClr>
-              </a:solidFill>
-              <a:latin typeface="Fjalla One" panose="02000506040000020004" pitchFamily="2" charset="0"/>
-            </a:endParaRPr>
-          </a:p>
-        </p:txBody>
-      </p:sp>
-      <p:sp>
-        <p:nvSpPr>
-          <p:cNvPr id="9" name="Rectángulo 8">
-            <a:extLst>
-              <a:ext uri="{FF2B5EF4-FFF2-40B4-BE49-F238E27FC236}">
-                <a16:creationId xmlns:a16="http://schemas.microsoft.com/office/drawing/2014/main" id="{C41AB931-179A-4AFE-B767-A23440EE5D5C}"/>
-              </a:ext>
-            </a:extLst>
-          </p:cNvPr>
-          <p:cNvSpPr/>
-          <p:nvPr/>
-        </p:nvSpPr>
-        <p:spPr>
-          <a:xfrm>
-            <a:off x="6484219" y="3783371"/>
-            <a:ext cx="4870384" cy="2160000"/>
-          </a:xfrm>
-          <a:prstGeom prst="rect">
-            <a:avLst/>
-          </a:prstGeom>
-          <a:solidFill>
-            <a:schemeClr val="accent5">
-              <a:lumMod val="20000"/>
-              <a:lumOff val="80000"/>
-            </a:schemeClr>
-          </a:solidFill>
-        </p:spPr>
-        <p:style>
-          <a:lnRef idx="2">
-            <a:schemeClr val="accent5">
-              <a:shade val="50000"/>
-            </a:schemeClr>
-          </a:lnRef>
-          <a:fillRef idx="1">
-            <a:schemeClr val="accent5"/>
-          </a:fillRef>
-          <a:effectRef idx="0">
-            <a:schemeClr val="accent5"/>
-          </a:effectRef>
-          <a:fontRef idx="minor">
-            <a:schemeClr val="lt1"/>
-          </a:fontRef>
-        </p:style>
-        <p:txBody>
-          <a:bodyPr lIns="180000" tIns="180000" rIns="180000" bIns="144000" rtlCol="0" anchor="ctr"/>
-          <a:lstStyle/>
-          <a:p>
-            <a:pPr>
-              <a:spcBef>
-                <a:spcPts val="600"/>
-              </a:spcBef>
-              <a:spcAft>
-                <a:spcPts val="600"/>
-              </a:spcAft>
-            </a:pPr>
-            <a:r>
-              <a:rPr lang="es-MX" sz="4000" b="1" spc="150" dirty="0">
-                <a:solidFill>
-                  <a:schemeClr val="accent4"/>
-                </a:solidFill>
-                <a:latin typeface="Fjalla One" panose="02000506040000020004" pitchFamily="2" charset="0"/>
-              </a:rPr>
-              <a:t>  4</a:t>
-            </a:r>
-          </a:p>
-          <a:p>
-            <a:pPr>
-              <a:spcBef>
-                <a:spcPts val="600"/>
-              </a:spcBef>
-              <a:spcAft>
-                <a:spcPts val="600"/>
-              </a:spcAft>
-            </a:pPr>
-            <a:r>
-              <a:rPr lang="es-MX" sz="2000" b="1" spc="150" dirty="0">
-                <a:solidFill>
-                  <a:schemeClr val="bg2">
-                    <a:lumMod val="25000"/>
-                  </a:schemeClr>
-                </a:solidFill>
-                <a:latin typeface="Fjalla One" panose="02000506040000020004" pitchFamily="2" charset="0"/>
-              </a:rPr>
-              <a:t>Diseño</a:t>
-            </a:r>
-            <a:br>
-              <a:rPr lang="es-MX" sz="2000" b="1" spc="150" dirty="0">
-                <a:solidFill>
-                  <a:schemeClr val="bg2">
-                    <a:lumMod val="25000"/>
-                  </a:schemeClr>
-                </a:solidFill>
-                <a:latin typeface="Fjalla One" panose="02000506040000020004" pitchFamily="2" charset="0"/>
-              </a:rPr>
-            </a:br>
-            <a:r>
-              <a:rPr lang="es-MX" sz="2000" b="1" spc="150" dirty="0">
-                <a:solidFill>
-                  <a:schemeClr val="bg2">
-                    <a:lumMod val="25000"/>
-                  </a:schemeClr>
-                </a:solidFill>
-                <a:latin typeface="Fjalla One" panose="02000506040000020004" pitchFamily="2" charset="0"/>
-              </a:rPr>
-              <a:t>Físico</a:t>
-            </a:r>
-            <a:endParaRPr lang="es-PE" sz="2000" b="1" spc="150" dirty="0">
-              <a:solidFill>
-                <a:schemeClr val="bg2">
-                  <a:lumMod val="25000"/>
-                </a:schemeClr>
-              </a:solidFill>
-              <a:latin typeface="Fjalla One" panose="02000506040000020004" pitchFamily="2" charset="0"/>
-            </a:endParaRPr>
+          <a:p>
+            <a:r>
+              <a:rPr lang="es-PE" sz="2000" b="1" dirty="0">
+                <a:solidFill>
+                  <a:schemeClr val="tx2">
+                    <a:lumMod val="50000"/>
+                  </a:schemeClr>
+                </a:solidFill>
+                <a:latin typeface="Arial Nova" panose="020B0504020202020204" pitchFamily="34" charset="0"/>
+              </a:rPr>
+              <a:t>PROGRAMACIÓN DE BASE DE DATOS ORACLE CON JDBC</a:t>
+            </a:r>
+          </a:p>
+          <a:p>
+            <a:r>
+              <a:rPr lang="es-PE" dirty="0">
+                <a:solidFill>
+                  <a:schemeClr val="tx1">
+                    <a:lumMod val="50000"/>
+                    <a:lumOff val="50000"/>
+                  </a:schemeClr>
+                </a:solidFill>
+                <a:latin typeface="Arial Nova" panose="020B0504020202020204" pitchFamily="34" charset="0"/>
+              </a:rPr>
+              <a:t>Aprende a programar correctamente con JDBC</a:t>
+            </a:r>
           </a:p>
         </p:txBody>
       </p:sp>
       <p:pic>
         <p:nvPicPr>
-          <p:cNvPr id="1026" name="Picture 2">
+          <p:cNvPr id="5" name="Imagen 4">
             <a:extLst>
               <a:ext uri="{FF2B5EF4-FFF2-40B4-BE49-F238E27FC236}">
-                <a16:creationId xmlns:a16="http://schemas.microsoft.com/office/drawing/2014/main" id="{EC564E9A-FC75-4B5A-B9CF-09C1DA57049D}"/>
-              </a:ext>
-            </a:extLst>
-          </p:cNvPr>
-          <p:cNvPicPr>
-            <a:picLocks noChangeAspect="1" noChangeArrowheads="1"/>
-          </p:cNvPicPr>
-          <p:nvPr/>
-        </p:nvPicPr>
-        <p:blipFill>
-          <a:blip r:embed="rId2">
-            <a:extLst>
-              <a:ext uri="{28A0092B-C50C-407E-A947-70E740481C1C}">
-                <a14:useLocalDpi xmlns:a14="http://schemas.microsoft.com/office/drawing/2010/main" val="0"/>
-              </a:ext>
-            </a:extLst>
-          </a:blip>
-          <a:srcRect/>
-          <a:stretch>
-            <a:fillRect/>
-          </a:stretch>
-        </p:blipFill>
-        <p:spPr bwMode="auto">
-          <a:xfrm>
-            <a:off x="3519263" y="1489222"/>
-            <a:ext cx="1717825" cy="1818874"/>
-          </a:xfrm>
-          <a:prstGeom prst="rect">
-            <a:avLst/>
-          </a:prstGeom>
-          <a:noFill/>
-          <a:extLst>
-            <a:ext uri="{909E8E84-426E-40DD-AFC4-6F175D3DCCD1}">
-              <a14:hiddenFill xmlns:a14="http://schemas.microsoft.com/office/drawing/2010/main">
-                <a:solidFill>
-                  <a:srgbClr val="FFFFFF"/>
-                </a:solidFill>
-              </a14:hiddenFill>
-            </a:ext>
-          </a:extLst>
-        </p:spPr>
-      </p:pic>
-      <p:pic>
-        <p:nvPicPr>
-          <p:cNvPr id="11" name="Imagen 10">
-            <a:extLst>
-              <a:ext uri="{FF2B5EF4-FFF2-40B4-BE49-F238E27FC236}">
-                <a16:creationId xmlns:a16="http://schemas.microsoft.com/office/drawing/2014/main" id="{0750B1BF-CA0D-4BC0-81A7-05361550F378}"/>
+                <a16:creationId xmlns:a16="http://schemas.microsoft.com/office/drawing/2014/main" id="{E1C2EC41-2438-4532-84CD-82270AB16B2A}"/>
               </a:ext>
             </a:extLst>
           </p:cNvPr>
@@ -4404,15 +3965,21 @@
           <p:nvPr/>
         </p:nvPicPr>
         <p:blipFill>
-          <a:blip r:embed="rId3"/>
+          <a:blip r:embed="rId2" cstate="print">
+            <a:extLst>
+              <a:ext uri="{28A0092B-C50C-407E-A947-70E740481C1C}">
+                <a14:useLocalDpi xmlns:a14="http://schemas.microsoft.com/office/drawing/2010/main" val="0"/>
+              </a:ext>
+            </a:extLst>
+          </a:blip>
           <a:stretch>
             <a:fillRect/>
           </a:stretch>
         </p:blipFill>
         <p:spPr>
           <a:xfrm>
-            <a:off x="8214060" y="1696659"/>
-            <a:ext cx="2779550" cy="1404000"/>
+            <a:off x="515694" y="2876279"/>
+            <a:ext cx="1292842" cy="1260000"/>
           </a:xfrm>
           <a:prstGeom prst="rect">
             <a:avLst/>
@@ -4421,57 +3988,10 @@
       </p:pic>
       <p:pic>
         <p:nvPicPr>
-          <p:cNvPr id="1028" name="Picture 4" descr="Ejemplo: Ejemplo de Obtención del Modelo Físico a partir del Modelo Lógico  de Datos">
+          <p:cNvPr id="6" name="Imagen 5">
             <a:extLst>
               <a:ext uri="{FF2B5EF4-FFF2-40B4-BE49-F238E27FC236}">
-                <a16:creationId xmlns:a16="http://schemas.microsoft.com/office/drawing/2014/main" id="{217F900F-8C1B-4B2A-95C0-BC6960DBB609}"/>
-              </a:ext>
-            </a:extLst>
-          </p:cNvPr>
-          <p:cNvPicPr>
-            <a:picLocks noChangeAspect="1" noChangeArrowheads="1"/>
-          </p:cNvPicPr>
-          <p:nvPr/>
-        </p:nvPicPr>
-        <p:blipFill>
-          <a:blip r:embed="rId4">
-            <a:extLst>
-              <a:ext uri="{28A0092B-C50C-407E-A947-70E740481C1C}">
-                <a14:useLocalDpi xmlns:a14="http://schemas.microsoft.com/office/drawing/2010/main" val="0"/>
-              </a:ext>
-            </a:extLst>
-          </a:blip>
-          <a:srcRect/>
-          <a:stretch>
-            <a:fillRect/>
-          </a:stretch>
-        </p:blipFill>
-        <p:spPr bwMode="auto">
-          <a:xfrm>
-            <a:off x="2621213" y="3963371"/>
-            <a:ext cx="2615875" cy="1800000"/>
-          </a:xfrm>
-          <a:prstGeom prst="rect">
-            <a:avLst/>
-          </a:prstGeom>
-          <a:noFill/>
-          <a:extLst>
-            <a:ext uri="{909E8E84-426E-40DD-AFC4-6F175D3DCCD1}">
-              <a14:hiddenFill xmlns:a14="http://schemas.microsoft.com/office/drawing/2010/main">
-                <a:solidFill>
-                  <a:srgbClr val="FFFFFF"/>
-                </a:solidFill>
-              </a14:hiddenFill>
-            </a:ext>
-          </a:extLst>
-        </p:spPr>
-      </p:pic>
-      <p:pic>
-        <p:nvPicPr>
-          <p:cNvPr id="13" name="Imagen 12">
-            <a:extLst>
-              <a:ext uri="{FF2B5EF4-FFF2-40B4-BE49-F238E27FC236}">
-                <a16:creationId xmlns:a16="http://schemas.microsoft.com/office/drawing/2014/main" id="{4E2A2403-3CCD-44A2-81F8-02913A4A18A2}"/>
+                <a16:creationId xmlns:a16="http://schemas.microsoft.com/office/drawing/2014/main" id="{7174E171-2AC1-4928-A620-DAFA0953D621}"/>
               </a:ext>
             </a:extLst>
           </p:cNvPr>
@@ -4481,25 +4001,364 @@
           <p:nvPr/>
         </p:nvPicPr>
         <p:blipFill>
-          <a:blip r:embed="rId5"/>
+          <a:blip r:embed="rId3">
+            <a:extLst>
+              <a:ext uri="{28A0092B-C50C-407E-A947-70E740481C1C}">
+                <a14:useLocalDpi xmlns:a14="http://schemas.microsoft.com/office/drawing/2010/main" val="0"/>
+              </a:ext>
+            </a:extLst>
+          </a:blip>
           <a:stretch>
             <a:fillRect/>
           </a:stretch>
         </p:blipFill>
         <p:spPr>
           <a:xfrm>
-            <a:off x="8066007" y="3963371"/>
-            <a:ext cx="3075655" cy="1800000"/>
+            <a:off x="515694" y="4792583"/>
+            <a:ext cx="1290135" cy="1080000"/>
           </a:xfrm>
           <a:prstGeom prst="rect">
             <a:avLst/>
           </a:prstGeom>
         </p:spPr>
       </p:pic>
+      <p:pic>
+        <p:nvPicPr>
+          <p:cNvPr id="7" name="Imagen 6">
+            <a:extLst>
+              <a:ext uri="{FF2B5EF4-FFF2-40B4-BE49-F238E27FC236}">
+                <a16:creationId xmlns:a16="http://schemas.microsoft.com/office/drawing/2014/main" id="{02A76684-0925-4876-A71C-7624CEB49ABF}"/>
+              </a:ext>
+            </a:extLst>
+          </p:cNvPr>
+          <p:cNvPicPr>
+            <a:picLocks noChangeAspect="1"/>
+          </p:cNvPicPr>
+          <p:nvPr/>
+        </p:nvPicPr>
+        <p:blipFill>
+          <a:blip r:embed="rId4" cstate="print">
+            <a:extLst>
+              <a:ext uri="{28A0092B-C50C-407E-A947-70E740481C1C}">
+                <a14:useLocalDpi xmlns:a14="http://schemas.microsoft.com/office/drawing/2010/main" val="0"/>
+              </a:ext>
+            </a:extLst>
+          </a:blip>
+          <a:stretch>
+            <a:fillRect/>
+          </a:stretch>
+        </p:blipFill>
+        <p:spPr>
+          <a:xfrm>
+            <a:off x="6213904" y="4864583"/>
+            <a:ext cx="1359628" cy="1008000"/>
+          </a:xfrm>
+          <a:prstGeom prst="rect">
+            <a:avLst/>
+          </a:prstGeom>
+        </p:spPr>
+      </p:pic>
+      <p:pic>
+        <p:nvPicPr>
+          <p:cNvPr id="8" name="Imagen 7">
+            <a:extLst>
+              <a:ext uri="{FF2B5EF4-FFF2-40B4-BE49-F238E27FC236}">
+                <a16:creationId xmlns:a16="http://schemas.microsoft.com/office/drawing/2014/main" id="{30EB441C-53A3-4BD3-A15B-48BC34FD4951}"/>
+              </a:ext>
+            </a:extLst>
+          </p:cNvPr>
+          <p:cNvPicPr>
+            <a:picLocks noChangeAspect="1"/>
+          </p:cNvPicPr>
+          <p:nvPr/>
+        </p:nvPicPr>
+        <p:blipFill>
+          <a:blip r:embed="rId5" cstate="print">
+            <a:extLst>
+              <a:ext uri="{28A0092B-C50C-407E-A947-70E740481C1C}">
+                <a14:useLocalDpi xmlns:a14="http://schemas.microsoft.com/office/drawing/2010/main" val="0"/>
+              </a:ext>
+            </a:extLst>
+          </a:blip>
+          <a:stretch>
+            <a:fillRect/>
+          </a:stretch>
+        </p:blipFill>
+        <p:spPr>
+          <a:xfrm>
+            <a:off x="6281718" y="2912279"/>
+            <a:ext cx="1224000" cy="1224000"/>
+          </a:xfrm>
+          <a:prstGeom prst="rect">
+            <a:avLst/>
+          </a:prstGeom>
+        </p:spPr>
+      </p:pic>
+      <p:pic>
+        <p:nvPicPr>
+          <p:cNvPr id="12" name="Imagen 11">
+            <a:extLst>
+              <a:ext uri="{FF2B5EF4-FFF2-40B4-BE49-F238E27FC236}">
+                <a16:creationId xmlns:a16="http://schemas.microsoft.com/office/drawing/2014/main" id="{7B20C85F-5C63-432F-AD13-4AFED8AC57D1}"/>
+              </a:ext>
+            </a:extLst>
+          </p:cNvPr>
+          <p:cNvPicPr>
+            <a:picLocks noChangeAspect="1"/>
+          </p:cNvPicPr>
+          <p:nvPr/>
+        </p:nvPicPr>
+        <p:blipFill>
+          <a:blip r:embed="rId6" cstate="print">
+            <a:extLst>
+              <a:ext uri="{28A0092B-C50C-407E-A947-70E740481C1C}">
+                <a14:useLocalDpi xmlns:a14="http://schemas.microsoft.com/office/drawing/2010/main" val="0"/>
+              </a:ext>
+            </a:extLst>
+          </a:blip>
+          <a:stretch>
+            <a:fillRect/>
+          </a:stretch>
+        </p:blipFill>
+        <p:spPr>
+          <a:xfrm>
+            <a:off x="515694" y="353336"/>
+            <a:ext cx="1998507" cy="1998507"/>
+          </a:xfrm>
+          <a:prstGeom prst="rect">
+            <a:avLst/>
+          </a:prstGeom>
+        </p:spPr>
+      </p:pic>
+      <p:pic>
+        <p:nvPicPr>
+          <p:cNvPr id="13" name="Imagen 12">
+            <a:extLst>
+              <a:ext uri="{FF2B5EF4-FFF2-40B4-BE49-F238E27FC236}">
+                <a16:creationId xmlns:a16="http://schemas.microsoft.com/office/drawing/2014/main" id="{526A7F87-B711-4304-B1F5-1093DDA95DC1}"/>
+              </a:ext>
+            </a:extLst>
+          </p:cNvPr>
+          <p:cNvPicPr>
+            <a:picLocks noChangeAspect="1"/>
+          </p:cNvPicPr>
+          <p:nvPr/>
+        </p:nvPicPr>
+        <p:blipFill>
+          <a:blip r:embed="rId7">
+            <a:extLst>
+              <a:ext uri="{28A0092B-C50C-407E-A947-70E740481C1C}">
+                <a14:useLocalDpi xmlns:a14="http://schemas.microsoft.com/office/drawing/2010/main" val="0"/>
+              </a:ext>
+            </a:extLst>
+          </a:blip>
+          <a:stretch>
+            <a:fillRect/>
+          </a:stretch>
+        </p:blipFill>
+        <p:spPr>
+          <a:xfrm>
+            <a:off x="8456810" y="627918"/>
+            <a:ext cx="3186827" cy="1449340"/>
+          </a:xfrm>
+          <a:prstGeom prst="rect">
+            <a:avLst/>
+          </a:prstGeom>
+        </p:spPr>
+      </p:pic>
+      <p:sp>
+        <p:nvSpPr>
+          <p:cNvPr id="14" name="CuadroTexto 13">
+            <a:extLst>
+              <a:ext uri="{FF2B5EF4-FFF2-40B4-BE49-F238E27FC236}">
+                <a16:creationId xmlns:a16="http://schemas.microsoft.com/office/drawing/2014/main" id="{02E5343D-5252-4D6A-93AE-63EBE7B0CBC7}"/>
+              </a:ext>
+            </a:extLst>
+          </p:cNvPr>
+          <p:cNvSpPr txBox="1"/>
+          <p:nvPr/>
+        </p:nvSpPr>
+        <p:spPr>
+          <a:xfrm>
+            <a:off x="1949595" y="2839453"/>
+            <a:ext cx="3759437" cy="3245319"/>
+          </a:xfrm>
+          <a:prstGeom prst="rect">
+            <a:avLst/>
+          </a:prstGeom>
+          <a:noFill/>
+        </p:spPr>
+        <p:txBody>
+          <a:bodyPr wrap="square" rtlCol="0" anchor="ctr" anchorCtr="0">
+            <a:normAutofit fontScale="92500"/>
+          </a:bodyPr>
+          <a:lstStyle/>
+          <a:p>
+            <a:r>
+              <a:rPr lang="es-PE" sz="2000" b="1" dirty="0">
+                <a:solidFill>
+                  <a:schemeClr val="tx2">
+                    <a:lumMod val="50000"/>
+                  </a:schemeClr>
+                </a:solidFill>
+                <a:latin typeface="Arial Nova" panose="020B0504020202020204" pitchFamily="34" charset="0"/>
+              </a:rPr>
+              <a:t>FUNDAMENTOS DE PROGRAMACIÓN CON JAVA</a:t>
+            </a:r>
+          </a:p>
+          <a:p>
+            <a:r>
+              <a:rPr lang="es-PE" dirty="0">
+                <a:solidFill>
+                  <a:schemeClr val="tx1">
+                    <a:lumMod val="50000"/>
+                    <a:lumOff val="50000"/>
+                  </a:schemeClr>
+                </a:solidFill>
+                <a:latin typeface="Arial Nova" panose="020B0504020202020204" pitchFamily="34" charset="0"/>
+              </a:rPr>
+              <a:t>Inicia tu aprendizaje, utilizando las mejores prácticas de programación</a:t>
+            </a:r>
+          </a:p>
+          <a:p>
+            <a:endParaRPr lang="es-PE" sz="2933" dirty="0">
+              <a:solidFill>
+                <a:schemeClr val="tx1">
+                  <a:lumMod val="50000"/>
+                  <a:lumOff val="50000"/>
+                </a:schemeClr>
+              </a:solidFill>
+              <a:latin typeface="Arial Nova" panose="020B0504020202020204" pitchFamily="34" charset="0"/>
+            </a:endParaRPr>
+          </a:p>
+          <a:p>
+            <a:endParaRPr lang="es-PE" sz="2933" dirty="0">
+              <a:solidFill>
+                <a:schemeClr val="tx1">
+                  <a:lumMod val="50000"/>
+                  <a:lumOff val="50000"/>
+                </a:schemeClr>
+              </a:solidFill>
+              <a:latin typeface="Arial Nova" panose="020B0504020202020204" pitchFamily="34" charset="0"/>
+            </a:endParaRPr>
+          </a:p>
+          <a:p>
+            <a:r>
+              <a:rPr lang="es-PE" sz="2000" b="1" dirty="0">
+                <a:solidFill>
+                  <a:schemeClr val="tx2">
+                    <a:lumMod val="50000"/>
+                  </a:schemeClr>
+                </a:solidFill>
+                <a:latin typeface="Arial Nova" panose="020B0504020202020204" pitchFamily="34" charset="0"/>
+              </a:rPr>
+              <a:t>CURSO PROFESIONAL DE</a:t>
+            </a:r>
+          </a:p>
+          <a:p>
+            <a:r>
+              <a:rPr lang="es-PE" sz="2000" b="1" dirty="0">
+                <a:solidFill>
+                  <a:schemeClr val="tx2">
+                    <a:lumMod val="50000"/>
+                  </a:schemeClr>
+                </a:solidFill>
+                <a:latin typeface="Arial Nova" panose="020B0504020202020204" pitchFamily="34" charset="0"/>
+              </a:rPr>
+              <a:t>JAVA ORIENTADA A OBJETOS</a:t>
+            </a:r>
+          </a:p>
+          <a:p>
+            <a:r>
+              <a:rPr lang="es-PE" dirty="0">
+                <a:solidFill>
+                  <a:schemeClr val="tx1">
+                    <a:lumMod val="50000"/>
+                    <a:lumOff val="50000"/>
+                  </a:schemeClr>
+                </a:solidFill>
+                <a:latin typeface="Arial Nova" panose="020B0504020202020204" pitchFamily="34" charset="0"/>
+              </a:rPr>
+              <a:t>Aprende programación en capas, patrones y buenas prácticas</a:t>
+            </a:r>
+          </a:p>
+        </p:txBody>
+      </p:sp>
+      <p:sp>
+        <p:nvSpPr>
+          <p:cNvPr id="17" name="CuadroTexto 16">
+            <a:extLst>
+              <a:ext uri="{FF2B5EF4-FFF2-40B4-BE49-F238E27FC236}">
+                <a16:creationId xmlns:a16="http://schemas.microsoft.com/office/drawing/2014/main" id="{141228EE-8CB5-4867-97BC-3840D055B0E6}"/>
+              </a:ext>
+            </a:extLst>
+          </p:cNvPr>
+          <p:cNvSpPr txBox="1"/>
+          <p:nvPr/>
+        </p:nvSpPr>
+        <p:spPr>
+          <a:xfrm>
+            <a:off x="2514201" y="398480"/>
+            <a:ext cx="5822403" cy="1908215"/>
+          </a:xfrm>
+          <a:prstGeom prst="rect">
+            <a:avLst/>
+          </a:prstGeom>
+          <a:noFill/>
+        </p:spPr>
+        <p:txBody>
+          <a:bodyPr wrap="square" rtlCol="0">
+            <a:spAutoFit/>
+          </a:bodyPr>
+          <a:lstStyle/>
+          <a:p>
+            <a:pPr algn="ctr"/>
+            <a:r>
+              <a:rPr lang="es-PE" sz="3200" dirty="0">
+                <a:solidFill>
+                  <a:srgbClr val="FF0000"/>
+                </a:solidFill>
+                <a:latin typeface="Fjalla One" panose="02000506040000020004" pitchFamily="2" charset="0"/>
+              </a:rPr>
+              <a:t>CUPÓN NAVIDAD 2022</a:t>
+            </a:r>
+          </a:p>
+          <a:p>
+            <a:pPr algn="ctr"/>
+            <a:r>
+              <a:rPr lang="es-PE" sz="7000" spc="150" dirty="0">
+                <a:solidFill>
+                  <a:srgbClr val="832BDB"/>
+                </a:solidFill>
+                <a:latin typeface="Impact" panose="020B0806030902050204" pitchFamily="34" charset="0"/>
+                <a:ea typeface="Roboto Black" panose="02000000000000000000" pitchFamily="2" charset="0"/>
+              </a:rPr>
+              <a:t>NAVIDAD-2022</a:t>
+            </a:r>
+          </a:p>
+          <a:p>
+            <a:pPr algn="ctr"/>
+            <a:r>
+              <a:rPr lang="es-PE" sz="1600" spc="150" dirty="0">
+                <a:solidFill>
+                  <a:schemeClr val="tx1">
+                    <a:lumMod val="50000"/>
+                    <a:lumOff val="50000"/>
+                  </a:schemeClr>
+                </a:solidFill>
+                <a:latin typeface="Arial" panose="020B0604020202020204" pitchFamily="34" charset="0"/>
+                <a:ea typeface="Roboto Black" panose="02000000000000000000" pitchFamily="2" charset="0"/>
+                <a:cs typeface="Arial" panose="020B0604020202020204" pitchFamily="34" charset="0"/>
+              </a:rPr>
+              <a:t>Desde el 22.dic.2022 12:00 Horas por 5 días</a:t>
+            </a:r>
+          </a:p>
+        </p:txBody>
+      </p:sp>
     </p:spTree>
     <p:extLst>
       <p:ext uri="{BB962C8B-B14F-4D97-AF65-F5344CB8AC3E}">
-        <p14:creationId xmlns:p14="http://schemas.microsoft.com/office/powerpoint/2010/main" val="3823782369"/>
+        <p14:creationId xmlns:p14="http://schemas.microsoft.com/office/powerpoint/2010/main" val="3758289720"/>
       </p:ext>
     </p:extLst>
   </p:cSld>
@@ -4833,546 +4692,6 @@
         </p:blipFill>
         <p:spPr>
           <a:xfrm>
-            <a:off x="515694" y="353336"/>
-            <a:ext cx="1998507" cy="1998507"/>
-          </a:xfrm>
-          <a:prstGeom prst="rect">
-            <a:avLst/>
-          </a:prstGeom>
-        </p:spPr>
-      </p:pic>
-      <p:pic>
-        <p:nvPicPr>
-          <p:cNvPr id="13" name="Imagen 12">
-            <a:extLst>
-              <a:ext uri="{FF2B5EF4-FFF2-40B4-BE49-F238E27FC236}">
-                <a16:creationId xmlns:a16="http://schemas.microsoft.com/office/drawing/2014/main" id="{526A7F87-B711-4304-B1F5-1093DDA95DC1}"/>
-              </a:ext>
-            </a:extLst>
-          </p:cNvPr>
-          <p:cNvPicPr>
-            <a:picLocks noChangeAspect="1"/>
-          </p:cNvPicPr>
-          <p:nvPr/>
-        </p:nvPicPr>
-        <p:blipFill>
-          <a:blip r:embed="rId7">
-            <a:extLst>
-              <a:ext uri="{28A0092B-C50C-407E-A947-70E740481C1C}">
-                <a14:useLocalDpi xmlns:a14="http://schemas.microsoft.com/office/drawing/2010/main" val="0"/>
-              </a:ext>
-            </a:extLst>
-          </a:blip>
-          <a:stretch>
-            <a:fillRect/>
-          </a:stretch>
-        </p:blipFill>
-        <p:spPr>
-          <a:xfrm>
-            <a:off x="8340074" y="627918"/>
-            <a:ext cx="3186827" cy="1449340"/>
-          </a:xfrm>
-          <a:prstGeom prst="rect">
-            <a:avLst/>
-          </a:prstGeom>
-        </p:spPr>
-      </p:pic>
-      <p:sp>
-        <p:nvSpPr>
-          <p:cNvPr id="14" name="CuadroTexto 13">
-            <a:extLst>
-              <a:ext uri="{FF2B5EF4-FFF2-40B4-BE49-F238E27FC236}">
-                <a16:creationId xmlns:a16="http://schemas.microsoft.com/office/drawing/2014/main" id="{02E5343D-5252-4D6A-93AE-63EBE7B0CBC7}"/>
-              </a:ext>
-            </a:extLst>
-          </p:cNvPr>
-          <p:cNvSpPr txBox="1"/>
-          <p:nvPr/>
-        </p:nvSpPr>
-        <p:spPr>
-          <a:xfrm>
-            <a:off x="1949595" y="2839453"/>
-            <a:ext cx="3759437" cy="3245319"/>
-          </a:xfrm>
-          <a:prstGeom prst="rect">
-            <a:avLst/>
-          </a:prstGeom>
-          <a:noFill/>
-        </p:spPr>
-        <p:txBody>
-          <a:bodyPr wrap="square" rtlCol="0" anchor="ctr" anchorCtr="0">
-            <a:normAutofit fontScale="92500"/>
-          </a:bodyPr>
-          <a:lstStyle/>
-          <a:p>
-            <a:r>
-              <a:rPr lang="es-PE" sz="2000" b="1" dirty="0">
-                <a:solidFill>
-                  <a:schemeClr val="tx2">
-                    <a:lumMod val="50000"/>
-                  </a:schemeClr>
-                </a:solidFill>
-                <a:latin typeface="Arial Nova" panose="020B0504020202020204" pitchFamily="34" charset="0"/>
-              </a:rPr>
-              <a:t>FUNDAMENTOS DE PROGRAMACIÓN CON JAVA</a:t>
-            </a:r>
-          </a:p>
-          <a:p>
-            <a:r>
-              <a:rPr lang="es-PE" dirty="0">
-                <a:solidFill>
-                  <a:schemeClr val="tx1">
-                    <a:lumMod val="50000"/>
-                    <a:lumOff val="50000"/>
-                  </a:schemeClr>
-                </a:solidFill>
-                <a:latin typeface="Arial Nova" panose="020B0504020202020204" pitchFamily="34" charset="0"/>
-              </a:rPr>
-              <a:t>Inicia tu aprendizaje, utilizando las mejores prácticas de programación</a:t>
-            </a:r>
-          </a:p>
-          <a:p>
-            <a:endParaRPr lang="es-PE" sz="2933" dirty="0">
-              <a:solidFill>
-                <a:schemeClr val="tx1">
-                  <a:lumMod val="50000"/>
-                  <a:lumOff val="50000"/>
-                </a:schemeClr>
-              </a:solidFill>
-              <a:latin typeface="Arial Nova" panose="020B0504020202020204" pitchFamily="34" charset="0"/>
-            </a:endParaRPr>
-          </a:p>
-          <a:p>
-            <a:endParaRPr lang="es-PE" sz="2933" dirty="0">
-              <a:solidFill>
-                <a:schemeClr val="tx1">
-                  <a:lumMod val="50000"/>
-                  <a:lumOff val="50000"/>
-                </a:schemeClr>
-              </a:solidFill>
-              <a:latin typeface="Arial Nova" panose="020B0504020202020204" pitchFamily="34" charset="0"/>
-            </a:endParaRPr>
-          </a:p>
-          <a:p>
-            <a:r>
-              <a:rPr lang="es-PE" sz="2000" b="1" dirty="0">
-                <a:solidFill>
-                  <a:schemeClr val="tx2">
-                    <a:lumMod val="50000"/>
-                  </a:schemeClr>
-                </a:solidFill>
-                <a:latin typeface="Arial Nova" panose="020B0504020202020204" pitchFamily="34" charset="0"/>
-              </a:rPr>
-              <a:t>CURSO PROFESIONAL DE</a:t>
-            </a:r>
-          </a:p>
-          <a:p>
-            <a:r>
-              <a:rPr lang="es-PE" sz="2000" b="1" dirty="0">
-                <a:solidFill>
-                  <a:schemeClr val="tx2">
-                    <a:lumMod val="50000"/>
-                  </a:schemeClr>
-                </a:solidFill>
-                <a:latin typeface="Arial Nova" panose="020B0504020202020204" pitchFamily="34" charset="0"/>
-              </a:rPr>
-              <a:t>JAVA ORIENTADA A OBJETOS</a:t>
-            </a:r>
-          </a:p>
-          <a:p>
-            <a:r>
-              <a:rPr lang="es-PE" dirty="0">
-                <a:solidFill>
-                  <a:schemeClr val="tx1">
-                    <a:lumMod val="50000"/>
-                    <a:lumOff val="50000"/>
-                  </a:schemeClr>
-                </a:solidFill>
-                <a:latin typeface="Arial Nova" panose="020B0504020202020204" pitchFamily="34" charset="0"/>
-              </a:rPr>
-              <a:t>Aprende programación en capas, patrones y buenas prácticas</a:t>
-            </a:r>
-          </a:p>
-        </p:txBody>
-      </p:sp>
-      <p:sp>
-        <p:nvSpPr>
-          <p:cNvPr id="17" name="CuadroTexto 16">
-            <a:extLst>
-              <a:ext uri="{FF2B5EF4-FFF2-40B4-BE49-F238E27FC236}">
-                <a16:creationId xmlns:a16="http://schemas.microsoft.com/office/drawing/2014/main" id="{141228EE-8CB5-4867-97BC-3840D055B0E6}"/>
-              </a:ext>
-            </a:extLst>
-          </p:cNvPr>
-          <p:cNvSpPr txBox="1"/>
-          <p:nvPr/>
-        </p:nvSpPr>
-        <p:spPr>
-          <a:xfrm>
-            <a:off x="2514201" y="398480"/>
-            <a:ext cx="5657033" cy="1877437"/>
-          </a:xfrm>
-          <a:prstGeom prst="rect">
-            <a:avLst/>
-          </a:prstGeom>
-          <a:noFill/>
-        </p:spPr>
-        <p:txBody>
-          <a:bodyPr wrap="square" rtlCol="0">
-            <a:spAutoFit/>
-          </a:bodyPr>
-          <a:lstStyle/>
-          <a:p>
-            <a:pPr algn="ctr"/>
-            <a:r>
-              <a:rPr lang="es-PE" sz="2800" dirty="0">
-                <a:solidFill>
-                  <a:srgbClr val="FF0000"/>
-                </a:solidFill>
-                <a:latin typeface="Fjalla One" panose="02000506040000020004" pitchFamily="2" charset="0"/>
-              </a:rPr>
-              <a:t>CUPÓN DICIEMBRE 2022</a:t>
-            </a:r>
-          </a:p>
-          <a:p>
-            <a:pPr algn="ctr"/>
-            <a:r>
-              <a:rPr lang="es-PE" sz="7200" spc="150" dirty="0">
-                <a:solidFill>
-                  <a:srgbClr val="832BDB"/>
-                </a:solidFill>
-                <a:latin typeface="Impact" panose="020B0806030902050204" pitchFamily="34" charset="0"/>
-                <a:ea typeface="Roboto Black" panose="02000000000000000000" pitchFamily="2" charset="0"/>
-              </a:rPr>
-              <a:t>NAVIDAD2022</a:t>
-            </a:r>
-          </a:p>
-          <a:p>
-            <a:pPr algn="ctr"/>
-            <a:r>
-              <a:rPr lang="es-PE" sz="1600" spc="150" dirty="0">
-                <a:solidFill>
-                  <a:schemeClr val="tx1">
-                    <a:lumMod val="50000"/>
-                    <a:lumOff val="50000"/>
-                  </a:schemeClr>
-                </a:solidFill>
-                <a:latin typeface="Arial" panose="020B0604020202020204" pitchFamily="34" charset="0"/>
-                <a:ea typeface="Roboto Black" panose="02000000000000000000" pitchFamily="2" charset="0"/>
-                <a:cs typeface="Arial" panose="020B0604020202020204" pitchFamily="34" charset="0"/>
-              </a:rPr>
-              <a:t>Desde el 11.dic.2022 por 5 días</a:t>
-            </a:r>
-          </a:p>
-        </p:txBody>
-      </p:sp>
-    </p:spTree>
-    <p:extLst>
-      <p:ext uri="{BB962C8B-B14F-4D97-AF65-F5344CB8AC3E}">
-        <p14:creationId xmlns:p14="http://schemas.microsoft.com/office/powerpoint/2010/main" val="3758289720"/>
-      </p:ext>
-    </p:extLst>
-  </p:cSld>
-  <p:clrMapOvr>
-    <a:masterClrMapping/>
-  </p:clrMapOvr>
-</p:sld>
-</file>
-
-<file path=ppt/slides/slide4.xml><?xml version="1.0" encoding="utf-8"?>
-<p:sld xmlns:a="http://schemas.openxmlformats.org/drawingml/2006/main" xmlns:r="http://schemas.openxmlformats.org/officeDocument/2006/relationships" xmlns:p="http://schemas.openxmlformats.org/presentationml/2006/main">
-  <p:cSld>
-    <p:spTree>
-      <p:nvGrpSpPr>
-        <p:cNvPr id="1" name=""/>
-        <p:cNvGrpSpPr/>
-        <p:nvPr/>
-      </p:nvGrpSpPr>
-      <p:grpSpPr>
-        <a:xfrm>
-          <a:off x="0" y="0"/>
-          <a:ext cx="0" cy="0"/>
-          <a:chOff x="0" y="0"/>
-          <a:chExt cx="0" cy="0"/>
-        </a:xfrm>
-      </p:grpSpPr>
-      <p:sp>
-        <p:nvSpPr>
-          <p:cNvPr id="4" name="CuadroTexto 3">
-            <a:extLst>
-              <a:ext uri="{FF2B5EF4-FFF2-40B4-BE49-F238E27FC236}">
-                <a16:creationId xmlns:a16="http://schemas.microsoft.com/office/drawing/2014/main" id="{D9232D69-CB3D-402E-AA3B-950F8AD47642}"/>
-              </a:ext>
-            </a:extLst>
-          </p:cNvPr>
-          <p:cNvSpPr txBox="1"/>
-          <p:nvPr/>
-        </p:nvSpPr>
-        <p:spPr>
-          <a:xfrm>
-            <a:off x="7767464" y="2839453"/>
-            <a:ext cx="3759437" cy="3245319"/>
-          </a:xfrm>
-          <a:prstGeom prst="rect">
-            <a:avLst/>
-          </a:prstGeom>
-          <a:noFill/>
-        </p:spPr>
-        <p:txBody>
-          <a:bodyPr wrap="square" rtlCol="0" anchor="ctr" anchorCtr="0">
-            <a:normAutofit fontScale="92500"/>
-          </a:bodyPr>
-          <a:lstStyle/>
-          <a:p>
-            <a:r>
-              <a:rPr lang="es-PE" sz="2000" b="1" dirty="0">
-                <a:solidFill>
-                  <a:schemeClr val="tx2">
-                    <a:lumMod val="50000"/>
-                  </a:schemeClr>
-                </a:solidFill>
-                <a:latin typeface="Arial Nova" panose="020B0504020202020204" pitchFamily="34" charset="0"/>
-              </a:rPr>
-              <a:t>PROGRAMACIÓN DE BASE DE DATOS ORACLE CON PL/SQL</a:t>
-            </a:r>
-          </a:p>
-          <a:p>
-            <a:r>
-              <a:rPr lang="es-PE" dirty="0">
-                <a:solidFill>
-                  <a:schemeClr val="tx1">
-                    <a:lumMod val="50000"/>
-                    <a:lumOff val="50000"/>
-                  </a:schemeClr>
-                </a:solidFill>
-                <a:latin typeface="Arial Nova" panose="020B0504020202020204" pitchFamily="34" charset="0"/>
-              </a:rPr>
-              <a:t>Aprende a obtener el mejor rendimiento de tú base de datos</a:t>
-            </a:r>
-          </a:p>
-          <a:p>
-            <a:endParaRPr lang="es-PE" sz="2933" dirty="0">
-              <a:solidFill>
-                <a:schemeClr val="tx1">
-                  <a:lumMod val="50000"/>
-                  <a:lumOff val="50000"/>
-                </a:schemeClr>
-              </a:solidFill>
-              <a:latin typeface="Arial Nova" panose="020B0504020202020204" pitchFamily="34" charset="0"/>
-            </a:endParaRPr>
-          </a:p>
-          <a:p>
-            <a:endParaRPr lang="es-PE" sz="2933" dirty="0">
-              <a:solidFill>
-                <a:schemeClr val="tx1">
-                  <a:lumMod val="50000"/>
-                  <a:lumOff val="50000"/>
-                </a:schemeClr>
-              </a:solidFill>
-              <a:latin typeface="Arial Nova" panose="020B0504020202020204" pitchFamily="34" charset="0"/>
-            </a:endParaRPr>
-          </a:p>
-          <a:p>
-            <a:r>
-              <a:rPr lang="es-PE" sz="2000" b="1" dirty="0">
-                <a:solidFill>
-                  <a:schemeClr val="tx2">
-                    <a:lumMod val="50000"/>
-                  </a:schemeClr>
-                </a:solidFill>
-                <a:latin typeface="Arial Nova" panose="020B0504020202020204" pitchFamily="34" charset="0"/>
-              </a:rPr>
-              <a:t>PROGRAMACIÓN DE BASE DE DATOS ORACLE CON JDBC</a:t>
-            </a:r>
-          </a:p>
-          <a:p>
-            <a:r>
-              <a:rPr lang="es-PE" dirty="0">
-                <a:solidFill>
-                  <a:schemeClr val="tx1">
-                    <a:lumMod val="50000"/>
-                    <a:lumOff val="50000"/>
-                  </a:schemeClr>
-                </a:solidFill>
-                <a:latin typeface="Arial Nova" panose="020B0504020202020204" pitchFamily="34" charset="0"/>
-              </a:rPr>
-              <a:t>Aprende a programar correctamente con JDBC</a:t>
-            </a:r>
-          </a:p>
-        </p:txBody>
-      </p:sp>
-      <p:pic>
-        <p:nvPicPr>
-          <p:cNvPr id="5" name="Imagen 4">
-            <a:extLst>
-              <a:ext uri="{FF2B5EF4-FFF2-40B4-BE49-F238E27FC236}">
-                <a16:creationId xmlns:a16="http://schemas.microsoft.com/office/drawing/2014/main" id="{E1C2EC41-2438-4532-84CD-82270AB16B2A}"/>
-              </a:ext>
-            </a:extLst>
-          </p:cNvPr>
-          <p:cNvPicPr>
-            <a:picLocks noChangeAspect="1"/>
-          </p:cNvPicPr>
-          <p:nvPr/>
-        </p:nvPicPr>
-        <p:blipFill>
-          <a:blip r:embed="rId2" cstate="print">
-            <a:extLst>
-              <a:ext uri="{28A0092B-C50C-407E-A947-70E740481C1C}">
-                <a14:useLocalDpi xmlns:a14="http://schemas.microsoft.com/office/drawing/2010/main" val="0"/>
-              </a:ext>
-            </a:extLst>
-          </a:blip>
-          <a:stretch>
-            <a:fillRect/>
-          </a:stretch>
-        </p:blipFill>
-        <p:spPr>
-          <a:xfrm>
-            <a:off x="515694" y="2876279"/>
-            <a:ext cx="1292842" cy="1260000"/>
-          </a:xfrm>
-          <a:prstGeom prst="rect">
-            <a:avLst/>
-          </a:prstGeom>
-        </p:spPr>
-      </p:pic>
-      <p:pic>
-        <p:nvPicPr>
-          <p:cNvPr id="6" name="Imagen 5">
-            <a:extLst>
-              <a:ext uri="{FF2B5EF4-FFF2-40B4-BE49-F238E27FC236}">
-                <a16:creationId xmlns:a16="http://schemas.microsoft.com/office/drawing/2014/main" id="{7174E171-2AC1-4928-A620-DAFA0953D621}"/>
-              </a:ext>
-            </a:extLst>
-          </p:cNvPr>
-          <p:cNvPicPr>
-            <a:picLocks noChangeAspect="1"/>
-          </p:cNvPicPr>
-          <p:nvPr/>
-        </p:nvPicPr>
-        <p:blipFill>
-          <a:blip r:embed="rId3">
-            <a:extLst>
-              <a:ext uri="{28A0092B-C50C-407E-A947-70E740481C1C}">
-                <a14:useLocalDpi xmlns:a14="http://schemas.microsoft.com/office/drawing/2010/main" val="0"/>
-              </a:ext>
-            </a:extLst>
-          </a:blip>
-          <a:stretch>
-            <a:fillRect/>
-          </a:stretch>
-        </p:blipFill>
-        <p:spPr>
-          <a:xfrm>
-            <a:off x="515694" y="4792583"/>
-            <a:ext cx="1290135" cy="1080000"/>
-          </a:xfrm>
-          <a:prstGeom prst="rect">
-            <a:avLst/>
-          </a:prstGeom>
-        </p:spPr>
-      </p:pic>
-      <p:pic>
-        <p:nvPicPr>
-          <p:cNvPr id="7" name="Imagen 6">
-            <a:extLst>
-              <a:ext uri="{FF2B5EF4-FFF2-40B4-BE49-F238E27FC236}">
-                <a16:creationId xmlns:a16="http://schemas.microsoft.com/office/drawing/2014/main" id="{02A76684-0925-4876-A71C-7624CEB49ABF}"/>
-              </a:ext>
-            </a:extLst>
-          </p:cNvPr>
-          <p:cNvPicPr>
-            <a:picLocks noChangeAspect="1"/>
-          </p:cNvPicPr>
-          <p:nvPr/>
-        </p:nvPicPr>
-        <p:blipFill>
-          <a:blip r:embed="rId4" cstate="print">
-            <a:extLst>
-              <a:ext uri="{28A0092B-C50C-407E-A947-70E740481C1C}">
-                <a14:useLocalDpi xmlns:a14="http://schemas.microsoft.com/office/drawing/2010/main" val="0"/>
-              </a:ext>
-            </a:extLst>
-          </a:blip>
-          <a:stretch>
-            <a:fillRect/>
-          </a:stretch>
-        </p:blipFill>
-        <p:spPr>
-          <a:xfrm>
-            <a:off x="6184720" y="4864583"/>
-            <a:ext cx="1359628" cy="1008000"/>
-          </a:xfrm>
-          <a:prstGeom prst="rect">
-            <a:avLst/>
-          </a:prstGeom>
-        </p:spPr>
-      </p:pic>
-      <p:pic>
-        <p:nvPicPr>
-          <p:cNvPr id="8" name="Imagen 7">
-            <a:extLst>
-              <a:ext uri="{FF2B5EF4-FFF2-40B4-BE49-F238E27FC236}">
-                <a16:creationId xmlns:a16="http://schemas.microsoft.com/office/drawing/2014/main" id="{30EB441C-53A3-4BD3-A15B-48BC34FD4951}"/>
-              </a:ext>
-            </a:extLst>
-          </p:cNvPr>
-          <p:cNvPicPr>
-            <a:picLocks noChangeAspect="1"/>
-          </p:cNvPicPr>
-          <p:nvPr/>
-        </p:nvPicPr>
-        <p:blipFill>
-          <a:blip r:embed="rId5" cstate="print">
-            <a:extLst>
-              <a:ext uri="{28A0092B-C50C-407E-A947-70E740481C1C}">
-                <a14:useLocalDpi xmlns:a14="http://schemas.microsoft.com/office/drawing/2010/main" val="0"/>
-              </a:ext>
-            </a:extLst>
-          </a:blip>
-          <a:stretch>
-            <a:fillRect/>
-          </a:stretch>
-        </p:blipFill>
-        <p:spPr>
-          <a:xfrm>
-            <a:off x="6252534" y="2912279"/>
-            <a:ext cx="1224000" cy="1224000"/>
-          </a:xfrm>
-          <a:prstGeom prst="rect">
-            <a:avLst/>
-          </a:prstGeom>
-        </p:spPr>
-      </p:pic>
-      <p:pic>
-        <p:nvPicPr>
-          <p:cNvPr id="12" name="Imagen 11">
-            <a:extLst>
-              <a:ext uri="{FF2B5EF4-FFF2-40B4-BE49-F238E27FC236}">
-                <a16:creationId xmlns:a16="http://schemas.microsoft.com/office/drawing/2014/main" id="{7B20C85F-5C63-432F-AD13-4AFED8AC57D1}"/>
-              </a:ext>
-            </a:extLst>
-          </p:cNvPr>
-          <p:cNvPicPr>
-            <a:picLocks noChangeAspect="1"/>
-          </p:cNvPicPr>
-          <p:nvPr/>
-        </p:nvPicPr>
-        <p:blipFill>
-          <a:blip r:embed="rId6" cstate="print">
-            <a:extLst>
-              <a:ext uri="{28A0092B-C50C-407E-A947-70E740481C1C}">
-                <a14:useLocalDpi xmlns:a14="http://schemas.microsoft.com/office/drawing/2010/main" val="0"/>
-              </a:ext>
-            </a:extLst>
-          </a:blip>
-          <a:stretch>
-            <a:fillRect/>
-          </a:stretch>
-        </p:blipFill>
-        <p:spPr>
-          <a:xfrm>
             <a:off x="2501555" y="298917"/>
             <a:ext cx="2232000" cy="2232000"/>
           </a:xfrm>
@@ -5548,7 +4867,7 @@
 </p:sld>
 </file>
 
-<file path=ppt/slides/slide5.xml><?xml version="1.0" encoding="utf-8"?>
+<file path=ppt/slides/slide4.xml><?xml version="1.0" encoding="utf-8"?>
 <p:sld xmlns:a="http://schemas.openxmlformats.org/drawingml/2006/main" xmlns:r="http://schemas.openxmlformats.org/officeDocument/2006/relationships" xmlns:p="http://schemas.openxmlformats.org/presentationml/2006/main">
   <p:cSld>
     <p:spTree>
@@ -6229,6 +5548,687 @@
       <p:bldP spid="9" grpId="0" animBg="1"/>
     </p:bldLst>
   </p:timing>
+</p:sld>
+</file>
+
+<file path=ppt/slides/slide5.xml><?xml version="1.0" encoding="utf-8"?>
+<p:sld xmlns:a="http://schemas.openxmlformats.org/drawingml/2006/main" xmlns:r="http://schemas.openxmlformats.org/officeDocument/2006/relationships" xmlns:p="http://schemas.openxmlformats.org/presentationml/2006/main">
+  <p:cSld>
+    <p:spTree>
+      <p:nvGrpSpPr>
+        <p:cNvPr id="1" name=""/>
+        <p:cNvGrpSpPr/>
+        <p:nvPr/>
+      </p:nvGrpSpPr>
+      <p:grpSpPr>
+        <a:xfrm>
+          <a:off x="0" y="0"/>
+          <a:ext cx="0" cy="0"/>
+          <a:chOff x="0" y="0"/>
+          <a:chExt cx="0" cy="0"/>
+        </a:xfrm>
+      </p:grpSpPr>
+      <p:sp>
+        <p:nvSpPr>
+          <p:cNvPr id="2" name="Título 1">
+            <a:extLst>
+              <a:ext uri="{FF2B5EF4-FFF2-40B4-BE49-F238E27FC236}">
+                <a16:creationId xmlns:a16="http://schemas.microsoft.com/office/drawing/2014/main" id="{0EF16718-AFD4-4C6A-9CA1-D40582D59B21}"/>
+              </a:ext>
+            </a:extLst>
+          </p:cNvPr>
+          <p:cNvSpPr>
+            <a:spLocks noGrp="1"/>
+          </p:cNvSpPr>
+          <p:nvPr>
+            <p:ph type="title"/>
+          </p:nvPr>
+        </p:nvSpPr>
+        <p:spPr/>
+        <p:txBody>
+          <a:bodyPr/>
+          <a:lstStyle/>
+          <a:p>
+            <a:r>
+              <a:rPr lang="es-MX" dirty="0"/>
+              <a:t>Modelo de Datos</a:t>
+            </a:r>
+            <a:endParaRPr lang="es-PE" dirty="0"/>
+          </a:p>
+        </p:txBody>
+      </p:sp>
+      <p:sp>
+        <p:nvSpPr>
+          <p:cNvPr id="4" name="Rectángulo 3">
+            <a:extLst>
+              <a:ext uri="{FF2B5EF4-FFF2-40B4-BE49-F238E27FC236}">
+                <a16:creationId xmlns:a16="http://schemas.microsoft.com/office/drawing/2014/main" id="{B79AA53A-E900-402D-965B-0BF4EB6779B2}"/>
+              </a:ext>
+            </a:extLst>
+          </p:cNvPr>
+          <p:cNvSpPr/>
+          <p:nvPr/>
+        </p:nvSpPr>
+        <p:spPr>
+          <a:xfrm>
+            <a:off x="837397" y="1318659"/>
+            <a:ext cx="4870384" cy="2160000"/>
+          </a:xfrm>
+          <a:prstGeom prst="rect">
+            <a:avLst/>
+          </a:prstGeom>
+          <a:solidFill>
+            <a:schemeClr val="accent5">
+              <a:lumMod val="20000"/>
+              <a:lumOff val="80000"/>
+            </a:schemeClr>
+          </a:solidFill>
+        </p:spPr>
+        <p:style>
+          <a:lnRef idx="2">
+            <a:schemeClr val="accent5">
+              <a:shade val="50000"/>
+            </a:schemeClr>
+          </a:lnRef>
+          <a:fillRef idx="1">
+            <a:schemeClr val="accent5"/>
+          </a:fillRef>
+          <a:effectRef idx="0">
+            <a:schemeClr val="accent5"/>
+          </a:effectRef>
+          <a:fontRef idx="minor">
+            <a:schemeClr val="lt1"/>
+          </a:fontRef>
+        </p:style>
+        <p:txBody>
+          <a:bodyPr lIns="180000" tIns="180000" rIns="180000" bIns="144000" rtlCol="0" anchor="ctr"/>
+          <a:lstStyle/>
+          <a:p>
+            <a:pPr>
+              <a:spcBef>
+                <a:spcPts val="600"/>
+              </a:spcBef>
+              <a:spcAft>
+                <a:spcPts val="600"/>
+              </a:spcAft>
+            </a:pPr>
+            <a:r>
+              <a:rPr lang="es-MX" sz="4000" b="1" spc="150" dirty="0">
+                <a:solidFill>
+                  <a:schemeClr val="accent4"/>
+                </a:solidFill>
+                <a:latin typeface="Fjalla One" panose="02000506040000020004" pitchFamily="2" charset="0"/>
+              </a:rPr>
+              <a:t>  1</a:t>
+            </a:r>
+          </a:p>
+          <a:p>
+            <a:pPr>
+              <a:spcBef>
+                <a:spcPts val="600"/>
+              </a:spcBef>
+              <a:spcAft>
+                <a:spcPts val="600"/>
+              </a:spcAft>
+            </a:pPr>
+            <a:r>
+              <a:rPr lang="es-MX" sz="2000" b="1" spc="150" dirty="0">
+                <a:solidFill>
+                  <a:schemeClr val="bg2">
+                    <a:lumMod val="25000"/>
+                  </a:schemeClr>
+                </a:solidFill>
+                <a:latin typeface="Fjalla One" panose="02000506040000020004" pitchFamily="2" charset="0"/>
+              </a:rPr>
+              <a:t>Requerimiento</a:t>
+            </a:r>
+          </a:p>
+          <a:p>
+            <a:pPr>
+              <a:spcBef>
+                <a:spcPts val="600"/>
+              </a:spcBef>
+              <a:spcAft>
+                <a:spcPts val="600"/>
+              </a:spcAft>
+            </a:pPr>
+            <a:r>
+              <a:rPr lang="es-MX" sz="2000" b="1" spc="150" dirty="0">
+                <a:solidFill>
+                  <a:schemeClr val="bg2">
+                    <a:lumMod val="25000"/>
+                  </a:schemeClr>
+                </a:solidFill>
+                <a:latin typeface="Fjalla One" panose="02000506040000020004" pitchFamily="2" charset="0"/>
+              </a:rPr>
+              <a:t>de Información</a:t>
+            </a:r>
+            <a:endParaRPr lang="es-PE" sz="2000" b="1" spc="150" dirty="0">
+              <a:solidFill>
+                <a:schemeClr val="bg2">
+                  <a:lumMod val="25000"/>
+                </a:schemeClr>
+              </a:solidFill>
+              <a:latin typeface="Fjalla One" panose="02000506040000020004" pitchFamily="2" charset="0"/>
+            </a:endParaRPr>
+          </a:p>
+        </p:txBody>
+      </p:sp>
+      <p:sp>
+        <p:nvSpPr>
+          <p:cNvPr id="7" name="Rectángulo 6">
+            <a:extLst>
+              <a:ext uri="{FF2B5EF4-FFF2-40B4-BE49-F238E27FC236}">
+                <a16:creationId xmlns:a16="http://schemas.microsoft.com/office/drawing/2014/main" id="{944199D7-2584-4C0A-ADAE-1A215170859D}"/>
+              </a:ext>
+            </a:extLst>
+          </p:cNvPr>
+          <p:cNvSpPr/>
+          <p:nvPr/>
+        </p:nvSpPr>
+        <p:spPr>
+          <a:xfrm>
+            <a:off x="837397" y="3783371"/>
+            <a:ext cx="4870384" cy="2160000"/>
+          </a:xfrm>
+          <a:prstGeom prst="rect">
+            <a:avLst/>
+          </a:prstGeom>
+          <a:solidFill>
+            <a:schemeClr val="accent5">
+              <a:lumMod val="20000"/>
+              <a:lumOff val="80000"/>
+            </a:schemeClr>
+          </a:solidFill>
+        </p:spPr>
+        <p:style>
+          <a:lnRef idx="2">
+            <a:schemeClr val="accent5">
+              <a:shade val="50000"/>
+            </a:schemeClr>
+          </a:lnRef>
+          <a:fillRef idx="1">
+            <a:schemeClr val="accent5"/>
+          </a:fillRef>
+          <a:effectRef idx="0">
+            <a:schemeClr val="accent5"/>
+          </a:effectRef>
+          <a:fontRef idx="minor">
+            <a:schemeClr val="lt1"/>
+          </a:fontRef>
+        </p:style>
+        <p:txBody>
+          <a:bodyPr lIns="180000" tIns="180000" rIns="180000" bIns="144000" rtlCol="0" anchor="ctr"/>
+          <a:lstStyle/>
+          <a:p>
+            <a:pPr>
+              <a:spcBef>
+                <a:spcPts val="600"/>
+              </a:spcBef>
+              <a:spcAft>
+                <a:spcPts val="600"/>
+              </a:spcAft>
+            </a:pPr>
+            <a:r>
+              <a:rPr lang="es-MX" sz="4000" b="1" spc="150" dirty="0">
+                <a:solidFill>
+                  <a:schemeClr val="accent4"/>
+                </a:solidFill>
+                <a:latin typeface="Fjalla One" panose="02000506040000020004" pitchFamily="2" charset="0"/>
+              </a:rPr>
+              <a:t>  3</a:t>
+            </a:r>
+          </a:p>
+          <a:p>
+            <a:pPr>
+              <a:spcBef>
+                <a:spcPts val="600"/>
+              </a:spcBef>
+              <a:spcAft>
+                <a:spcPts val="600"/>
+              </a:spcAft>
+            </a:pPr>
+            <a:r>
+              <a:rPr lang="es-MX" sz="2000" b="1" spc="150" dirty="0">
+                <a:solidFill>
+                  <a:schemeClr val="bg2">
+                    <a:lumMod val="25000"/>
+                  </a:schemeClr>
+                </a:solidFill>
+                <a:latin typeface="Fjalla One" panose="02000506040000020004" pitchFamily="2" charset="0"/>
+              </a:rPr>
+              <a:t>Diseño</a:t>
+            </a:r>
+            <a:br>
+              <a:rPr lang="es-MX" sz="2000" b="1" spc="150" dirty="0">
+                <a:solidFill>
+                  <a:schemeClr val="bg2">
+                    <a:lumMod val="25000"/>
+                  </a:schemeClr>
+                </a:solidFill>
+                <a:latin typeface="Fjalla One" panose="02000506040000020004" pitchFamily="2" charset="0"/>
+              </a:rPr>
+            </a:br>
+            <a:r>
+              <a:rPr lang="es-MX" sz="2000" b="1" spc="150" dirty="0">
+                <a:solidFill>
+                  <a:schemeClr val="bg2">
+                    <a:lumMod val="25000"/>
+                  </a:schemeClr>
+                </a:solidFill>
+                <a:latin typeface="Fjalla One" panose="02000506040000020004" pitchFamily="2" charset="0"/>
+              </a:rPr>
+              <a:t>Lógico</a:t>
+            </a:r>
+            <a:endParaRPr lang="es-PE" sz="2000" b="1" spc="150" dirty="0">
+              <a:solidFill>
+                <a:schemeClr val="bg2">
+                  <a:lumMod val="25000"/>
+                </a:schemeClr>
+              </a:solidFill>
+              <a:latin typeface="Fjalla One" panose="02000506040000020004" pitchFamily="2" charset="0"/>
+            </a:endParaRPr>
+          </a:p>
+        </p:txBody>
+      </p:sp>
+      <p:sp>
+        <p:nvSpPr>
+          <p:cNvPr id="8" name="Rectángulo 7">
+            <a:extLst>
+              <a:ext uri="{FF2B5EF4-FFF2-40B4-BE49-F238E27FC236}">
+                <a16:creationId xmlns:a16="http://schemas.microsoft.com/office/drawing/2014/main" id="{988B94D5-9656-4767-9D81-13E0A33196A5}"/>
+              </a:ext>
+            </a:extLst>
+          </p:cNvPr>
+          <p:cNvSpPr/>
+          <p:nvPr/>
+        </p:nvSpPr>
+        <p:spPr>
+          <a:xfrm>
+            <a:off x="6484219" y="1318659"/>
+            <a:ext cx="4870384" cy="2160000"/>
+          </a:xfrm>
+          <a:prstGeom prst="rect">
+            <a:avLst/>
+          </a:prstGeom>
+          <a:solidFill>
+            <a:schemeClr val="accent5">
+              <a:lumMod val="20000"/>
+              <a:lumOff val="80000"/>
+            </a:schemeClr>
+          </a:solidFill>
+        </p:spPr>
+        <p:style>
+          <a:lnRef idx="2">
+            <a:schemeClr val="accent5">
+              <a:shade val="50000"/>
+            </a:schemeClr>
+          </a:lnRef>
+          <a:fillRef idx="1">
+            <a:schemeClr val="accent5"/>
+          </a:fillRef>
+          <a:effectRef idx="0">
+            <a:schemeClr val="accent5"/>
+          </a:effectRef>
+          <a:fontRef idx="minor">
+            <a:schemeClr val="lt1"/>
+          </a:fontRef>
+        </p:style>
+        <p:txBody>
+          <a:bodyPr lIns="180000" tIns="180000" rIns="180000" bIns="144000" rtlCol="0" anchor="ctr"/>
+          <a:lstStyle/>
+          <a:p>
+            <a:pPr>
+              <a:spcBef>
+                <a:spcPts val="600"/>
+              </a:spcBef>
+              <a:spcAft>
+                <a:spcPts val="600"/>
+              </a:spcAft>
+            </a:pPr>
+            <a:r>
+              <a:rPr lang="es-MX" sz="4000" b="1" spc="150" dirty="0">
+                <a:solidFill>
+                  <a:schemeClr val="accent4"/>
+                </a:solidFill>
+                <a:latin typeface="Fjalla One" panose="02000506040000020004" pitchFamily="2" charset="0"/>
+              </a:rPr>
+              <a:t>  2</a:t>
+            </a:r>
+          </a:p>
+          <a:p>
+            <a:pPr>
+              <a:spcBef>
+                <a:spcPts val="600"/>
+              </a:spcBef>
+              <a:spcAft>
+                <a:spcPts val="600"/>
+              </a:spcAft>
+            </a:pPr>
+            <a:r>
+              <a:rPr lang="es-MX" sz="2000" b="1" spc="150" dirty="0">
+                <a:solidFill>
+                  <a:schemeClr val="bg2">
+                    <a:lumMod val="25000"/>
+                  </a:schemeClr>
+                </a:solidFill>
+                <a:latin typeface="Fjalla One" panose="02000506040000020004" pitchFamily="2" charset="0"/>
+              </a:rPr>
+              <a:t>Diseño</a:t>
+            </a:r>
+          </a:p>
+          <a:p>
+            <a:pPr>
+              <a:spcBef>
+                <a:spcPts val="600"/>
+              </a:spcBef>
+              <a:spcAft>
+                <a:spcPts val="600"/>
+              </a:spcAft>
+            </a:pPr>
+            <a:r>
+              <a:rPr lang="es-MX" sz="2000" b="1" spc="150" dirty="0">
+                <a:solidFill>
+                  <a:schemeClr val="bg2">
+                    <a:lumMod val="25000"/>
+                  </a:schemeClr>
+                </a:solidFill>
+                <a:latin typeface="Fjalla One" panose="02000506040000020004" pitchFamily="2" charset="0"/>
+              </a:rPr>
+              <a:t>Conceptual</a:t>
+            </a:r>
+            <a:endParaRPr lang="es-PE" sz="2000" b="1" spc="150" dirty="0">
+              <a:solidFill>
+                <a:schemeClr val="bg2">
+                  <a:lumMod val="25000"/>
+                </a:schemeClr>
+              </a:solidFill>
+              <a:latin typeface="Fjalla One" panose="02000506040000020004" pitchFamily="2" charset="0"/>
+            </a:endParaRPr>
+          </a:p>
+        </p:txBody>
+      </p:sp>
+      <p:sp>
+        <p:nvSpPr>
+          <p:cNvPr id="9" name="Rectángulo 8">
+            <a:extLst>
+              <a:ext uri="{FF2B5EF4-FFF2-40B4-BE49-F238E27FC236}">
+                <a16:creationId xmlns:a16="http://schemas.microsoft.com/office/drawing/2014/main" id="{C41AB931-179A-4AFE-B767-A23440EE5D5C}"/>
+              </a:ext>
+            </a:extLst>
+          </p:cNvPr>
+          <p:cNvSpPr/>
+          <p:nvPr/>
+        </p:nvSpPr>
+        <p:spPr>
+          <a:xfrm>
+            <a:off x="6484219" y="3783371"/>
+            <a:ext cx="4870384" cy="2160000"/>
+          </a:xfrm>
+          <a:prstGeom prst="rect">
+            <a:avLst/>
+          </a:prstGeom>
+          <a:solidFill>
+            <a:schemeClr val="accent5">
+              <a:lumMod val="20000"/>
+              <a:lumOff val="80000"/>
+            </a:schemeClr>
+          </a:solidFill>
+        </p:spPr>
+        <p:style>
+          <a:lnRef idx="2">
+            <a:schemeClr val="accent5">
+              <a:shade val="50000"/>
+            </a:schemeClr>
+          </a:lnRef>
+          <a:fillRef idx="1">
+            <a:schemeClr val="accent5"/>
+          </a:fillRef>
+          <a:effectRef idx="0">
+            <a:schemeClr val="accent5"/>
+          </a:effectRef>
+          <a:fontRef idx="minor">
+            <a:schemeClr val="lt1"/>
+          </a:fontRef>
+        </p:style>
+        <p:txBody>
+          <a:bodyPr lIns="180000" tIns="180000" rIns="180000" bIns="144000" rtlCol="0" anchor="ctr"/>
+          <a:lstStyle/>
+          <a:p>
+            <a:pPr>
+              <a:spcBef>
+                <a:spcPts val="600"/>
+              </a:spcBef>
+              <a:spcAft>
+                <a:spcPts val="600"/>
+              </a:spcAft>
+            </a:pPr>
+            <a:r>
+              <a:rPr lang="es-MX" sz="4000" b="1" spc="150" dirty="0">
+                <a:solidFill>
+                  <a:schemeClr val="accent4"/>
+                </a:solidFill>
+                <a:latin typeface="Fjalla One" panose="02000506040000020004" pitchFamily="2" charset="0"/>
+              </a:rPr>
+              <a:t>  4</a:t>
+            </a:r>
+          </a:p>
+          <a:p>
+            <a:pPr>
+              <a:spcBef>
+                <a:spcPts val="600"/>
+              </a:spcBef>
+              <a:spcAft>
+                <a:spcPts val="600"/>
+              </a:spcAft>
+            </a:pPr>
+            <a:r>
+              <a:rPr lang="es-MX" sz="2000" b="1" spc="150" dirty="0">
+                <a:solidFill>
+                  <a:schemeClr val="bg2">
+                    <a:lumMod val="25000"/>
+                  </a:schemeClr>
+                </a:solidFill>
+                <a:latin typeface="Fjalla One" panose="02000506040000020004" pitchFamily="2" charset="0"/>
+              </a:rPr>
+              <a:t>Diseño</a:t>
+            </a:r>
+            <a:br>
+              <a:rPr lang="es-MX" sz="2000" b="1" spc="150" dirty="0">
+                <a:solidFill>
+                  <a:schemeClr val="bg2">
+                    <a:lumMod val="25000"/>
+                  </a:schemeClr>
+                </a:solidFill>
+                <a:latin typeface="Fjalla One" panose="02000506040000020004" pitchFamily="2" charset="0"/>
+              </a:rPr>
+            </a:br>
+            <a:r>
+              <a:rPr lang="es-MX" sz="2000" b="1" spc="150" dirty="0">
+                <a:solidFill>
+                  <a:schemeClr val="bg2">
+                    <a:lumMod val="25000"/>
+                  </a:schemeClr>
+                </a:solidFill>
+                <a:latin typeface="Fjalla One" panose="02000506040000020004" pitchFamily="2" charset="0"/>
+              </a:rPr>
+              <a:t>Físico</a:t>
+            </a:r>
+            <a:endParaRPr lang="es-PE" sz="2000" b="1" spc="150" dirty="0">
+              <a:solidFill>
+                <a:schemeClr val="bg2">
+                  <a:lumMod val="25000"/>
+                </a:schemeClr>
+              </a:solidFill>
+              <a:latin typeface="Fjalla One" panose="02000506040000020004" pitchFamily="2" charset="0"/>
+            </a:endParaRPr>
+          </a:p>
+        </p:txBody>
+      </p:sp>
+      <p:pic>
+        <p:nvPicPr>
+          <p:cNvPr id="1026" name="Picture 2">
+            <a:extLst>
+              <a:ext uri="{FF2B5EF4-FFF2-40B4-BE49-F238E27FC236}">
+                <a16:creationId xmlns:a16="http://schemas.microsoft.com/office/drawing/2014/main" id="{EC564E9A-FC75-4B5A-B9CF-09C1DA57049D}"/>
+              </a:ext>
+            </a:extLst>
+          </p:cNvPr>
+          <p:cNvPicPr>
+            <a:picLocks noChangeAspect="1" noChangeArrowheads="1"/>
+          </p:cNvPicPr>
+          <p:nvPr/>
+        </p:nvPicPr>
+        <p:blipFill>
+          <a:blip r:embed="rId2">
+            <a:extLst>
+              <a:ext uri="{28A0092B-C50C-407E-A947-70E740481C1C}">
+                <a14:useLocalDpi xmlns:a14="http://schemas.microsoft.com/office/drawing/2010/main" val="0"/>
+              </a:ext>
+            </a:extLst>
+          </a:blip>
+          <a:srcRect/>
+          <a:stretch>
+            <a:fillRect/>
+          </a:stretch>
+        </p:blipFill>
+        <p:spPr bwMode="auto">
+          <a:xfrm>
+            <a:off x="3519263" y="1489222"/>
+            <a:ext cx="1717825" cy="1818874"/>
+          </a:xfrm>
+          <a:prstGeom prst="rect">
+            <a:avLst/>
+          </a:prstGeom>
+          <a:noFill/>
+          <a:extLst>
+            <a:ext uri="{909E8E84-426E-40DD-AFC4-6F175D3DCCD1}">
+              <a14:hiddenFill xmlns:a14="http://schemas.microsoft.com/office/drawing/2010/main">
+                <a:solidFill>
+                  <a:srgbClr val="FFFFFF"/>
+                </a:solidFill>
+              </a14:hiddenFill>
+            </a:ext>
+          </a:extLst>
+        </p:spPr>
+      </p:pic>
+      <p:pic>
+        <p:nvPicPr>
+          <p:cNvPr id="11" name="Imagen 10">
+            <a:extLst>
+              <a:ext uri="{FF2B5EF4-FFF2-40B4-BE49-F238E27FC236}">
+                <a16:creationId xmlns:a16="http://schemas.microsoft.com/office/drawing/2014/main" id="{0750B1BF-CA0D-4BC0-81A7-05361550F378}"/>
+              </a:ext>
+            </a:extLst>
+          </p:cNvPr>
+          <p:cNvPicPr>
+            <a:picLocks noChangeAspect="1"/>
+          </p:cNvPicPr>
+          <p:nvPr/>
+        </p:nvPicPr>
+        <p:blipFill>
+          <a:blip r:embed="rId3"/>
+          <a:stretch>
+            <a:fillRect/>
+          </a:stretch>
+        </p:blipFill>
+        <p:spPr>
+          <a:xfrm>
+            <a:off x="8214060" y="1696659"/>
+            <a:ext cx="2779550" cy="1404000"/>
+          </a:xfrm>
+          <a:prstGeom prst="rect">
+            <a:avLst/>
+          </a:prstGeom>
+        </p:spPr>
+      </p:pic>
+      <p:pic>
+        <p:nvPicPr>
+          <p:cNvPr id="1028" name="Picture 4" descr="Ejemplo: Ejemplo de Obtención del Modelo Físico a partir del Modelo Lógico  de Datos">
+            <a:extLst>
+              <a:ext uri="{FF2B5EF4-FFF2-40B4-BE49-F238E27FC236}">
+                <a16:creationId xmlns:a16="http://schemas.microsoft.com/office/drawing/2014/main" id="{217F900F-8C1B-4B2A-95C0-BC6960DBB609}"/>
+              </a:ext>
+            </a:extLst>
+          </p:cNvPr>
+          <p:cNvPicPr>
+            <a:picLocks noChangeAspect="1" noChangeArrowheads="1"/>
+          </p:cNvPicPr>
+          <p:nvPr/>
+        </p:nvPicPr>
+        <p:blipFill>
+          <a:blip r:embed="rId4">
+            <a:extLst>
+              <a:ext uri="{28A0092B-C50C-407E-A947-70E740481C1C}">
+                <a14:useLocalDpi xmlns:a14="http://schemas.microsoft.com/office/drawing/2010/main" val="0"/>
+              </a:ext>
+            </a:extLst>
+          </a:blip>
+          <a:srcRect/>
+          <a:stretch>
+            <a:fillRect/>
+          </a:stretch>
+        </p:blipFill>
+        <p:spPr bwMode="auto">
+          <a:xfrm>
+            <a:off x="2621213" y="3963371"/>
+            <a:ext cx="2615875" cy="1800000"/>
+          </a:xfrm>
+          <a:prstGeom prst="rect">
+            <a:avLst/>
+          </a:prstGeom>
+          <a:noFill/>
+          <a:extLst>
+            <a:ext uri="{909E8E84-426E-40DD-AFC4-6F175D3DCCD1}">
+              <a14:hiddenFill xmlns:a14="http://schemas.microsoft.com/office/drawing/2010/main">
+                <a:solidFill>
+                  <a:srgbClr val="FFFFFF"/>
+                </a:solidFill>
+              </a14:hiddenFill>
+            </a:ext>
+          </a:extLst>
+        </p:spPr>
+      </p:pic>
+      <p:pic>
+        <p:nvPicPr>
+          <p:cNvPr id="13" name="Imagen 12">
+            <a:extLst>
+              <a:ext uri="{FF2B5EF4-FFF2-40B4-BE49-F238E27FC236}">
+                <a16:creationId xmlns:a16="http://schemas.microsoft.com/office/drawing/2014/main" id="{4E2A2403-3CCD-44A2-81F8-02913A4A18A2}"/>
+              </a:ext>
+            </a:extLst>
+          </p:cNvPr>
+          <p:cNvPicPr>
+            <a:picLocks noChangeAspect="1"/>
+          </p:cNvPicPr>
+          <p:nvPr/>
+        </p:nvPicPr>
+        <p:blipFill>
+          <a:blip r:embed="rId5"/>
+          <a:stretch>
+            <a:fillRect/>
+          </a:stretch>
+        </p:blipFill>
+        <p:spPr>
+          <a:xfrm>
+            <a:off x="8066007" y="3963371"/>
+            <a:ext cx="3075655" cy="1800000"/>
+          </a:xfrm>
+          <a:prstGeom prst="rect">
+            <a:avLst/>
+          </a:prstGeom>
+        </p:spPr>
+      </p:pic>
+    </p:spTree>
+    <p:extLst>
+      <p:ext uri="{BB962C8B-B14F-4D97-AF65-F5344CB8AC3E}">
+        <p14:creationId xmlns:p14="http://schemas.microsoft.com/office/powerpoint/2010/main" val="3823782369"/>
+      </p:ext>
+    </p:extLst>
+  </p:cSld>
+  <p:clrMapOvr>
+    <a:masterClrMapping/>
+  </p:clrMapOvr>
 </p:sld>
 </file>
 

--- a/img/Publicidad.pptx
+++ b/img/Publicidad.pptx
@@ -5,17 +5,18 @@
     <p:sldMasterId id="2147483648" r:id="rId1"/>
   </p:sldMasterIdLst>
   <p:notesMasterIdLst>
-    <p:notesMasterId r:id="rId7"/>
+    <p:notesMasterId r:id="rId8"/>
   </p:notesMasterIdLst>
   <p:handoutMasterIdLst>
-    <p:handoutMasterId r:id="rId8"/>
+    <p:handoutMasterId r:id="rId9"/>
   </p:handoutMasterIdLst>
   <p:sldIdLst>
     <p:sldId id="352" r:id="rId2"/>
-    <p:sldId id="350" r:id="rId3"/>
-    <p:sldId id="354" r:id="rId4"/>
-    <p:sldId id="353" r:id="rId5"/>
-    <p:sldId id="351" r:id="rId6"/>
+    <p:sldId id="355" r:id="rId3"/>
+    <p:sldId id="350" r:id="rId4"/>
+    <p:sldId id="354" r:id="rId5"/>
+    <p:sldId id="353" r:id="rId6"/>
+    <p:sldId id="351" r:id="rId7"/>
   </p:sldIdLst>
   <p:sldSz cx="12192000" cy="6858000"/>
   <p:notesSz cx="7010400" cy="9296400"/>
@@ -218,7 +219,7 @@
           <a:p>
             <a:fld id="{792B3D31-0F96-4966-A431-66F6EDEF5F72}" type="datetimeFigureOut">
               <a:rPr lang="es-PE" smtClean="0"/>
-              <a:t>22/12/2022</a:t>
+              <a:t>13/01/2023</a:t>
             </a:fld>
             <a:endParaRPr lang="es-PE"/>
           </a:p>
@@ -383,7 +384,7 @@
           <a:p>
             <a:fld id="{41E43016-2B50-BC4A-8493-4E9F6F3489B7}" type="datetimeFigureOut">
               <a:rPr lang="es-ES" smtClean="0"/>
-              <a:t>22/12/2022</a:t>
+              <a:t>13/01/2023</a:t>
             </a:fld>
             <a:endParaRPr lang="es-ES"/>
           </a:p>
@@ -4385,10 +4386,574 @@
           <a:chExt cx="0" cy="0"/>
         </a:xfrm>
       </p:grpSpPr>
+      <p:sp>
+        <p:nvSpPr>
+          <p:cNvPr id="4" name="CuadroTexto 3">
+            <a:extLst>
+              <a:ext uri="{FF2B5EF4-FFF2-40B4-BE49-F238E27FC236}">
+                <a16:creationId xmlns:a16="http://schemas.microsoft.com/office/drawing/2014/main" id="{D9232D69-CB3D-402E-AA3B-950F8AD47642}"/>
+              </a:ext>
+            </a:extLst>
+          </p:cNvPr>
+          <p:cNvSpPr txBox="1"/>
+          <p:nvPr/>
+        </p:nvSpPr>
+        <p:spPr>
+          <a:xfrm>
+            <a:off x="7796648" y="3168117"/>
+            <a:ext cx="3759437" cy="2916655"/>
+          </a:xfrm>
+          <a:prstGeom prst="rect">
+            <a:avLst/>
+          </a:prstGeom>
+          <a:noFill/>
+        </p:spPr>
+        <p:txBody>
+          <a:bodyPr wrap="square" rtlCol="0" anchor="ctr" anchorCtr="0">
+            <a:normAutofit fontScale="92500"/>
+          </a:bodyPr>
+          <a:lstStyle/>
+          <a:p>
+            <a:r>
+              <a:rPr lang="es-PE" sz="2000" b="1" dirty="0">
+                <a:solidFill>
+                  <a:schemeClr val="tx2">
+                    <a:lumMod val="50000"/>
+                  </a:schemeClr>
+                </a:solidFill>
+                <a:latin typeface="Arial Nova" panose="020B0504020202020204" pitchFamily="34" charset="0"/>
+              </a:rPr>
+              <a:t>PROGRAMACIÓN DE BASE DE DATOS ORACLE CON PL/SQL</a:t>
+            </a:r>
+          </a:p>
+          <a:p>
+            <a:r>
+              <a:rPr lang="es-PE" dirty="0">
+                <a:solidFill>
+                  <a:schemeClr val="tx1">
+                    <a:lumMod val="50000"/>
+                    <a:lumOff val="50000"/>
+                  </a:schemeClr>
+                </a:solidFill>
+                <a:latin typeface="Arial Nova" panose="020B0504020202020204" pitchFamily="34" charset="0"/>
+              </a:rPr>
+              <a:t>Aprende a obtener el mejor rendimiento de tú base de datos</a:t>
+            </a:r>
+          </a:p>
+          <a:p>
+            <a:endParaRPr lang="es-PE" sz="2933" dirty="0">
+              <a:solidFill>
+                <a:schemeClr val="tx1">
+                  <a:lumMod val="50000"/>
+                  <a:lumOff val="50000"/>
+                </a:schemeClr>
+              </a:solidFill>
+              <a:latin typeface="Arial Nova" panose="020B0504020202020204" pitchFamily="34" charset="0"/>
+            </a:endParaRPr>
+          </a:p>
+          <a:p>
+            <a:r>
+              <a:rPr lang="es-PE" sz="2000" b="1" dirty="0">
+                <a:solidFill>
+                  <a:schemeClr val="tx2">
+                    <a:lumMod val="50000"/>
+                  </a:schemeClr>
+                </a:solidFill>
+                <a:latin typeface="Arial Nova" panose="020B0504020202020204" pitchFamily="34" charset="0"/>
+              </a:rPr>
+              <a:t>PROGRAMACIÓN DE BASE DE DATOS ORACLE CON JDBC</a:t>
+            </a:r>
+          </a:p>
+          <a:p>
+            <a:r>
+              <a:rPr lang="es-PE" dirty="0">
+                <a:solidFill>
+                  <a:schemeClr val="tx1">
+                    <a:lumMod val="50000"/>
+                    <a:lumOff val="50000"/>
+                  </a:schemeClr>
+                </a:solidFill>
+                <a:latin typeface="Arial Nova" panose="020B0504020202020204" pitchFamily="34" charset="0"/>
+              </a:rPr>
+              <a:t>Aprende a programar correctamente con JDBC</a:t>
+            </a:r>
+          </a:p>
+        </p:txBody>
+      </p:sp>
+      <p:pic>
+        <p:nvPicPr>
+          <p:cNvPr id="5" name="Imagen 4">
+            <a:extLst>
+              <a:ext uri="{FF2B5EF4-FFF2-40B4-BE49-F238E27FC236}">
+                <a16:creationId xmlns:a16="http://schemas.microsoft.com/office/drawing/2014/main" id="{E1C2EC41-2438-4532-84CD-82270AB16B2A}"/>
+              </a:ext>
+            </a:extLst>
+          </p:cNvPr>
+          <p:cNvPicPr>
+            <a:picLocks noChangeAspect="1"/>
+          </p:cNvPicPr>
+          <p:nvPr/>
+        </p:nvPicPr>
+        <p:blipFill>
+          <a:blip r:embed="rId2" cstate="print">
+            <a:extLst>
+              <a:ext uri="{28A0092B-C50C-407E-A947-70E740481C1C}">
+                <a14:useLocalDpi xmlns:a14="http://schemas.microsoft.com/office/drawing/2010/main" val="0"/>
+              </a:ext>
+            </a:extLst>
+          </a:blip>
+          <a:stretch>
+            <a:fillRect/>
+          </a:stretch>
+        </p:blipFill>
+        <p:spPr>
+          <a:xfrm>
+            <a:off x="515694" y="3168117"/>
+            <a:ext cx="1292842" cy="1260000"/>
+          </a:xfrm>
+          <a:prstGeom prst="rect">
+            <a:avLst/>
+          </a:prstGeom>
+        </p:spPr>
+      </p:pic>
+      <p:pic>
+        <p:nvPicPr>
+          <p:cNvPr id="6" name="Imagen 5">
+            <a:extLst>
+              <a:ext uri="{FF2B5EF4-FFF2-40B4-BE49-F238E27FC236}">
+                <a16:creationId xmlns:a16="http://schemas.microsoft.com/office/drawing/2014/main" id="{7174E171-2AC1-4928-A620-DAFA0953D621}"/>
+              </a:ext>
+            </a:extLst>
+          </p:cNvPr>
+          <p:cNvPicPr>
+            <a:picLocks noChangeAspect="1"/>
+          </p:cNvPicPr>
+          <p:nvPr/>
+        </p:nvPicPr>
+        <p:blipFill>
+          <a:blip r:embed="rId3">
+            <a:extLst>
+              <a:ext uri="{28A0092B-C50C-407E-A947-70E740481C1C}">
+                <a14:useLocalDpi xmlns:a14="http://schemas.microsoft.com/office/drawing/2010/main" val="0"/>
+              </a:ext>
+            </a:extLst>
+          </a:blip>
+          <a:stretch>
+            <a:fillRect/>
+          </a:stretch>
+        </p:blipFill>
+        <p:spPr>
+          <a:xfrm>
+            <a:off x="515694" y="4792583"/>
+            <a:ext cx="1290135" cy="1080000"/>
+          </a:xfrm>
+          <a:prstGeom prst="rect">
+            <a:avLst/>
+          </a:prstGeom>
+        </p:spPr>
+      </p:pic>
+      <p:pic>
+        <p:nvPicPr>
+          <p:cNvPr id="7" name="Imagen 6">
+            <a:extLst>
+              <a:ext uri="{FF2B5EF4-FFF2-40B4-BE49-F238E27FC236}">
+                <a16:creationId xmlns:a16="http://schemas.microsoft.com/office/drawing/2014/main" id="{02A76684-0925-4876-A71C-7624CEB49ABF}"/>
+              </a:ext>
+            </a:extLst>
+          </p:cNvPr>
+          <p:cNvPicPr>
+            <a:picLocks noChangeAspect="1"/>
+          </p:cNvPicPr>
+          <p:nvPr/>
+        </p:nvPicPr>
+        <p:blipFill>
+          <a:blip r:embed="rId4" cstate="print">
+            <a:extLst>
+              <a:ext uri="{28A0092B-C50C-407E-A947-70E740481C1C}">
+                <a14:useLocalDpi xmlns:a14="http://schemas.microsoft.com/office/drawing/2010/main" val="0"/>
+              </a:ext>
+            </a:extLst>
+          </a:blip>
+          <a:stretch>
+            <a:fillRect/>
+          </a:stretch>
+        </p:blipFill>
+        <p:spPr>
+          <a:xfrm>
+            <a:off x="6213904" y="4864583"/>
+            <a:ext cx="1359628" cy="1008000"/>
+          </a:xfrm>
+          <a:prstGeom prst="rect">
+            <a:avLst/>
+          </a:prstGeom>
+        </p:spPr>
+      </p:pic>
+      <p:pic>
+        <p:nvPicPr>
+          <p:cNvPr id="8" name="Imagen 7">
+            <a:extLst>
+              <a:ext uri="{FF2B5EF4-FFF2-40B4-BE49-F238E27FC236}">
+                <a16:creationId xmlns:a16="http://schemas.microsoft.com/office/drawing/2014/main" id="{30EB441C-53A3-4BD3-A15B-48BC34FD4951}"/>
+              </a:ext>
+            </a:extLst>
+          </p:cNvPr>
+          <p:cNvPicPr>
+            <a:picLocks noChangeAspect="1"/>
+          </p:cNvPicPr>
+          <p:nvPr/>
+        </p:nvPicPr>
+        <p:blipFill>
+          <a:blip r:embed="rId5" cstate="print">
+            <a:extLst>
+              <a:ext uri="{28A0092B-C50C-407E-A947-70E740481C1C}">
+                <a14:useLocalDpi xmlns:a14="http://schemas.microsoft.com/office/drawing/2010/main" val="0"/>
+              </a:ext>
+            </a:extLst>
+          </a:blip>
+          <a:stretch>
+            <a:fillRect/>
+          </a:stretch>
+        </p:blipFill>
+        <p:spPr>
+          <a:xfrm>
+            <a:off x="6281718" y="3204117"/>
+            <a:ext cx="1224000" cy="1224000"/>
+          </a:xfrm>
+          <a:prstGeom prst="rect">
+            <a:avLst/>
+          </a:prstGeom>
+        </p:spPr>
+      </p:pic>
+      <p:pic>
+        <p:nvPicPr>
+          <p:cNvPr id="12" name="Imagen 11">
+            <a:extLst>
+              <a:ext uri="{FF2B5EF4-FFF2-40B4-BE49-F238E27FC236}">
+                <a16:creationId xmlns:a16="http://schemas.microsoft.com/office/drawing/2014/main" id="{7B20C85F-5C63-432F-AD13-4AFED8AC57D1}"/>
+              </a:ext>
+            </a:extLst>
+          </p:cNvPr>
+          <p:cNvPicPr>
+            <a:picLocks noChangeAspect="1"/>
+          </p:cNvPicPr>
+          <p:nvPr/>
+        </p:nvPicPr>
+        <p:blipFill>
+          <a:blip r:embed="rId6" cstate="print">
+            <a:extLst>
+              <a:ext uri="{28A0092B-C50C-407E-A947-70E740481C1C}">
+                <a14:useLocalDpi xmlns:a14="http://schemas.microsoft.com/office/drawing/2010/main" val="0"/>
+              </a:ext>
+            </a:extLst>
+          </a:blip>
+          <a:stretch>
+            <a:fillRect/>
+          </a:stretch>
+        </p:blipFill>
+        <p:spPr>
+          <a:xfrm>
+            <a:off x="515694" y="594140"/>
+            <a:ext cx="1998507" cy="1998507"/>
+          </a:xfrm>
+          <a:prstGeom prst="rect">
+            <a:avLst/>
+          </a:prstGeom>
+        </p:spPr>
+      </p:pic>
+      <p:sp>
+        <p:nvSpPr>
+          <p:cNvPr id="14" name="CuadroTexto 13">
+            <a:extLst>
+              <a:ext uri="{FF2B5EF4-FFF2-40B4-BE49-F238E27FC236}">
+                <a16:creationId xmlns:a16="http://schemas.microsoft.com/office/drawing/2014/main" id="{02E5343D-5252-4D6A-93AE-63EBE7B0CBC7}"/>
+              </a:ext>
+            </a:extLst>
+          </p:cNvPr>
+          <p:cNvSpPr txBox="1"/>
+          <p:nvPr/>
+        </p:nvSpPr>
+        <p:spPr>
+          <a:xfrm>
+            <a:off x="1949595" y="3168117"/>
+            <a:ext cx="3759437" cy="2916655"/>
+          </a:xfrm>
+          <a:prstGeom prst="rect">
+            <a:avLst/>
+          </a:prstGeom>
+          <a:noFill/>
+        </p:spPr>
+        <p:txBody>
+          <a:bodyPr wrap="square" rtlCol="0" anchor="ctr" anchorCtr="0">
+            <a:normAutofit lnSpcReduction="10000"/>
+          </a:bodyPr>
+          <a:lstStyle/>
+          <a:p>
+            <a:r>
+              <a:rPr lang="es-PE" sz="2000" b="1" dirty="0">
+                <a:solidFill>
+                  <a:schemeClr val="tx2">
+                    <a:lumMod val="50000"/>
+                  </a:schemeClr>
+                </a:solidFill>
+                <a:latin typeface="Arial Nova" panose="020B0504020202020204" pitchFamily="34" charset="0"/>
+              </a:rPr>
+              <a:t>FUNDAMENTOS DE PROGRAMACIÓN CON JAVA</a:t>
+            </a:r>
+          </a:p>
+          <a:p>
+            <a:r>
+              <a:rPr lang="es-PE" dirty="0">
+                <a:solidFill>
+                  <a:schemeClr val="tx1">
+                    <a:lumMod val="50000"/>
+                    <a:lumOff val="50000"/>
+                  </a:schemeClr>
+                </a:solidFill>
+                <a:latin typeface="Arial Nova" panose="020B0504020202020204" pitchFamily="34" charset="0"/>
+              </a:rPr>
+              <a:t>Inicia tu aprendizaje, utilizando las mejores prácticas de programación</a:t>
+            </a:r>
+          </a:p>
+          <a:p>
+            <a:endParaRPr lang="es-PE" sz="2933" dirty="0">
+              <a:solidFill>
+                <a:schemeClr val="tx1">
+                  <a:lumMod val="50000"/>
+                  <a:lumOff val="50000"/>
+                </a:schemeClr>
+              </a:solidFill>
+              <a:latin typeface="Arial Nova" panose="020B0504020202020204" pitchFamily="34" charset="0"/>
+            </a:endParaRPr>
+          </a:p>
+          <a:p>
+            <a:r>
+              <a:rPr lang="es-PE" sz="2000" b="1" dirty="0">
+                <a:solidFill>
+                  <a:schemeClr val="tx2">
+                    <a:lumMod val="50000"/>
+                  </a:schemeClr>
+                </a:solidFill>
+                <a:latin typeface="Arial Nova" panose="020B0504020202020204" pitchFamily="34" charset="0"/>
+              </a:rPr>
+              <a:t>CURSO PROFESIONAL DE</a:t>
+            </a:r>
+          </a:p>
+          <a:p>
+            <a:r>
+              <a:rPr lang="es-PE" sz="2000" b="1" dirty="0">
+                <a:solidFill>
+                  <a:schemeClr val="tx2">
+                    <a:lumMod val="50000"/>
+                  </a:schemeClr>
+                </a:solidFill>
+                <a:latin typeface="Arial Nova" panose="020B0504020202020204" pitchFamily="34" charset="0"/>
+              </a:rPr>
+              <a:t>JAVA ORIENTADA A OBJETOS</a:t>
+            </a:r>
+          </a:p>
+          <a:p>
+            <a:r>
+              <a:rPr lang="es-PE" dirty="0">
+                <a:solidFill>
+                  <a:schemeClr val="tx1">
+                    <a:lumMod val="50000"/>
+                    <a:lumOff val="50000"/>
+                  </a:schemeClr>
+                </a:solidFill>
+                <a:latin typeface="Arial Nova" panose="020B0504020202020204" pitchFamily="34" charset="0"/>
+              </a:rPr>
+              <a:t>Aprende programación en capas, patrones y buenas prácticas</a:t>
+            </a:r>
+          </a:p>
+        </p:txBody>
+      </p:sp>
+      <p:sp>
+        <p:nvSpPr>
+          <p:cNvPr id="17" name="CuadroTexto 16">
+            <a:extLst>
+              <a:ext uri="{FF2B5EF4-FFF2-40B4-BE49-F238E27FC236}">
+                <a16:creationId xmlns:a16="http://schemas.microsoft.com/office/drawing/2014/main" id="{141228EE-8CB5-4867-97BC-3840D055B0E6}"/>
+              </a:ext>
+            </a:extLst>
+          </p:cNvPr>
+          <p:cNvSpPr txBox="1"/>
+          <p:nvPr/>
+        </p:nvSpPr>
+        <p:spPr>
+          <a:xfrm>
+            <a:off x="2607013" y="398480"/>
+            <a:ext cx="8949071" cy="2389829"/>
+          </a:xfrm>
+          <a:prstGeom prst="rect">
+            <a:avLst/>
+          </a:prstGeom>
+          <a:noFill/>
+        </p:spPr>
+        <p:txBody>
+          <a:bodyPr wrap="square" rtlCol="0" anchor="ctr" anchorCtr="0">
+            <a:normAutofit fontScale="70000" lnSpcReduction="20000"/>
+          </a:bodyPr>
+          <a:lstStyle/>
+          <a:p>
+            <a:pPr algn="ctr">
+              <a:lnSpc>
+                <a:spcPct val="140000"/>
+              </a:lnSpc>
+              <a:spcBef>
+                <a:spcPts val="600"/>
+              </a:spcBef>
+              <a:spcAft>
+                <a:spcPts val="600"/>
+              </a:spcAft>
+            </a:pPr>
+            <a:r>
+              <a:rPr lang="es-PE" sz="3400" b="1" dirty="0">
+                <a:solidFill>
+                  <a:srgbClr val="7030A0"/>
+                </a:solidFill>
+                <a:latin typeface="Cooper Black" panose="0208090404030B020404" pitchFamily="18" charset="0"/>
+              </a:rPr>
+              <a:t>CLARA</a:t>
+            </a:r>
+            <a:r>
+              <a:rPr lang="es-PE" sz="3400" dirty="0">
+                <a:solidFill>
+                  <a:schemeClr val="tx1">
+                    <a:lumMod val="65000"/>
+                    <a:lumOff val="35000"/>
+                  </a:schemeClr>
+                </a:solidFill>
+                <a:latin typeface="Montserrat Medium" panose="00000600000000000000" pitchFamily="2" charset="0"/>
+              </a:rPr>
+              <a:t>-MENTE debes aprender Java y Base de Datos ORACLE en </a:t>
+            </a:r>
+            <a:r>
+              <a:rPr lang="es-PE" sz="3400" b="1" dirty="0">
+                <a:solidFill>
+                  <a:srgbClr val="832BDB"/>
+                </a:solidFill>
+                <a:latin typeface="Montserrat Medium" panose="00000600000000000000" pitchFamily="2" charset="0"/>
+              </a:rPr>
+              <a:t>UDEMY</a:t>
+            </a:r>
+            <a:r>
+              <a:rPr lang="es-PE" sz="3400" dirty="0">
+                <a:solidFill>
+                  <a:schemeClr val="tx1">
+                    <a:lumMod val="65000"/>
+                    <a:lumOff val="35000"/>
+                  </a:schemeClr>
+                </a:solidFill>
+                <a:latin typeface="Montserrat Medium" panose="00000600000000000000" pitchFamily="2" charset="0"/>
+              </a:rPr>
+              <a:t> con </a:t>
+            </a:r>
+            <a:r>
+              <a:rPr lang="es-PE" sz="3400">
+                <a:solidFill>
+                  <a:schemeClr val="tx1">
+                    <a:lumMod val="65000"/>
+                    <a:lumOff val="35000"/>
+                  </a:schemeClr>
+                </a:solidFill>
+                <a:latin typeface="Montserrat Medium" panose="00000600000000000000" pitchFamily="2" charset="0"/>
+              </a:rPr>
+              <a:t>Gustavo Coronel, </a:t>
+            </a:r>
+            <a:r>
+              <a:rPr lang="es-PE" sz="3400" dirty="0">
+                <a:solidFill>
+                  <a:schemeClr val="tx1">
+                    <a:lumMod val="65000"/>
+                    <a:lumOff val="35000"/>
+                  </a:schemeClr>
+                </a:solidFill>
+                <a:latin typeface="Montserrat Medium" panose="00000600000000000000" pitchFamily="2" charset="0"/>
+              </a:rPr>
+              <a:t>aprovecha el cupón </a:t>
+            </a:r>
+            <a:r>
+              <a:rPr lang="es-PE" sz="3400" dirty="0">
+                <a:solidFill>
+                  <a:srgbClr val="832BDB"/>
+                </a:solidFill>
+                <a:latin typeface="Lato Black" panose="020F0A02020204030203" pitchFamily="34" charset="0"/>
+              </a:rPr>
+              <a:t>ENERO20223</a:t>
+            </a:r>
+            <a:r>
+              <a:rPr lang="es-PE" sz="3400" dirty="0">
+                <a:solidFill>
+                  <a:schemeClr val="tx1">
+                    <a:lumMod val="65000"/>
+                    <a:lumOff val="35000"/>
+                  </a:schemeClr>
+                </a:solidFill>
+                <a:latin typeface="Montserrat Medium" panose="00000600000000000000" pitchFamily="2" charset="0"/>
+              </a:rPr>
+              <a:t> para que tu bolsillo no se </a:t>
+            </a:r>
+            <a:r>
+              <a:rPr lang="es-PE" sz="3400" dirty="0">
+                <a:solidFill>
+                  <a:srgbClr val="7030A0"/>
+                </a:solidFill>
+                <a:latin typeface="Cooper Black" panose="0208090404030B020404" pitchFamily="18" charset="0"/>
+              </a:rPr>
+              <a:t>PIQUE</a:t>
+            </a:r>
+            <a:r>
+              <a:rPr lang="es-PE" sz="3400" dirty="0">
+                <a:solidFill>
+                  <a:schemeClr val="tx1">
+                    <a:lumMod val="65000"/>
+                    <a:lumOff val="35000"/>
+                  </a:schemeClr>
+                </a:solidFill>
+                <a:latin typeface="Montserrat Medium" panose="00000600000000000000" pitchFamily="2" charset="0"/>
+              </a:rPr>
+              <a:t>.</a:t>
+            </a:r>
+            <a:endParaRPr lang="es-PE" sz="3400" spc="150" dirty="0">
+              <a:solidFill>
+                <a:srgbClr val="832BDB"/>
+              </a:solidFill>
+              <a:latin typeface="Impact" panose="020B0806030902050204" pitchFamily="34" charset="0"/>
+              <a:ea typeface="Roboto Black" panose="02000000000000000000" pitchFamily="2" charset="0"/>
+            </a:endParaRPr>
+          </a:p>
+          <a:p>
+            <a:pPr algn="ctr">
+              <a:lnSpc>
+                <a:spcPct val="140000"/>
+              </a:lnSpc>
+              <a:spcBef>
+                <a:spcPts val="600"/>
+              </a:spcBef>
+              <a:spcAft>
+                <a:spcPts val="600"/>
+              </a:spcAft>
+            </a:pPr>
+            <a:r>
+              <a:rPr lang="es-PE" sz="2600" spc="150" dirty="0">
+                <a:solidFill>
+                  <a:schemeClr val="accent5">
+                    <a:lumMod val="75000"/>
+                  </a:schemeClr>
+                </a:solidFill>
+                <a:latin typeface="Arial" panose="020B0604020202020204" pitchFamily="34" charset="0"/>
+                <a:ea typeface="Roboto Black" panose="02000000000000000000" pitchFamily="2" charset="0"/>
+                <a:cs typeface="Arial" panose="020B0604020202020204" pitchFamily="34" charset="0"/>
+              </a:rPr>
+              <a:t>Desde el 13.ene.2023 15:00 PST (GMT -8) por 5 días</a:t>
+            </a:r>
+          </a:p>
+        </p:txBody>
+      </p:sp>
     </p:spTree>
     <p:extLst>
       <p:ext uri="{BB962C8B-B14F-4D97-AF65-F5344CB8AC3E}">
-        <p14:creationId xmlns:p14="http://schemas.microsoft.com/office/powerpoint/2010/main" val="2232378785"/>
+        <p14:creationId xmlns:p14="http://schemas.microsoft.com/office/powerpoint/2010/main" val="3522836145"/>
       </p:ext>
     </p:extLst>
   </p:cSld>
@@ -4415,6 +4980,36 @@
           <a:chExt cx="0" cy="0"/>
         </a:xfrm>
       </p:grpSpPr>
+    </p:spTree>
+    <p:extLst>
+      <p:ext uri="{BB962C8B-B14F-4D97-AF65-F5344CB8AC3E}">
+        <p14:creationId xmlns:p14="http://schemas.microsoft.com/office/powerpoint/2010/main" val="2232378785"/>
+      </p:ext>
+    </p:extLst>
+  </p:cSld>
+  <p:clrMapOvr>
+    <a:masterClrMapping/>
+  </p:clrMapOvr>
+</p:sld>
+</file>
+
+<file path=ppt/slides/slide4.xml><?xml version="1.0" encoding="utf-8"?>
+<p:sld xmlns:a="http://schemas.openxmlformats.org/drawingml/2006/main" xmlns:r="http://schemas.openxmlformats.org/officeDocument/2006/relationships" xmlns:p="http://schemas.openxmlformats.org/presentationml/2006/main">
+  <p:cSld>
+    <p:spTree>
+      <p:nvGrpSpPr>
+        <p:cNvPr id="1" name=""/>
+        <p:cNvGrpSpPr/>
+        <p:nvPr/>
+      </p:nvGrpSpPr>
+      <p:grpSpPr>
+        <a:xfrm>
+          <a:off x="0" y="0"/>
+          <a:ext cx="0" cy="0"/>
+          <a:chOff x="0" y="0"/>
+          <a:chExt cx="0" cy="0"/>
+        </a:xfrm>
+      </p:grpSpPr>
       <p:sp>
         <p:nvSpPr>
           <p:cNvPr id="4" name="CuadroTexto 3">
@@ -4867,7 +5462,7 @@
 </p:sld>
 </file>
 
-<file path=ppt/slides/slide4.xml><?xml version="1.0" encoding="utf-8"?>
+<file path=ppt/slides/slide5.xml><?xml version="1.0" encoding="utf-8"?>
 <p:sld xmlns:a="http://schemas.openxmlformats.org/drawingml/2006/main" xmlns:r="http://schemas.openxmlformats.org/officeDocument/2006/relationships" xmlns:p="http://schemas.openxmlformats.org/presentationml/2006/main">
   <p:cSld>
     <p:spTree>
@@ -5551,7 +6146,7 @@
 </p:sld>
 </file>
 
-<file path=ppt/slides/slide5.xml><?xml version="1.0" encoding="utf-8"?>
+<file path=ppt/slides/slide6.xml><?xml version="1.0" encoding="utf-8"?>
 <p:sld xmlns:a="http://schemas.openxmlformats.org/drawingml/2006/main" xmlns:r="http://schemas.openxmlformats.org/officeDocument/2006/relationships" xmlns:p="http://schemas.openxmlformats.org/presentationml/2006/main">
   <p:cSld>
     <p:spTree>

--- a/img/Publicidad.pptx
+++ b/img/Publicidad.pptx
@@ -4846,40 +4846,16 @@
                 </a:solidFill>
                 <a:latin typeface="Montserrat Medium" panose="00000600000000000000" pitchFamily="2" charset="0"/>
               </a:rPr>
-              <a:t> con </a:t>
-            </a:r>
-            <a:r>
-              <a:rPr lang="es-PE" sz="3400">
-                <a:solidFill>
-                  <a:schemeClr val="tx1">
-                    <a:lumMod val="65000"/>
-                    <a:lumOff val="35000"/>
-                  </a:schemeClr>
-                </a:solidFill>
-                <a:latin typeface="Montserrat Medium" panose="00000600000000000000" pitchFamily="2" charset="0"/>
-              </a:rPr>
-              <a:t>Gustavo Coronel, </a:t>
-            </a:r>
-            <a:r>
-              <a:rPr lang="es-PE" sz="3400" dirty="0">
-                <a:solidFill>
-                  <a:schemeClr val="tx1">
-                    <a:lumMod val="65000"/>
-                    <a:lumOff val="35000"/>
-                  </a:schemeClr>
-                </a:solidFill>
-                <a:latin typeface="Montserrat Medium" panose="00000600000000000000" pitchFamily="2" charset="0"/>
-              </a:rPr>
-              <a:t>aprovecha el cupón </a:t>
-            </a:r>
-            <a:r>
-              <a:rPr lang="es-PE" sz="3400" dirty="0">
+              <a:t> con Gustavo Coronel, aprovecha el cupón </a:t>
+            </a:r>
+            <a:r>
+              <a:rPr lang="es-PE" sz="4000" dirty="0">
                 <a:solidFill>
                   <a:srgbClr val="832BDB"/>
                 </a:solidFill>
                 <a:latin typeface="Lato Black" panose="020F0A02020204030203" pitchFamily="34" charset="0"/>
               </a:rPr>
-              <a:t>ENERO20223</a:t>
+              <a:t>ENERO2023</a:t>
             </a:r>
             <a:r>
               <a:rPr lang="es-PE" sz="3400" dirty="0">

--- a/img/Publicidad.pptx
+++ b/img/Publicidad.pptx
@@ -5,18 +5,19 @@
     <p:sldMasterId id="2147483648" r:id="rId1"/>
   </p:sldMasterIdLst>
   <p:notesMasterIdLst>
-    <p:notesMasterId r:id="rId8"/>
+    <p:notesMasterId r:id="rId9"/>
   </p:notesMasterIdLst>
   <p:handoutMasterIdLst>
-    <p:handoutMasterId r:id="rId9"/>
+    <p:handoutMasterId r:id="rId10"/>
   </p:handoutMasterIdLst>
   <p:sldIdLst>
     <p:sldId id="352" r:id="rId2"/>
-    <p:sldId id="355" r:id="rId3"/>
-    <p:sldId id="350" r:id="rId4"/>
-    <p:sldId id="354" r:id="rId5"/>
-    <p:sldId id="353" r:id="rId6"/>
-    <p:sldId id="351" r:id="rId7"/>
+    <p:sldId id="356" r:id="rId3"/>
+    <p:sldId id="355" r:id="rId4"/>
+    <p:sldId id="350" r:id="rId5"/>
+    <p:sldId id="354" r:id="rId6"/>
+    <p:sldId id="353" r:id="rId7"/>
+    <p:sldId id="351" r:id="rId8"/>
   </p:sldIdLst>
   <p:sldSz cx="12192000" cy="6858000"/>
   <p:notesSz cx="7010400" cy="9296400"/>
@@ -219,7 +220,7 @@
           <a:p>
             <a:fld id="{792B3D31-0F96-4966-A431-66F6EDEF5F72}" type="datetimeFigureOut">
               <a:rPr lang="es-PE" smtClean="0"/>
-              <a:t>13/01/2023</a:t>
+              <a:t>31/08/2023</a:t>
             </a:fld>
             <a:endParaRPr lang="es-PE"/>
           </a:p>
@@ -384,7 +385,7 @@
           <a:p>
             <a:fld id="{41E43016-2B50-BC4A-8493-4E9F6F3489B7}" type="datetimeFigureOut">
               <a:rPr lang="es-ES" smtClean="0"/>
-              <a:t>13/01/2023</a:t>
+              <a:t>31/08/2023</a:t>
             </a:fld>
             <a:endParaRPr lang="es-ES"/>
           </a:p>
@@ -1062,8 +1063,8 @@
         </p:nvSpPr>
         <p:spPr>
           <a:xfrm>
-            <a:off x="565608" y="4675882"/>
-            <a:ext cx="4550861" cy="1107138"/>
+            <a:off x="565608" y="4516408"/>
+            <a:ext cx="4687710" cy="1454086"/>
           </a:xfrm>
           <a:prstGeom prst="rect">
             <a:avLst/>
@@ -1097,7 +1098,7 @@
               </a:spcAft>
             </a:pPr>
             <a:r>
-              <a:rPr lang="es-PE" sz="1600" dirty="0">
+              <a:rPr lang="es-PE" sz="2000" dirty="0">
                 <a:solidFill>
                   <a:schemeClr val="tx2">
                     <a:lumMod val="75000"/>
@@ -1118,7 +1119,7 @@
               </a:spcAft>
             </a:pPr>
             <a:r>
-              <a:rPr lang="es-PE" sz="1600" dirty="0">
+              <a:rPr lang="es-PE" sz="2000" dirty="0">
                 <a:solidFill>
                   <a:schemeClr val="tx2">
                     <a:lumMod val="75000"/>
@@ -1129,7 +1130,7 @@
               <a:t>youtube.com/</a:t>
             </a:r>
             <a:r>
-              <a:rPr lang="es-PE" sz="1600" dirty="0" err="1">
+              <a:rPr lang="es-PE" sz="2000" dirty="0" err="1">
                 <a:solidFill>
                   <a:schemeClr val="tx2">
                     <a:lumMod val="75000"/>
@@ -1139,7 +1140,7 @@
               </a:rPr>
               <a:t>DesarrollaSoftware</a:t>
             </a:r>
-            <a:endParaRPr lang="es-PE" sz="1600" dirty="0">
+            <a:endParaRPr lang="es-PE" sz="2000" dirty="0">
               <a:solidFill>
                 <a:schemeClr val="tx2">
                   <a:lumMod val="75000"/>
@@ -1158,7 +1159,7 @@
               </a:spcAft>
             </a:pPr>
             <a:r>
-              <a:rPr lang="es-PE" sz="1600" dirty="0">
+              <a:rPr lang="es-PE" sz="2000" dirty="0">
                 <a:solidFill>
                   <a:schemeClr val="tx2">
                     <a:lumMod val="75000"/>
@@ -1319,7 +1320,7 @@
         </p:blipFill>
         <p:spPr>
           <a:xfrm>
-            <a:off x="1338991" y="3136392"/>
+            <a:off x="1338991" y="3027692"/>
             <a:ext cx="3186827" cy="1449340"/>
           </a:xfrm>
           <a:prstGeom prst="rect">
@@ -4123,8 +4124,8 @@
         </p:blipFill>
         <p:spPr>
           <a:xfrm>
-            <a:off x="515694" y="353336"/>
-            <a:ext cx="1998507" cy="1998507"/>
+            <a:off x="1663430" y="326586"/>
+            <a:ext cx="2052000" cy="2052000"/>
           </a:xfrm>
           <a:prstGeom prst="rect">
             <a:avLst/>
@@ -4158,9 +4159,9 @@
           </a:stretch>
         </p:blipFill>
         <p:spPr>
-          <a:xfrm>
-            <a:off x="8456810" y="627918"/>
-            <a:ext cx="3186827" cy="1449340"/>
+          <a:xfrm rot="16200000">
+            <a:off x="-61496" y="735864"/>
+            <a:ext cx="2216406" cy="1233446"/>
           </a:xfrm>
           <a:prstGeom prst="rect">
             <a:avLst/>
@@ -4299,8 +4300,8 @@
         </p:nvSpPr>
         <p:spPr>
           <a:xfrm>
-            <a:off x="2514201" y="398480"/>
-            <a:ext cx="5822403" cy="1908215"/>
+            <a:off x="3832699" y="398480"/>
+            <a:ext cx="7723386" cy="1908215"/>
           </a:xfrm>
           <a:prstGeom prst="rect">
             <a:avLst/>
@@ -4321,7 +4322,7 @@
                 </a:solidFill>
                 <a:latin typeface="Fjalla One" panose="02000506040000020004" pitchFamily="2" charset="0"/>
               </a:rPr>
-              <a:t>CUPÓN NAVIDAD 2022</a:t>
+              <a:t>CUPÓN DE PRIMAVERA 2023</a:t>
             </a:r>
           </a:p>
           <a:p>
@@ -4334,7 +4335,7 @@
                 <a:latin typeface="Impact" panose="020B0806030902050204" pitchFamily="34" charset="0"/>
                 <a:ea typeface="Roboto Black" panose="02000000000000000000" pitchFamily="2" charset="0"/>
               </a:rPr>
-              <a:t>NAVIDAD-2022</a:t>
+              <a:t>PRIMAVERA2023</a:t>
             </a:r>
           </a:p>
           <a:p>
@@ -4351,7 +4352,7 @@
                 <a:ea typeface="Roboto Black" panose="02000000000000000000" pitchFamily="2" charset="0"/>
                 <a:cs typeface="Arial" panose="020B0604020202020204" pitchFamily="34" charset="0"/>
               </a:rPr>
-              <a:t>Desde el 22.dic.2022 12:00 Horas por 5 días</a:t>
+              <a:t>Desde el 31.set.2023 19:23 GMT-7 por 5 días</a:t>
             </a:r>
           </a:p>
         </p:txBody>
@@ -4400,6 +4401,546 @@
         </p:nvSpPr>
         <p:spPr>
           <a:xfrm>
+            <a:off x="7796648" y="2839453"/>
+            <a:ext cx="3759437" cy="3245319"/>
+          </a:xfrm>
+          <a:prstGeom prst="rect">
+            <a:avLst/>
+          </a:prstGeom>
+          <a:noFill/>
+        </p:spPr>
+        <p:txBody>
+          <a:bodyPr wrap="square" rtlCol="0" anchor="ctr" anchorCtr="0">
+            <a:normAutofit fontScale="92500"/>
+          </a:bodyPr>
+          <a:lstStyle/>
+          <a:p>
+            <a:r>
+              <a:rPr lang="es-PE" sz="2000" b="1" dirty="0">
+                <a:solidFill>
+                  <a:schemeClr val="tx2">
+                    <a:lumMod val="50000"/>
+                  </a:schemeClr>
+                </a:solidFill>
+                <a:latin typeface="Arial Nova" panose="020B0504020202020204" pitchFamily="34" charset="0"/>
+              </a:rPr>
+              <a:t>PROGRAMACIÓN DE BASE DE DATOS ORACLE CON PL/SQL</a:t>
+            </a:r>
+          </a:p>
+          <a:p>
+            <a:r>
+              <a:rPr lang="es-PE" dirty="0">
+                <a:solidFill>
+                  <a:schemeClr val="tx1">
+                    <a:lumMod val="50000"/>
+                    <a:lumOff val="50000"/>
+                  </a:schemeClr>
+                </a:solidFill>
+                <a:latin typeface="Arial Nova" panose="020B0504020202020204" pitchFamily="34" charset="0"/>
+              </a:rPr>
+              <a:t>Aprende a obtener el mejor rendimiento de tú base de datos</a:t>
+            </a:r>
+          </a:p>
+          <a:p>
+            <a:endParaRPr lang="es-PE" sz="2933" dirty="0">
+              <a:solidFill>
+                <a:schemeClr val="tx1">
+                  <a:lumMod val="50000"/>
+                  <a:lumOff val="50000"/>
+                </a:schemeClr>
+              </a:solidFill>
+              <a:latin typeface="Arial Nova" panose="020B0504020202020204" pitchFamily="34" charset="0"/>
+            </a:endParaRPr>
+          </a:p>
+          <a:p>
+            <a:endParaRPr lang="es-PE" sz="2933" dirty="0">
+              <a:solidFill>
+                <a:schemeClr val="tx1">
+                  <a:lumMod val="50000"/>
+                  <a:lumOff val="50000"/>
+                </a:schemeClr>
+              </a:solidFill>
+              <a:latin typeface="Arial Nova" panose="020B0504020202020204" pitchFamily="34" charset="0"/>
+            </a:endParaRPr>
+          </a:p>
+          <a:p>
+            <a:r>
+              <a:rPr lang="es-PE" sz="2000" b="1" dirty="0">
+                <a:solidFill>
+                  <a:schemeClr val="tx2">
+                    <a:lumMod val="50000"/>
+                  </a:schemeClr>
+                </a:solidFill>
+                <a:latin typeface="Arial Nova" panose="020B0504020202020204" pitchFamily="34" charset="0"/>
+              </a:rPr>
+              <a:t>PROGRAMACIÓN DE BASE DE DATOS ORACLE CON JDBC</a:t>
+            </a:r>
+          </a:p>
+          <a:p>
+            <a:r>
+              <a:rPr lang="es-PE" dirty="0">
+                <a:solidFill>
+                  <a:schemeClr val="tx1">
+                    <a:lumMod val="50000"/>
+                    <a:lumOff val="50000"/>
+                  </a:schemeClr>
+                </a:solidFill>
+                <a:latin typeface="Arial Nova" panose="020B0504020202020204" pitchFamily="34" charset="0"/>
+              </a:rPr>
+              <a:t>Aprende a programar correctamente con JDBC</a:t>
+            </a:r>
+          </a:p>
+        </p:txBody>
+      </p:sp>
+      <p:pic>
+        <p:nvPicPr>
+          <p:cNvPr id="5" name="Imagen 4">
+            <a:extLst>
+              <a:ext uri="{FF2B5EF4-FFF2-40B4-BE49-F238E27FC236}">
+                <a16:creationId xmlns:a16="http://schemas.microsoft.com/office/drawing/2014/main" id="{E1C2EC41-2438-4532-84CD-82270AB16B2A}"/>
+              </a:ext>
+            </a:extLst>
+          </p:cNvPr>
+          <p:cNvPicPr>
+            <a:picLocks noChangeAspect="1"/>
+          </p:cNvPicPr>
+          <p:nvPr/>
+        </p:nvPicPr>
+        <p:blipFill>
+          <a:blip r:embed="rId2" cstate="print">
+            <a:extLst>
+              <a:ext uri="{28A0092B-C50C-407E-A947-70E740481C1C}">
+                <a14:useLocalDpi xmlns:a14="http://schemas.microsoft.com/office/drawing/2010/main" val="0"/>
+              </a:ext>
+            </a:extLst>
+          </a:blip>
+          <a:stretch>
+            <a:fillRect/>
+          </a:stretch>
+        </p:blipFill>
+        <p:spPr>
+          <a:xfrm>
+            <a:off x="515694" y="2876279"/>
+            <a:ext cx="1292842" cy="1260000"/>
+          </a:xfrm>
+          <a:prstGeom prst="rect">
+            <a:avLst/>
+          </a:prstGeom>
+        </p:spPr>
+      </p:pic>
+      <p:pic>
+        <p:nvPicPr>
+          <p:cNvPr id="6" name="Imagen 5">
+            <a:extLst>
+              <a:ext uri="{FF2B5EF4-FFF2-40B4-BE49-F238E27FC236}">
+                <a16:creationId xmlns:a16="http://schemas.microsoft.com/office/drawing/2014/main" id="{7174E171-2AC1-4928-A620-DAFA0953D621}"/>
+              </a:ext>
+            </a:extLst>
+          </p:cNvPr>
+          <p:cNvPicPr>
+            <a:picLocks noChangeAspect="1"/>
+          </p:cNvPicPr>
+          <p:nvPr/>
+        </p:nvPicPr>
+        <p:blipFill>
+          <a:blip r:embed="rId3">
+            <a:extLst>
+              <a:ext uri="{28A0092B-C50C-407E-A947-70E740481C1C}">
+                <a14:useLocalDpi xmlns:a14="http://schemas.microsoft.com/office/drawing/2010/main" val="0"/>
+              </a:ext>
+            </a:extLst>
+          </a:blip>
+          <a:stretch>
+            <a:fillRect/>
+          </a:stretch>
+        </p:blipFill>
+        <p:spPr>
+          <a:xfrm>
+            <a:off x="515694" y="4792583"/>
+            <a:ext cx="1290135" cy="1080000"/>
+          </a:xfrm>
+          <a:prstGeom prst="rect">
+            <a:avLst/>
+          </a:prstGeom>
+        </p:spPr>
+      </p:pic>
+      <p:pic>
+        <p:nvPicPr>
+          <p:cNvPr id="7" name="Imagen 6">
+            <a:extLst>
+              <a:ext uri="{FF2B5EF4-FFF2-40B4-BE49-F238E27FC236}">
+                <a16:creationId xmlns:a16="http://schemas.microsoft.com/office/drawing/2014/main" id="{02A76684-0925-4876-A71C-7624CEB49ABF}"/>
+              </a:ext>
+            </a:extLst>
+          </p:cNvPr>
+          <p:cNvPicPr>
+            <a:picLocks noChangeAspect="1"/>
+          </p:cNvPicPr>
+          <p:nvPr/>
+        </p:nvPicPr>
+        <p:blipFill>
+          <a:blip r:embed="rId4" cstate="print">
+            <a:extLst>
+              <a:ext uri="{28A0092B-C50C-407E-A947-70E740481C1C}">
+                <a14:useLocalDpi xmlns:a14="http://schemas.microsoft.com/office/drawing/2010/main" val="0"/>
+              </a:ext>
+            </a:extLst>
+          </a:blip>
+          <a:stretch>
+            <a:fillRect/>
+          </a:stretch>
+        </p:blipFill>
+        <p:spPr>
+          <a:xfrm>
+            <a:off x="6213904" y="4864583"/>
+            <a:ext cx="1359628" cy="1008000"/>
+          </a:xfrm>
+          <a:prstGeom prst="rect">
+            <a:avLst/>
+          </a:prstGeom>
+        </p:spPr>
+      </p:pic>
+      <p:pic>
+        <p:nvPicPr>
+          <p:cNvPr id="8" name="Imagen 7">
+            <a:extLst>
+              <a:ext uri="{FF2B5EF4-FFF2-40B4-BE49-F238E27FC236}">
+                <a16:creationId xmlns:a16="http://schemas.microsoft.com/office/drawing/2014/main" id="{30EB441C-53A3-4BD3-A15B-48BC34FD4951}"/>
+              </a:ext>
+            </a:extLst>
+          </p:cNvPr>
+          <p:cNvPicPr>
+            <a:picLocks noChangeAspect="1"/>
+          </p:cNvPicPr>
+          <p:nvPr/>
+        </p:nvPicPr>
+        <p:blipFill>
+          <a:blip r:embed="rId5" cstate="print">
+            <a:extLst>
+              <a:ext uri="{28A0092B-C50C-407E-A947-70E740481C1C}">
+                <a14:useLocalDpi xmlns:a14="http://schemas.microsoft.com/office/drawing/2010/main" val="0"/>
+              </a:ext>
+            </a:extLst>
+          </a:blip>
+          <a:stretch>
+            <a:fillRect/>
+          </a:stretch>
+        </p:blipFill>
+        <p:spPr>
+          <a:xfrm>
+            <a:off x="6281718" y="2912279"/>
+            <a:ext cx="1224000" cy="1224000"/>
+          </a:xfrm>
+          <a:prstGeom prst="rect">
+            <a:avLst/>
+          </a:prstGeom>
+        </p:spPr>
+      </p:pic>
+      <p:pic>
+        <p:nvPicPr>
+          <p:cNvPr id="12" name="Imagen 11">
+            <a:extLst>
+              <a:ext uri="{FF2B5EF4-FFF2-40B4-BE49-F238E27FC236}">
+                <a16:creationId xmlns:a16="http://schemas.microsoft.com/office/drawing/2014/main" id="{7B20C85F-5C63-432F-AD13-4AFED8AC57D1}"/>
+              </a:ext>
+            </a:extLst>
+          </p:cNvPr>
+          <p:cNvPicPr>
+            <a:picLocks noChangeAspect="1"/>
+          </p:cNvPicPr>
+          <p:nvPr/>
+        </p:nvPicPr>
+        <p:blipFill>
+          <a:blip r:embed="rId6" cstate="print">
+            <a:extLst>
+              <a:ext uri="{28A0092B-C50C-407E-A947-70E740481C1C}">
+                <a14:useLocalDpi xmlns:a14="http://schemas.microsoft.com/office/drawing/2010/main" val="0"/>
+              </a:ext>
+            </a:extLst>
+          </a:blip>
+          <a:stretch>
+            <a:fillRect/>
+          </a:stretch>
+        </p:blipFill>
+        <p:spPr>
+          <a:xfrm>
+            <a:off x="515694" y="353336"/>
+            <a:ext cx="1998507" cy="1998507"/>
+          </a:xfrm>
+          <a:prstGeom prst="rect">
+            <a:avLst/>
+          </a:prstGeom>
+        </p:spPr>
+      </p:pic>
+      <p:pic>
+        <p:nvPicPr>
+          <p:cNvPr id="13" name="Imagen 12">
+            <a:extLst>
+              <a:ext uri="{FF2B5EF4-FFF2-40B4-BE49-F238E27FC236}">
+                <a16:creationId xmlns:a16="http://schemas.microsoft.com/office/drawing/2014/main" id="{526A7F87-B711-4304-B1F5-1093DDA95DC1}"/>
+              </a:ext>
+            </a:extLst>
+          </p:cNvPr>
+          <p:cNvPicPr>
+            <a:picLocks noChangeAspect="1"/>
+          </p:cNvPicPr>
+          <p:nvPr/>
+        </p:nvPicPr>
+        <p:blipFill>
+          <a:blip r:embed="rId7">
+            <a:extLst>
+              <a:ext uri="{28A0092B-C50C-407E-A947-70E740481C1C}">
+                <a14:useLocalDpi xmlns:a14="http://schemas.microsoft.com/office/drawing/2010/main" val="0"/>
+              </a:ext>
+            </a:extLst>
+          </a:blip>
+          <a:stretch>
+            <a:fillRect/>
+          </a:stretch>
+        </p:blipFill>
+        <p:spPr>
+          <a:xfrm>
+            <a:off x="8456810" y="627918"/>
+            <a:ext cx="3186827" cy="1449340"/>
+          </a:xfrm>
+          <a:prstGeom prst="rect">
+            <a:avLst/>
+          </a:prstGeom>
+        </p:spPr>
+      </p:pic>
+      <p:sp>
+        <p:nvSpPr>
+          <p:cNvPr id="14" name="CuadroTexto 13">
+            <a:extLst>
+              <a:ext uri="{FF2B5EF4-FFF2-40B4-BE49-F238E27FC236}">
+                <a16:creationId xmlns:a16="http://schemas.microsoft.com/office/drawing/2014/main" id="{02E5343D-5252-4D6A-93AE-63EBE7B0CBC7}"/>
+              </a:ext>
+            </a:extLst>
+          </p:cNvPr>
+          <p:cNvSpPr txBox="1"/>
+          <p:nvPr/>
+        </p:nvSpPr>
+        <p:spPr>
+          <a:xfrm>
+            <a:off x="1949595" y="2839453"/>
+            <a:ext cx="3759437" cy="3245319"/>
+          </a:xfrm>
+          <a:prstGeom prst="rect">
+            <a:avLst/>
+          </a:prstGeom>
+          <a:noFill/>
+        </p:spPr>
+        <p:txBody>
+          <a:bodyPr wrap="square" rtlCol="0" anchor="ctr" anchorCtr="0">
+            <a:normAutofit fontScale="92500"/>
+          </a:bodyPr>
+          <a:lstStyle/>
+          <a:p>
+            <a:r>
+              <a:rPr lang="es-PE" sz="2000" b="1" dirty="0">
+                <a:solidFill>
+                  <a:schemeClr val="tx2">
+                    <a:lumMod val="50000"/>
+                  </a:schemeClr>
+                </a:solidFill>
+                <a:latin typeface="Arial Nova" panose="020B0504020202020204" pitchFamily="34" charset="0"/>
+              </a:rPr>
+              <a:t>FUNDAMENTOS DE PROGRAMACIÓN CON JAVA</a:t>
+            </a:r>
+          </a:p>
+          <a:p>
+            <a:r>
+              <a:rPr lang="es-PE" dirty="0">
+                <a:solidFill>
+                  <a:schemeClr val="tx1">
+                    <a:lumMod val="50000"/>
+                    <a:lumOff val="50000"/>
+                  </a:schemeClr>
+                </a:solidFill>
+                <a:latin typeface="Arial Nova" panose="020B0504020202020204" pitchFamily="34" charset="0"/>
+              </a:rPr>
+              <a:t>Inicia tu aprendizaje, utilizando las mejores prácticas de programación</a:t>
+            </a:r>
+          </a:p>
+          <a:p>
+            <a:endParaRPr lang="es-PE" sz="2933" dirty="0">
+              <a:solidFill>
+                <a:schemeClr val="tx1">
+                  <a:lumMod val="50000"/>
+                  <a:lumOff val="50000"/>
+                </a:schemeClr>
+              </a:solidFill>
+              <a:latin typeface="Arial Nova" panose="020B0504020202020204" pitchFamily="34" charset="0"/>
+            </a:endParaRPr>
+          </a:p>
+          <a:p>
+            <a:endParaRPr lang="es-PE" sz="2933" dirty="0">
+              <a:solidFill>
+                <a:schemeClr val="tx1">
+                  <a:lumMod val="50000"/>
+                  <a:lumOff val="50000"/>
+                </a:schemeClr>
+              </a:solidFill>
+              <a:latin typeface="Arial Nova" panose="020B0504020202020204" pitchFamily="34" charset="0"/>
+            </a:endParaRPr>
+          </a:p>
+          <a:p>
+            <a:r>
+              <a:rPr lang="es-PE" sz="2000" b="1" dirty="0">
+                <a:solidFill>
+                  <a:schemeClr val="tx2">
+                    <a:lumMod val="50000"/>
+                  </a:schemeClr>
+                </a:solidFill>
+                <a:latin typeface="Arial Nova" panose="020B0504020202020204" pitchFamily="34" charset="0"/>
+              </a:rPr>
+              <a:t>CURSO PROFESIONAL DE</a:t>
+            </a:r>
+          </a:p>
+          <a:p>
+            <a:r>
+              <a:rPr lang="es-PE" sz="2000" b="1" dirty="0">
+                <a:solidFill>
+                  <a:schemeClr val="tx2">
+                    <a:lumMod val="50000"/>
+                  </a:schemeClr>
+                </a:solidFill>
+                <a:latin typeface="Arial Nova" panose="020B0504020202020204" pitchFamily="34" charset="0"/>
+              </a:rPr>
+              <a:t>JAVA ORIENTADA A OBJETOS</a:t>
+            </a:r>
+          </a:p>
+          <a:p>
+            <a:r>
+              <a:rPr lang="es-PE" dirty="0">
+                <a:solidFill>
+                  <a:schemeClr val="tx1">
+                    <a:lumMod val="50000"/>
+                    <a:lumOff val="50000"/>
+                  </a:schemeClr>
+                </a:solidFill>
+                <a:latin typeface="Arial Nova" panose="020B0504020202020204" pitchFamily="34" charset="0"/>
+              </a:rPr>
+              <a:t>Aprende programación en capas, patrones y buenas prácticas</a:t>
+            </a:r>
+          </a:p>
+        </p:txBody>
+      </p:sp>
+      <p:sp>
+        <p:nvSpPr>
+          <p:cNvPr id="17" name="CuadroTexto 16">
+            <a:extLst>
+              <a:ext uri="{FF2B5EF4-FFF2-40B4-BE49-F238E27FC236}">
+                <a16:creationId xmlns:a16="http://schemas.microsoft.com/office/drawing/2014/main" id="{141228EE-8CB5-4867-97BC-3840D055B0E6}"/>
+              </a:ext>
+            </a:extLst>
+          </p:cNvPr>
+          <p:cNvSpPr txBox="1"/>
+          <p:nvPr/>
+        </p:nvSpPr>
+        <p:spPr>
+          <a:xfrm>
+            <a:off x="2514201" y="398480"/>
+            <a:ext cx="5822403" cy="1908215"/>
+          </a:xfrm>
+          <a:prstGeom prst="rect">
+            <a:avLst/>
+          </a:prstGeom>
+          <a:noFill/>
+        </p:spPr>
+        <p:txBody>
+          <a:bodyPr wrap="square" rtlCol="0">
+            <a:spAutoFit/>
+          </a:bodyPr>
+          <a:lstStyle/>
+          <a:p>
+            <a:pPr algn="ctr"/>
+            <a:r>
+              <a:rPr lang="es-PE" sz="3200" dirty="0">
+                <a:solidFill>
+                  <a:srgbClr val="FF0000"/>
+                </a:solidFill>
+                <a:latin typeface="Fjalla One" panose="02000506040000020004" pitchFamily="2" charset="0"/>
+              </a:rPr>
+              <a:t>CUPÓN NAVIDAD 2022</a:t>
+            </a:r>
+          </a:p>
+          <a:p>
+            <a:pPr algn="ctr"/>
+            <a:r>
+              <a:rPr lang="es-PE" sz="7000" spc="150" dirty="0">
+                <a:solidFill>
+                  <a:srgbClr val="832BDB"/>
+                </a:solidFill>
+                <a:latin typeface="Impact" panose="020B0806030902050204" pitchFamily="34" charset="0"/>
+                <a:ea typeface="Roboto Black" panose="02000000000000000000" pitchFamily="2" charset="0"/>
+              </a:rPr>
+              <a:t>NAVIDAD-2022</a:t>
+            </a:r>
+          </a:p>
+          <a:p>
+            <a:pPr algn="ctr"/>
+            <a:r>
+              <a:rPr lang="es-PE" sz="1600" spc="150" dirty="0">
+                <a:solidFill>
+                  <a:schemeClr val="tx1">
+                    <a:lumMod val="50000"/>
+                    <a:lumOff val="50000"/>
+                  </a:schemeClr>
+                </a:solidFill>
+                <a:latin typeface="Arial" panose="020B0604020202020204" pitchFamily="34" charset="0"/>
+                <a:ea typeface="Roboto Black" panose="02000000000000000000" pitchFamily="2" charset="0"/>
+                <a:cs typeface="Arial" panose="020B0604020202020204" pitchFamily="34" charset="0"/>
+              </a:rPr>
+              <a:t>Desde el 22.dic.2022 12:00 Horas por 5 días</a:t>
+            </a:r>
+          </a:p>
+        </p:txBody>
+      </p:sp>
+    </p:spTree>
+    <p:extLst>
+      <p:ext uri="{BB962C8B-B14F-4D97-AF65-F5344CB8AC3E}">
+        <p14:creationId xmlns:p14="http://schemas.microsoft.com/office/powerpoint/2010/main" val="2856366443"/>
+      </p:ext>
+    </p:extLst>
+  </p:cSld>
+  <p:clrMapOvr>
+    <a:masterClrMapping/>
+  </p:clrMapOvr>
+</p:sld>
+</file>
+
+<file path=ppt/slides/slide3.xml><?xml version="1.0" encoding="utf-8"?>
+<p:sld xmlns:a="http://schemas.openxmlformats.org/drawingml/2006/main" xmlns:r="http://schemas.openxmlformats.org/officeDocument/2006/relationships" xmlns:p="http://schemas.openxmlformats.org/presentationml/2006/main">
+  <p:cSld>
+    <p:spTree>
+      <p:nvGrpSpPr>
+        <p:cNvPr id="1" name=""/>
+        <p:cNvGrpSpPr/>
+        <p:nvPr/>
+      </p:nvGrpSpPr>
+      <p:grpSpPr>
+        <a:xfrm>
+          <a:off x="0" y="0"/>
+          <a:ext cx="0" cy="0"/>
+          <a:chOff x="0" y="0"/>
+          <a:chExt cx="0" cy="0"/>
+        </a:xfrm>
+      </p:grpSpPr>
+      <p:sp>
+        <p:nvSpPr>
+          <p:cNvPr id="4" name="CuadroTexto 3">
+            <a:extLst>
+              <a:ext uri="{FF2B5EF4-FFF2-40B4-BE49-F238E27FC236}">
+                <a16:creationId xmlns:a16="http://schemas.microsoft.com/office/drawing/2014/main" id="{D9232D69-CB3D-402E-AA3B-950F8AD47642}"/>
+              </a:ext>
+            </a:extLst>
+          </p:cNvPr>
+          <p:cNvSpPr txBox="1"/>
+          <p:nvPr/>
+        </p:nvSpPr>
+        <p:spPr>
+          <a:xfrm>
             <a:off x="7796648" y="3168117"/>
             <a:ext cx="3759437" cy="2916655"/>
           </a:xfrm>
@@ -4939,7 +5480,7 @@
 </p:sld>
 </file>
 
-<file path=ppt/slides/slide3.xml><?xml version="1.0" encoding="utf-8"?>
+<file path=ppt/slides/slide4.xml><?xml version="1.0" encoding="utf-8"?>
 <p:sld xmlns:a="http://schemas.openxmlformats.org/drawingml/2006/main" xmlns:r="http://schemas.openxmlformats.org/officeDocument/2006/relationships" xmlns:p="http://schemas.openxmlformats.org/presentationml/2006/main">
   <p:cSld>
     <p:spTree>
@@ -4969,7 +5510,7 @@
 </p:sld>
 </file>
 
-<file path=ppt/slides/slide4.xml><?xml version="1.0" encoding="utf-8"?>
+<file path=ppt/slides/slide5.xml><?xml version="1.0" encoding="utf-8"?>
 <p:sld xmlns:a="http://schemas.openxmlformats.org/drawingml/2006/main" xmlns:r="http://schemas.openxmlformats.org/officeDocument/2006/relationships" xmlns:p="http://schemas.openxmlformats.org/presentationml/2006/main">
   <p:cSld>
     <p:spTree>
@@ -5438,7 +5979,7 @@
 </p:sld>
 </file>
 
-<file path=ppt/slides/slide5.xml><?xml version="1.0" encoding="utf-8"?>
+<file path=ppt/slides/slide6.xml><?xml version="1.0" encoding="utf-8"?>
 <p:sld xmlns:a="http://schemas.openxmlformats.org/drawingml/2006/main" xmlns:r="http://schemas.openxmlformats.org/officeDocument/2006/relationships" xmlns:p="http://schemas.openxmlformats.org/presentationml/2006/main">
   <p:cSld>
     <p:spTree>
@@ -6122,7 +6663,7 @@
 </p:sld>
 </file>
 
-<file path=ppt/slides/slide6.xml><?xml version="1.0" encoding="utf-8"?>
+<file path=ppt/slides/slide7.xml><?xml version="1.0" encoding="utf-8"?>
 <p:sld xmlns:a="http://schemas.openxmlformats.org/drawingml/2006/main" xmlns:r="http://schemas.openxmlformats.org/officeDocument/2006/relationships" xmlns:p="http://schemas.openxmlformats.org/presentationml/2006/main">
   <p:cSld>
     <p:spTree>

--- a/img/Publicidad.pptx
+++ b/img/Publicidad.pptx
@@ -220,7 +220,7 @@
           <a:p>
             <a:fld id="{792B3D31-0F96-4966-A431-66F6EDEF5F72}" type="datetimeFigureOut">
               <a:rPr lang="es-PE" smtClean="0"/>
-              <a:t>31/08/2023</a:t>
+              <a:t>2/12/2023</a:t>
             </a:fld>
             <a:endParaRPr lang="es-PE"/>
           </a:p>
@@ -385,7 +385,7 @@
           <a:p>
             <a:fld id="{41E43016-2B50-BC4A-8493-4E9F6F3489B7}" type="datetimeFigureOut">
               <a:rPr lang="es-ES" smtClean="0"/>
-              <a:t>31/08/2023</a:t>
+              <a:t>02/12/2023</a:t>
             </a:fld>
             <a:endParaRPr lang="es-ES"/>
           </a:p>
@@ -4098,10 +4098,10 @@
       </p:pic>
       <p:pic>
         <p:nvPicPr>
-          <p:cNvPr id="12" name="Imagen 11">
+          <p:cNvPr id="13" name="Imagen 12">
             <a:extLst>
               <a:ext uri="{FF2B5EF4-FFF2-40B4-BE49-F238E27FC236}">
-                <a16:creationId xmlns:a16="http://schemas.microsoft.com/office/drawing/2014/main" id="{7B20C85F-5C63-432F-AD13-4AFED8AC57D1}"/>
+                <a16:creationId xmlns:a16="http://schemas.microsoft.com/office/drawing/2014/main" id="{526A7F87-B711-4304-B1F5-1093DDA95DC1}"/>
               </a:ext>
             </a:extLst>
           </p:cNvPr>
@@ -4111,43 +4111,7 @@
           <p:nvPr/>
         </p:nvPicPr>
         <p:blipFill>
-          <a:blip r:embed="rId6" cstate="print">
-            <a:extLst>
-              <a:ext uri="{28A0092B-C50C-407E-A947-70E740481C1C}">
-                <a14:useLocalDpi xmlns:a14="http://schemas.microsoft.com/office/drawing/2010/main" val="0"/>
-              </a:ext>
-            </a:extLst>
-          </a:blip>
-          <a:stretch>
-            <a:fillRect/>
-          </a:stretch>
-        </p:blipFill>
-        <p:spPr>
-          <a:xfrm>
-            <a:off x="1663430" y="326586"/>
-            <a:ext cx="2052000" cy="2052000"/>
-          </a:xfrm>
-          <a:prstGeom prst="rect">
-            <a:avLst/>
-          </a:prstGeom>
-        </p:spPr>
-      </p:pic>
-      <p:pic>
-        <p:nvPicPr>
-          <p:cNvPr id="13" name="Imagen 12">
-            <a:extLst>
-              <a:ext uri="{FF2B5EF4-FFF2-40B4-BE49-F238E27FC236}">
-                <a16:creationId xmlns:a16="http://schemas.microsoft.com/office/drawing/2014/main" id="{526A7F87-B711-4304-B1F5-1093DDA95DC1}"/>
-              </a:ext>
-            </a:extLst>
-          </p:cNvPr>
-          <p:cNvPicPr>
-            <a:picLocks noChangeAspect="1"/>
-          </p:cNvPicPr>
-          <p:nvPr/>
-        </p:nvPicPr>
-        <p:blipFill>
-          <a:blip r:embed="rId7">
+          <a:blip r:embed="rId6">
             <a:extLst>
               <a:ext uri="{28A0092B-C50C-407E-A947-70E740481C1C}">
                 <a14:useLocalDpi xmlns:a14="http://schemas.microsoft.com/office/drawing/2010/main" val="0"/>
@@ -4318,11 +4282,14 @@
             <a:r>
               <a:rPr lang="es-PE" sz="3200" dirty="0">
                 <a:solidFill>
-                  <a:srgbClr val="FF0000"/>
+                  <a:schemeClr val="tx2">
+                    <a:lumMod val="60000"/>
+                    <a:lumOff val="40000"/>
+                  </a:schemeClr>
                 </a:solidFill>
                 <a:latin typeface="Fjalla One" panose="02000506040000020004" pitchFamily="2" charset="0"/>
               </a:rPr>
-              <a:t>CUPÓN DE PRIMAVERA 2023</a:t>
+              <a:t>CUPÓN DICIEMBRE 2023</a:t>
             </a:r>
           </a:p>
           <a:p>
@@ -4335,7 +4302,7 @@
                 <a:latin typeface="Impact" panose="020B0806030902050204" pitchFamily="34" charset="0"/>
                 <a:ea typeface="Roboto Black" panose="02000000000000000000" pitchFamily="2" charset="0"/>
               </a:rPr>
-              <a:t>PRIMAVERA2023</a:t>
+              <a:t>DICIEMBRE2023</a:t>
             </a:r>
           </a:p>
           <a:p>
@@ -4344,19 +4311,49 @@
               <a:rPr lang="es-PE" sz="1600" spc="150" dirty="0">
                 <a:solidFill>
                   <a:schemeClr val="tx1">
-                    <a:lumMod val="50000"/>
-                    <a:lumOff val="50000"/>
+                    <a:lumMod val="85000"/>
+                    <a:lumOff val="15000"/>
                   </a:schemeClr>
                 </a:solidFill>
                 <a:latin typeface="Arial" panose="020B0604020202020204" pitchFamily="34" charset="0"/>
                 <a:ea typeface="Roboto Black" panose="02000000000000000000" pitchFamily="2" charset="0"/>
                 <a:cs typeface="Arial" panose="020B0604020202020204" pitchFamily="34" charset="0"/>
               </a:rPr>
-              <a:t>Desde el 31.set.2023 19:23 GMT-7 por 5 días</a:t>
+              <a:t>Desde el 03.dic.2023 GMT-8 por 5 días</a:t>
             </a:r>
           </a:p>
         </p:txBody>
       </p:sp>
+      <p:pic>
+        <p:nvPicPr>
+          <p:cNvPr id="3" name="Imagen 2">
+            <a:extLst>
+              <a:ext uri="{FF2B5EF4-FFF2-40B4-BE49-F238E27FC236}">
+                <a16:creationId xmlns:a16="http://schemas.microsoft.com/office/drawing/2014/main" id="{70581A38-57FA-8EEF-6BFD-FD41AE438350}"/>
+              </a:ext>
+            </a:extLst>
+          </p:cNvPr>
+          <p:cNvPicPr>
+            <a:picLocks noChangeAspect="1"/>
+          </p:cNvPicPr>
+          <p:nvPr/>
+        </p:nvPicPr>
+        <p:blipFill>
+          <a:blip r:embed="rId7"/>
+          <a:stretch>
+            <a:fillRect/>
+          </a:stretch>
+        </p:blipFill>
+        <p:spPr>
+          <a:xfrm>
+            <a:off x="1805829" y="326586"/>
+            <a:ext cx="2009621" cy="2052000"/>
+          </a:xfrm>
+          <a:prstGeom prst="rect">
+            <a:avLst/>
+          </a:prstGeom>
+        </p:spPr>
+      </p:pic>
     </p:spTree>
     <p:extLst>
       <p:ext uri="{BB962C8B-B14F-4D97-AF65-F5344CB8AC3E}">
@@ -4638,10 +4635,10 @@
       </p:pic>
       <p:pic>
         <p:nvPicPr>
-          <p:cNvPr id="12" name="Imagen 11">
+          <p:cNvPr id="13" name="Imagen 12">
             <a:extLst>
               <a:ext uri="{FF2B5EF4-FFF2-40B4-BE49-F238E27FC236}">
-                <a16:creationId xmlns:a16="http://schemas.microsoft.com/office/drawing/2014/main" id="{7B20C85F-5C63-432F-AD13-4AFED8AC57D1}"/>
+                <a16:creationId xmlns:a16="http://schemas.microsoft.com/office/drawing/2014/main" id="{526A7F87-B711-4304-B1F5-1093DDA95DC1}"/>
               </a:ext>
             </a:extLst>
           </p:cNvPr>
@@ -4651,43 +4648,7 @@
           <p:nvPr/>
         </p:nvPicPr>
         <p:blipFill>
-          <a:blip r:embed="rId6" cstate="print">
-            <a:extLst>
-              <a:ext uri="{28A0092B-C50C-407E-A947-70E740481C1C}">
-                <a14:useLocalDpi xmlns:a14="http://schemas.microsoft.com/office/drawing/2010/main" val="0"/>
-              </a:ext>
-            </a:extLst>
-          </a:blip>
-          <a:stretch>
-            <a:fillRect/>
-          </a:stretch>
-        </p:blipFill>
-        <p:spPr>
-          <a:xfrm>
-            <a:off x="515694" y="353336"/>
-            <a:ext cx="1998507" cy="1998507"/>
-          </a:xfrm>
-          <a:prstGeom prst="rect">
-            <a:avLst/>
-          </a:prstGeom>
-        </p:spPr>
-      </p:pic>
-      <p:pic>
-        <p:nvPicPr>
-          <p:cNvPr id="13" name="Imagen 12">
-            <a:extLst>
-              <a:ext uri="{FF2B5EF4-FFF2-40B4-BE49-F238E27FC236}">
-                <a16:creationId xmlns:a16="http://schemas.microsoft.com/office/drawing/2014/main" id="{526A7F87-B711-4304-B1F5-1093DDA95DC1}"/>
-              </a:ext>
-            </a:extLst>
-          </p:cNvPr>
-          <p:cNvPicPr>
-            <a:picLocks noChangeAspect="1"/>
-          </p:cNvPicPr>
-          <p:nvPr/>
-        </p:nvPicPr>
-        <p:blipFill>
-          <a:blip r:embed="rId7">
+          <a:blip r:embed="rId6">
             <a:extLst>
               <a:ext uri="{28A0092B-C50C-407E-A947-70E740481C1C}">
                 <a14:useLocalDpi xmlns:a14="http://schemas.microsoft.com/office/drawing/2010/main" val="0"/>
@@ -4897,6 +4858,36 @@
           </a:p>
         </p:txBody>
       </p:sp>
+      <p:pic>
+        <p:nvPicPr>
+          <p:cNvPr id="2" name="Imagen 1">
+            <a:extLst>
+              <a:ext uri="{FF2B5EF4-FFF2-40B4-BE49-F238E27FC236}">
+                <a16:creationId xmlns:a16="http://schemas.microsoft.com/office/drawing/2014/main" id="{2ADA7152-25A4-4A7E-087C-3B4EA0920D49}"/>
+              </a:ext>
+            </a:extLst>
+          </p:cNvPr>
+          <p:cNvPicPr>
+            <a:picLocks noChangeAspect="1"/>
+          </p:cNvPicPr>
+          <p:nvPr/>
+        </p:nvPicPr>
+        <p:blipFill>
+          <a:blip r:embed="rId7"/>
+          <a:stretch>
+            <a:fillRect/>
+          </a:stretch>
+        </p:blipFill>
+        <p:spPr>
+          <a:xfrm>
+            <a:off x="548363" y="398480"/>
+            <a:ext cx="1939108" cy="1980000"/>
+          </a:xfrm>
+          <a:prstGeom prst="rect">
+            <a:avLst/>
+          </a:prstGeom>
+        </p:spPr>
+      </p:pic>
     </p:spTree>
     <p:extLst>
       <p:ext uri="{BB962C8B-B14F-4D97-AF65-F5344CB8AC3E}">

--- a/img/Publicidad.pptx
+++ b/img/Publicidad.pptx
@@ -220,7 +220,7 @@
           <a:p>
             <a:fld id="{792B3D31-0F96-4966-A431-66F6EDEF5F72}" type="datetimeFigureOut">
               <a:rPr lang="es-PE" smtClean="0"/>
-              <a:t>2/12/2023</a:t>
+              <a:t>30/01/2024</a:t>
             </a:fld>
             <a:endParaRPr lang="es-PE"/>
           </a:p>
@@ -385,7 +385,7 @@
           <a:p>
             <a:fld id="{41E43016-2B50-BC4A-8493-4E9F6F3489B7}" type="datetimeFigureOut">
               <a:rPr lang="es-ES" smtClean="0"/>
-              <a:t>02/12/2023</a:t>
+              <a:t>30/01/2024</a:t>
             </a:fld>
             <a:endParaRPr lang="es-ES"/>
           </a:p>
@@ -4289,7 +4289,7 @@
                 </a:solidFill>
                 <a:latin typeface="Fjalla One" panose="02000506040000020004" pitchFamily="2" charset="0"/>
               </a:rPr>
-              <a:t>CUPÓN DICIEMBRE 2023</a:t>
+              <a:t>CUPÓN ENERO 2024</a:t>
             </a:r>
           </a:p>
           <a:p>
@@ -4302,7 +4302,7 @@
                 <a:latin typeface="Impact" panose="020B0806030902050204" pitchFamily="34" charset="0"/>
                 <a:ea typeface="Roboto Black" panose="02000000000000000000" pitchFamily="2" charset="0"/>
               </a:rPr>
-              <a:t>DICIEMBRE2023</a:t>
+              <a:t>ENERO2024</a:t>
             </a:r>
           </a:p>
           <a:p>
@@ -4319,7 +4319,35 @@
                 <a:ea typeface="Roboto Black" panose="02000000000000000000" pitchFamily="2" charset="0"/>
                 <a:cs typeface="Arial" panose="020B0604020202020204" pitchFamily="34" charset="0"/>
               </a:rPr>
-              <a:t>Desde el 03.dic.2023 GMT-8 por 5 días</a:t>
+              <a:t>Desde </a:t>
+            </a:r>
+            <a:r>
+              <a:rPr lang="es-PE" sz="1600" spc="150">
+                <a:solidFill>
+                  <a:schemeClr val="tx1">
+                    <a:lumMod val="85000"/>
+                    <a:lumOff val="15000"/>
+                  </a:schemeClr>
+                </a:solidFill>
+                <a:latin typeface="Arial" panose="020B0604020202020204" pitchFamily="34" charset="0"/>
+                <a:ea typeface="Roboto Black" panose="02000000000000000000" pitchFamily="2" charset="0"/>
+                <a:cs typeface="Arial" panose="020B0604020202020204" pitchFamily="34" charset="0"/>
+              </a:rPr>
+              <a:t>el 30.ene.2024 23:59 </a:t>
+            </a:r>
+            <a:r>
+              <a:rPr lang="es-PE" sz="1600" spc="150" dirty="0">
+                <a:solidFill>
+                  <a:schemeClr val="tx1">
+                    <a:lumMod val="85000"/>
+                    <a:lumOff val="15000"/>
+                  </a:schemeClr>
+                </a:solidFill>
+                <a:latin typeface="Arial" panose="020B0604020202020204" pitchFamily="34" charset="0"/>
+                <a:ea typeface="Roboto Black" panose="02000000000000000000" pitchFamily="2" charset="0"/>
+                <a:cs typeface="Arial" panose="020B0604020202020204" pitchFamily="34" charset="0"/>
+              </a:rPr>
+              <a:t>GMT-8 por 5 días</a:t>
             </a:r>
           </a:p>
         </p:txBody>

--- a/img/Publicidad.pptx
+++ b/img/Publicidad.pptx
@@ -220,7 +220,7 @@
           <a:p>
             <a:fld id="{792B3D31-0F96-4966-A431-66F6EDEF5F72}" type="datetimeFigureOut">
               <a:rPr lang="es-PE" smtClean="0"/>
-              <a:t>30/01/2024</a:t>
+              <a:t>19/03/2025</a:t>
             </a:fld>
             <a:endParaRPr lang="es-PE"/>
           </a:p>
@@ -385,7 +385,7 @@
           <a:p>
             <a:fld id="{41E43016-2B50-BC4A-8493-4E9F6F3489B7}" type="datetimeFigureOut">
               <a:rPr lang="es-ES" smtClean="0"/>
-              <a:t>30/01/2024</a:t>
+              <a:t>19/03/2025</a:t>
             </a:fld>
             <a:endParaRPr lang="es-ES"/>
           </a:p>
@@ -4289,21 +4289,28 @@
                 </a:solidFill>
                 <a:latin typeface="Fjalla One" panose="02000506040000020004" pitchFamily="2" charset="0"/>
               </a:rPr>
-              <a:t>CUPÓN ENERO 2024</a:t>
+              <a:t>CUPÓN MARZO 2025</a:t>
             </a:r>
           </a:p>
           <a:p>
             <a:pPr algn="ctr"/>
             <a:r>
-              <a:rPr lang="es-PE" sz="7000" spc="150" dirty="0">
+              <a:rPr lang="es-PE" sz="7000" spc="150">
                 <a:solidFill>
                   <a:srgbClr val="832BDB"/>
                 </a:solidFill>
                 <a:latin typeface="Impact" panose="020B0806030902050204" pitchFamily="34" charset="0"/>
                 <a:ea typeface="Roboto Black" panose="02000000000000000000" pitchFamily="2" charset="0"/>
               </a:rPr>
-              <a:t>ENERO2024</a:t>
-            </a:r>
+              <a:t>MARZO2025</a:t>
+            </a:r>
+            <a:endParaRPr lang="es-PE" sz="7000" spc="150" dirty="0">
+              <a:solidFill>
+                <a:srgbClr val="832BDB"/>
+              </a:solidFill>
+              <a:latin typeface="Impact" panose="020B0806030902050204" pitchFamily="34" charset="0"/>
+              <a:ea typeface="Roboto Black" panose="02000000000000000000" pitchFamily="2" charset="0"/>
+            </a:endParaRPr>
           </a:p>
           <a:p>
             <a:pPr algn="ctr"/>
@@ -4319,35 +4326,7 @@
                 <a:ea typeface="Roboto Black" panose="02000000000000000000" pitchFamily="2" charset="0"/>
                 <a:cs typeface="Arial" panose="020B0604020202020204" pitchFamily="34" charset="0"/>
               </a:rPr>
-              <a:t>Desde </a:t>
-            </a:r>
-            <a:r>
-              <a:rPr lang="es-PE" sz="1600" spc="150">
-                <a:solidFill>
-                  <a:schemeClr val="tx1">
-                    <a:lumMod val="85000"/>
-                    <a:lumOff val="15000"/>
-                  </a:schemeClr>
-                </a:solidFill>
-                <a:latin typeface="Arial" panose="020B0604020202020204" pitchFamily="34" charset="0"/>
-                <a:ea typeface="Roboto Black" panose="02000000000000000000" pitchFamily="2" charset="0"/>
-                <a:cs typeface="Arial" panose="020B0604020202020204" pitchFamily="34" charset="0"/>
-              </a:rPr>
-              <a:t>el 30.ene.2024 23:59 </a:t>
-            </a:r>
-            <a:r>
-              <a:rPr lang="es-PE" sz="1600" spc="150" dirty="0">
-                <a:solidFill>
-                  <a:schemeClr val="tx1">
-                    <a:lumMod val="85000"/>
-                    <a:lumOff val="15000"/>
-                  </a:schemeClr>
-                </a:solidFill>
-                <a:latin typeface="Arial" panose="020B0604020202020204" pitchFamily="34" charset="0"/>
-                <a:ea typeface="Roboto Black" panose="02000000000000000000" pitchFamily="2" charset="0"/>
-                <a:cs typeface="Arial" panose="020B0604020202020204" pitchFamily="34" charset="0"/>
-              </a:rPr>
-              <a:t>GMT-8 por 5 días</a:t>
+              <a:t>Desde el 19.mar.2025 22:00 GMT-7 por 5 días</a:t>
             </a:r>
           </a:p>
         </p:txBody>

--- a/img/Publicidad.pptx
+++ b/img/Publicidad.pptx
@@ -220,7 +220,7 @@
           <a:p>
             <a:fld id="{792B3D31-0F96-4966-A431-66F6EDEF5F72}" type="datetimeFigureOut">
               <a:rPr lang="es-PE" smtClean="0"/>
-              <a:t>19/03/2025</a:t>
+              <a:t>16/04/2025</a:t>
             </a:fld>
             <a:endParaRPr lang="es-PE"/>
           </a:p>
@@ -385,7 +385,7 @@
           <a:p>
             <a:fld id="{41E43016-2B50-BC4A-8493-4E9F6F3489B7}" type="datetimeFigureOut">
               <a:rPr lang="es-ES" smtClean="0"/>
-              <a:t>19/03/2025</a:t>
+              <a:t>16/04/2025</a:t>
             </a:fld>
             <a:endParaRPr lang="es-ES"/>
           </a:p>
@@ -4282,51 +4282,42 @@
             <a:r>
               <a:rPr lang="es-PE" sz="3200" dirty="0">
                 <a:solidFill>
-                  <a:schemeClr val="tx2">
-                    <a:lumMod val="60000"/>
-                    <a:lumOff val="40000"/>
+                  <a:schemeClr val="bg2">
+                    <a:lumMod val="25000"/>
                   </a:schemeClr>
                 </a:solidFill>
                 <a:latin typeface="Fjalla One" panose="02000506040000020004" pitchFamily="2" charset="0"/>
               </a:rPr>
-              <a:t>CUPÓN MARZO 2025</a:t>
+              <a:t>CUPÓN ABRIL 2025</a:t>
             </a:r>
           </a:p>
           <a:p>
             <a:pPr algn="ctr"/>
             <a:r>
-              <a:rPr lang="es-PE" sz="7000" spc="150">
+              <a:rPr lang="es-PE" sz="7000" spc="150" dirty="0">
                 <a:solidFill>
                   <a:srgbClr val="832BDB"/>
                 </a:solidFill>
                 <a:latin typeface="Impact" panose="020B0806030902050204" pitchFamily="34" charset="0"/>
                 <a:ea typeface="Roboto Black" panose="02000000000000000000" pitchFamily="2" charset="0"/>
               </a:rPr>
-              <a:t>MARZO2025</a:t>
-            </a:r>
-            <a:endParaRPr lang="es-PE" sz="7000" spc="150" dirty="0">
-              <a:solidFill>
-                <a:srgbClr val="832BDB"/>
-              </a:solidFill>
-              <a:latin typeface="Impact" panose="020B0806030902050204" pitchFamily="34" charset="0"/>
-              <a:ea typeface="Roboto Black" panose="02000000000000000000" pitchFamily="2" charset="0"/>
-            </a:endParaRPr>
+              <a:t>ABRIL2025</a:t>
+            </a:r>
           </a:p>
           <a:p>
             <a:pPr algn="ctr"/>
             <a:r>
               <a:rPr lang="es-PE" sz="1600" spc="150" dirty="0">
                 <a:solidFill>
-                  <a:schemeClr val="tx1">
-                    <a:lumMod val="85000"/>
-                    <a:lumOff val="15000"/>
+                  <a:schemeClr val="bg2">
+                    <a:lumMod val="10000"/>
                   </a:schemeClr>
                 </a:solidFill>
                 <a:latin typeface="Arial" panose="020B0604020202020204" pitchFamily="34" charset="0"/>
                 <a:ea typeface="Roboto Black" panose="02000000000000000000" pitchFamily="2" charset="0"/>
                 <a:cs typeface="Arial" panose="020B0604020202020204" pitchFamily="34" charset="0"/>
               </a:rPr>
-              <a:t>Desde el 19.mar.2025 22:00 GMT-7 por 5 días</a:t>
+              <a:t>Desde el 16.abr.2025 13:00 GMT-7 por 4 días</a:t>
             </a:r>
           </a:p>
         </p:txBody>
